--- a/angularjs/slides/a1_aurelia.pptx
+++ b/angularjs/slides/a1_aurelia.pptx
@@ -5,10 +5,10 @@
     <p:sldMasterId id="2147483772" r:id="rId1"/>
   </p:sldMasterIdLst>
   <p:notesMasterIdLst>
-    <p:notesMasterId r:id="rId21"/>
+    <p:notesMasterId r:id="rId28"/>
   </p:notesMasterIdLst>
   <p:handoutMasterIdLst>
-    <p:handoutMasterId r:id="rId22"/>
+    <p:handoutMasterId r:id="rId29"/>
   </p:handoutMasterIdLst>
   <p:sldIdLst>
     <p:sldId id="327" r:id="rId2"/>
@@ -28,8 +28,15 @@
     <p:sldId id="342" r:id="rId16"/>
     <p:sldId id="343" r:id="rId17"/>
     <p:sldId id="344" r:id="rId18"/>
-    <p:sldId id="346" r:id="rId19"/>
-    <p:sldId id="345" r:id="rId20"/>
+    <p:sldId id="352" r:id="rId19"/>
+    <p:sldId id="353" r:id="rId20"/>
+    <p:sldId id="355" r:id="rId21"/>
+    <p:sldId id="354" r:id="rId22"/>
+    <p:sldId id="346" r:id="rId23"/>
+    <p:sldId id="347" r:id="rId24"/>
+    <p:sldId id="348" r:id="rId25"/>
+    <p:sldId id="349" r:id="rId26"/>
+    <p:sldId id="345" r:id="rId27"/>
   </p:sldIdLst>
   <p:sldSz cx="9144000" cy="6858000" type="screen4x3"/>
   <p:notesSz cx="7302500" cy="9588500"/>
@@ -180,7 +187,14 @@
             <p14:sldId id="342"/>
             <p14:sldId id="343"/>
             <p14:sldId id="344"/>
+            <p14:sldId id="352"/>
+            <p14:sldId id="353"/>
+            <p14:sldId id="355"/>
+            <p14:sldId id="354"/>
             <p14:sldId id="346"/>
+            <p14:sldId id="347"/>
+            <p14:sldId id="348"/>
+            <p14:sldId id="349"/>
             <p14:sldId id="345"/>
           </p14:sldIdLst>
         </p14:section>
@@ -309,7 +323,7 @@
               <a:pPr>
                 <a:defRPr/>
               </a:pPr>
-              <a:t>9/14/2015</a:t>
+              <a:t>9/16/2015</a:t>
             </a:fld>
             <a:endParaRPr lang="en-US"/>
           </a:p>
@@ -3145,16 +3159,7 @@
                 </a:solidFill>
                 <a:latin typeface="Tekton Pro" pitchFamily="34" charset="0"/>
               </a:rPr>
-              <a:t>a</a:t>
-            </a:r>
-            <a:r>
-              <a:rPr lang="en-US" sz="1800" dirty="0" smtClean="0">
-                <a:solidFill>
-                  <a:srgbClr val="002060"/>
-                </a:solidFill>
-                <a:latin typeface="Tekton Pro" pitchFamily="34" charset="0"/>
-              </a:rPr>
-              <a:t>pp.html</a:t>
+              <a:t>app.html</a:t>
             </a:r>
             <a:endParaRPr lang="en-US" sz="1800" dirty="0">
               <a:solidFill>
@@ -4345,7 +4350,7 @@
           <a:p>
             <a:r>
               <a:rPr lang="en-US" dirty="0" smtClean="0"/>
-              <a:t>Routing</a:t>
+              <a:t>Templating</a:t>
             </a:r>
             <a:endParaRPr lang="en-US" dirty="0"/>
           </a:p>
@@ -4368,17 +4373,7 @@
           <a:p>
             <a:r>
               <a:rPr lang="en-US" dirty="0" smtClean="0"/>
-              <a:t>Router and router-view work together</a:t>
-            </a:r>
-          </a:p>
-          <a:p>
-            <a:r>
-              <a:rPr lang="en-US" dirty="0" smtClean="0"/>
-              <a:t>Routing information is </a:t>
-            </a:r>
-            <a:r>
-              <a:rPr lang="en-US" dirty="0" err="1" smtClean="0"/>
-              <a:t>bindable</a:t>
+              <a:t>Uses HTML Import technology</a:t>
             </a:r>
             <a:endParaRPr lang="en-US" dirty="0"/>
           </a:p>
@@ -4400,8 +4395,8 @@
         </p:blipFill>
         <p:spPr>
           <a:xfrm>
-            <a:off x="1219200" y="3048000"/>
-            <a:ext cx="6958012" cy="2380875"/>
+            <a:off x="1657350" y="2505075"/>
+            <a:ext cx="5829300" cy="1847850"/>
           </a:xfrm>
           <a:prstGeom prst="rect">
             <a:avLst/>
@@ -4421,7 +4416,7 @@
     </p:spTree>
     <p:extLst>
       <p:ext uri="{BB962C8B-B14F-4D97-AF65-F5344CB8AC3E}">
-        <p14:creationId xmlns:p14="http://schemas.microsoft.com/office/powerpoint/2010/main" val="1897049088"/>
+        <p14:creationId xmlns:p14="http://schemas.microsoft.com/office/powerpoint/2010/main" val="2595519576"/>
       </p:ext>
     </p:extLst>
   </p:cSld>
@@ -4431,13 +4426,6 @@
   <p:transition>
     <p:fade/>
   </p:transition>
-  <p:timing>
-    <p:tnLst>
-      <p:par>
-        <p:cTn id="1" dur="indefinite" restart="never" nodeType="tmRoot"/>
-      </p:par>
-    </p:tnLst>
-  </p:timing>
 </p:sld>
 </file>
 
@@ -4473,7 +4461,11 @@
           <a:bodyPr/>
           <a:lstStyle/>
           <a:p>
-            <a:endParaRPr lang="en-US"/>
+            <a:r>
+              <a:rPr lang="en-US" dirty="0" smtClean="0"/>
+              <a:t>Data Binding</a:t>
+            </a:r>
+            <a:endParaRPr lang="en-US" dirty="0"/>
           </a:p>
         </p:txBody>
       </p:sp>
@@ -4494,28 +4486,90 @@
           <a:p>
             <a:r>
               <a:rPr lang="en-US" dirty="0" smtClean="0"/>
-              <a:t>Routing</a:t>
+              <a:t>Use .bind anywhere for sensible binding</a:t>
             </a:r>
           </a:p>
           <a:p>
             <a:r>
               <a:rPr lang="en-US" dirty="0" smtClean="0"/>
-              <a:t>Extending html</a:t>
-            </a:r>
-          </a:p>
-          <a:p>
-            <a:r>
-              <a:rPr lang="en-US" dirty="0" smtClean="0"/>
-              <a:t>bundling</a:t>
+              <a:t>Also can use .one-way, .two-way, and .one-time</a:t>
             </a:r>
             <a:endParaRPr lang="en-US" dirty="0"/>
           </a:p>
         </p:txBody>
       </p:sp>
+      <p:pic>
+        <p:nvPicPr>
+          <p:cNvPr id="4" name="Picture 3"/>
+          <p:cNvPicPr>
+            <a:picLocks noChangeAspect="1"/>
+          </p:cNvPicPr>
+          <p:nvPr/>
+        </p:nvPicPr>
+        <p:blipFill>
+          <a:blip r:embed="rId2"/>
+          <a:stretch>
+            <a:fillRect/>
+          </a:stretch>
+        </p:blipFill>
+        <p:spPr>
+          <a:xfrm>
+            <a:off x="457200" y="2819400"/>
+            <a:ext cx="5886450" cy="790575"/>
+          </a:xfrm>
+          <a:prstGeom prst="rect">
+            <a:avLst/>
+          </a:prstGeom>
+          <a:ln>
+            <a:noFill/>
+          </a:ln>
+          <a:effectLst>
+            <a:outerShdw blurRad="292100" dist="139700" dir="2700000" algn="tl" rotWithShape="0">
+              <a:srgbClr val="333333">
+                <a:alpha val="65000"/>
+              </a:srgbClr>
+            </a:outerShdw>
+          </a:effectLst>
+        </p:spPr>
+      </p:pic>
+      <p:pic>
+        <p:nvPicPr>
+          <p:cNvPr id="5" name="Picture 4"/>
+          <p:cNvPicPr>
+            <a:picLocks noChangeAspect="1"/>
+          </p:cNvPicPr>
+          <p:nvPr/>
+        </p:nvPicPr>
+        <p:blipFill>
+          <a:blip r:embed="rId3"/>
+          <a:stretch>
+            <a:fillRect/>
+          </a:stretch>
+        </p:blipFill>
+        <p:spPr>
+          <a:xfrm>
+            <a:off x="2514600" y="4183047"/>
+            <a:ext cx="5934075" cy="809625"/>
+          </a:xfrm>
+          <a:prstGeom prst="rect">
+            <a:avLst/>
+          </a:prstGeom>
+          <a:ln>
+            <a:noFill/>
+          </a:ln>
+          <a:effectLst>
+            <a:outerShdw blurRad="292100" dist="139700" dir="2700000" algn="tl" rotWithShape="0">
+              <a:srgbClr val="333333">
+                <a:alpha val="65000"/>
+              </a:srgbClr>
+            </a:outerShdw>
+          </a:effectLst>
+        </p:spPr>
+      </p:pic>
     </p:spTree>
     <p:extLst>
       <p:ext uri="{BB962C8B-B14F-4D97-AF65-F5344CB8AC3E}">
-        <p14:creationId xmlns:p14="http://schemas.microsoft.com/office/powerpoint/2010/main" val="1753673426"/>
+        <p14:creationId xmlns:p14="http://schemas.microsoft.com/office/powerpoint/2010/main" val="2596603112"/>
       </p:ext>
     </p:extLst>
   </p:cSld>
@@ -4525,13 +4579,6 @@
   <p:transition>
     <p:fade/>
   </p:transition>
-  <p:timing>
-    <p:tnLst>
-      <p:par>
-        <p:cTn id="1" dur="indefinite" restart="never" nodeType="tmRoot"/>
-      </p:par>
-    </p:tnLst>
-  </p:timing>
 </p:sld>
 </file>
 
@@ -4640,6 +4687,1020 @@
     <p:extLst>
       <p:ext uri="{BB962C8B-B14F-4D97-AF65-F5344CB8AC3E}">
         <p14:creationId xmlns:p14="http://schemas.microsoft.com/office/powerpoint/2010/main" val="2690354732"/>
+      </p:ext>
+    </p:extLst>
+  </p:cSld>
+  <p:clrMapOvr>
+    <a:masterClrMapping/>
+  </p:clrMapOvr>
+  <p:transition>
+    <p:fade/>
+  </p:transition>
+  <p:timing>
+    <p:tnLst>
+      <p:par>
+        <p:cTn id="1" dur="indefinite" restart="never" nodeType="tmRoot"/>
+      </p:par>
+    </p:tnLst>
+  </p:timing>
+</p:sld>
+</file>
+
+<file path=ppt/slides/slide20.xml><?xml version="1.0" encoding="utf-8"?>
+<p:sld xmlns:a="http://schemas.openxmlformats.org/drawingml/2006/main" xmlns:r="http://schemas.openxmlformats.org/officeDocument/2006/relationships" xmlns:p="http://schemas.openxmlformats.org/presentationml/2006/main">
+  <p:cSld>
+    <p:spTree>
+      <p:nvGrpSpPr>
+        <p:cNvPr id="1" name=""/>
+        <p:cNvGrpSpPr/>
+        <p:nvPr/>
+      </p:nvGrpSpPr>
+      <p:grpSpPr>
+        <a:xfrm>
+          <a:off x="0" y="0"/>
+          <a:ext cx="0" cy="0"/>
+          <a:chOff x="0" y="0"/>
+          <a:chExt cx="0" cy="0"/>
+        </a:xfrm>
+      </p:grpSpPr>
+      <p:sp>
+        <p:nvSpPr>
+          <p:cNvPr id="2" name="Title 1"/>
+          <p:cNvSpPr>
+            <a:spLocks noGrp="1"/>
+          </p:cNvSpPr>
+          <p:nvPr>
+            <p:ph type="title"/>
+          </p:nvPr>
+        </p:nvSpPr>
+        <p:spPr/>
+        <p:txBody>
+          <a:bodyPr/>
+          <a:lstStyle/>
+          <a:p>
+            <a:r>
+              <a:rPr lang="en-US" dirty="0" smtClean="0"/>
+              <a:t>Adaptive Binding</a:t>
+            </a:r>
+            <a:endParaRPr lang="en-US" dirty="0"/>
+          </a:p>
+        </p:txBody>
+      </p:sp>
+      <p:sp>
+        <p:nvSpPr>
+          <p:cNvPr id="3" name="Text Placeholder 2"/>
+          <p:cNvSpPr>
+            <a:spLocks noGrp="1"/>
+          </p:cNvSpPr>
+          <p:nvPr>
+            <p:ph type="body" idx="1"/>
+          </p:nvPr>
+        </p:nvSpPr>
+        <p:spPr/>
+        <p:txBody>
+          <a:bodyPr/>
+          <a:lstStyle/>
+          <a:p>
+            <a:r>
+              <a:rPr lang="en-US" dirty="0" err="1" smtClean="0"/>
+              <a:t>ObserverLocator</a:t>
+            </a:r>
+            <a:r>
+              <a:rPr lang="en-US" dirty="0" smtClean="0"/>
+              <a:t> for data binding</a:t>
+            </a:r>
+          </a:p>
+          <a:p>
+            <a:pPr lvl="1"/>
+            <a:r>
+              <a:rPr lang="en-US" dirty="0" smtClean="0"/>
+              <a:t>DOM elements (</a:t>
+            </a:r>
+            <a:r>
+              <a:rPr lang="en-US" dirty="0" err="1" smtClean="0"/>
+              <a:t>SelectValueObserver</a:t>
+            </a:r>
+            <a:r>
+              <a:rPr lang="en-US" dirty="0" smtClean="0"/>
+              <a:t>, </a:t>
+            </a:r>
+            <a:r>
+              <a:rPr lang="en-US" dirty="0" err="1" smtClean="0"/>
+              <a:t>CheckedObserver</a:t>
+            </a:r>
+            <a:r>
+              <a:rPr lang="en-US" dirty="0" smtClean="0"/>
+              <a:t>)</a:t>
+            </a:r>
+          </a:p>
+          <a:p>
+            <a:pPr lvl="1"/>
+            <a:r>
+              <a:rPr lang="en-US" dirty="0" err="1" smtClean="0"/>
+              <a:t>Object.observe</a:t>
+            </a:r>
+            <a:r>
+              <a:rPr lang="en-US" dirty="0" smtClean="0"/>
+              <a:t>, </a:t>
+            </a:r>
+            <a:r>
+              <a:rPr lang="en-US" dirty="0" err="1" smtClean="0"/>
+              <a:t>Object.defineProperty</a:t>
+            </a:r>
+            <a:endParaRPr lang="en-US" dirty="0" smtClean="0"/>
+          </a:p>
+          <a:p>
+            <a:pPr lvl="1"/>
+            <a:endParaRPr lang="en-US" dirty="0"/>
+          </a:p>
+          <a:p>
+            <a:endParaRPr lang="en-US" dirty="0" smtClean="0"/>
+          </a:p>
+          <a:p>
+            <a:pPr lvl="1"/>
+            <a:endParaRPr lang="en-US" dirty="0" smtClean="0"/>
+          </a:p>
+          <a:p>
+            <a:pPr lvl="1"/>
+            <a:endParaRPr lang="en-US" dirty="0"/>
+          </a:p>
+        </p:txBody>
+      </p:sp>
+      <p:pic>
+        <p:nvPicPr>
+          <p:cNvPr id="4" name="Picture 3"/>
+          <p:cNvPicPr>
+            <a:picLocks noChangeAspect="1"/>
+          </p:cNvPicPr>
+          <p:nvPr/>
+        </p:nvPicPr>
+        <p:blipFill>
+          <a:blip r:embed="rId2"/>
+          <a:stretch>
+            <a:fillRect/>
+          </a:stretch>
+        </p:blipFill>
+        <p:spPr>
+          <a:xfrm>
+            <a:off x="381000" y="2743200"/>
+            <a:ext cx="5295900" cy="3119976"/>
+          </a:xfrm>
+          <a:prstGeom prst="rect">
+            <a:avLst/>
+          </a:prstGeom>
+          <a:ln>
+            <a:noFill/>
+          </a:ln>
+          <a:effectLst>
+            <a:outerShdw blurRad="292100" dist="139700" dir="2700000" algn="tl" rotWithShape="0">
+              <a:srgbClr val="333333">
+                <a:alpha val="65000"/>
+              </a:srgbClr>
+            </a:outerShdw>
+          </a:effectLst>
+        </p:spPr>
+      </p:pic>
+      <p:pic>
+        <p:nvPicPr>
+          <p:cNvPr id="5" name="Picture 4"/>
+          <p:cNvPicPr>
+            <a:picLocks noChangeAspect="1"/>
+          </p:cNvPicPr>
+          <p:nvPr/>
+        </p:nvPicPr>
+        <p:blipFill>
+          <a:blip r:embed="rId3"/>
+          <a:stretch>
+            <a:fillRect/>
+          </a:stretch>
+        </p:blipFill>
+        <p:spPr>
+          <a:xfrm>
+            <a:off x="3515557" y="5029200"/>
+            <a:ext cx="5181600" cy="1083013"/>
+          </a:xfrm>
+          <a:prstGeom prst="rect">
+            <a:avLst/>
+          </a:prstGeom>
+          <a:ln>
+            <a:noFill/>
+          </a:ln>
+          <a:effectLst>
+            <a:outerShdw blurRad="292100" dist="139700" dir="2700000" algn="tl" rotWithShape="0">
+              <a:srgbClr val="333333">
+                <a:alpha val="65000"/>
+              </a:srgbClr>
+            </a:outerShdw>
+          </a:effectLst>
+        </p:spPr>
+      </p:pic>
+    </p:spTree>
+    <p:extLst>
+      <p:ext uri="{BB962C8B-B14F-4D97-AF65-F5344CB8AC3E}">
+        <p14:creationId xmlns:p14="http://schemas.microsoft.com/office/powerpoint/2010/main" val="1037555466"/>
+      </p:ext>
+    </p:extLst>
+  </p:cSld>
+  <p:clrMapOvr>
+    <a:masterClrMapping/>
+  </p:clrMapOvr>
+  <p:transition>
+    <p:fade/>
+  </p:transition>
+</p:sld>
+</file>
+
+<file path=ppt/slides/slide21.xml><?xml version="1.0" encoding="utf-8"?>
+<p:sld xmlns:a="http://schemas.openxmlformats.org/drawingml/2006/main" xmlns:r="http://schemas.openxmlformats.org/officeDocument/2006/relationships" xmlns:p="http://schemas.openxmlformats.org/presentationml/2006/main">
+  <p:cSld>
+    <p:spTree>
+      <p:nvGrpSpPr>
+        <p:cNvPr id="1" name=""/>
+        <p:cNvGrpSpPr/>
+        <p:nvPr/>
+      </p:nvGrpSpPr>
+      <p:grpSpPr>
+        <a:xfrm>
+          <a:off x="0" y="0"/>
+          <a:ext cx="0" cy="0"/>
+          <a:chOff x="0" y="0"/>
+          <a:chExt cx="0" cy="0"/>
+        </a:xfrm>
+      </p:grpSpPr>
+      <p:sp>
+        <p:nvSpPr>
+          <p:cNvPr id="2" name="Title 1"/>
+          <p:cNvSpPr>
+            <a:spLocks noGrp="1"/>
+          </p:cNvSpPr>
+          <p:nvPr>
+            <p:ph type="title"/>
+          </p:nvPr>
+        </p:nvSpPr>
+        <p:spPr/>
+        <p:txBody>
+          <a:bodyPr/>
+          <a:lstStyle/>
+          <a:p>
+            <a:r>
+              <a:rPr lang="en-US" dirty="0" smtClean="0"/>
+              <a:t>Delegate and Trigger</a:t>
+            </a:r>
+            <a:endParaRPr lang="en-US" dirty="0"/>
+          </a:p>
+        </p:txBody>
+      </p:sp>
+      <p:sp>
+        <p:nvSpPr>
+          <p:cNvPr id="3" name="Text Placeholder 2"/>
+          <p:cNvSpPr>
+            <a:spLocks noGrp="1"/>
+          </p:cNvSpPr>
+          <p:nvPr>
+            <p:ph type="body" idx="1"/>
+          </p:nvPr>
+        </p:nvSpPr>
+        <p:spPr/>
+        <p:txBody>
+          <a:bodyPr/>
+          <a:lstStyle/>
+          <a:p>
+            <a:endParaRPr lang="en-US"/>
+          </a:p>
+        </p:txBody>
+      </p:sp>
+      <p:pic>
+        <p:nvPicPr>
+          <p:cNvPr id="4" name="Picture 3"/>
+          <p:cNvPicPr>
+            <a:picLocks noChangeAspect="1"/>
+          </p:cNvPicPr>
+          <p:nvPr/>
+        </p:nvPicPr>
+        <p:blipFill>
+          <a:blip r:embed="rId2"/>
+          <a:stretch>
+            <a:fillRect/>
+          </a:stretch>
+        </p:blipFill>
+        <p:spPr>
+          <a:xfrm>
+            <a:off x="263648" y="1905000"/>
+            <a:ext cx="7391400" cy="504825"/>
+          </a:xfrm>
+          <a:prstGeom prst="rect">
+            <a:avLst/>
+          </a:prstGeom>
+          <a:ln>
+            <a:noFill/>
+          </a:ln>
+          <a:effectLst>
+            <a:outerShdw blurRad="292100" dist="139700" dir="2700000" algn="tl" rotWithShape="0">
+              <a:srgbClr val="333333">
+                <a:alpha val="65000"/>
+              </a:srgbClr>
+            </a:outerShdw>
+          </a:effectLst>
+        </p:spPr>
+      </p:pic>
+      <p:pic>
+        <p:nvPicPr>
+          <p:cNvPr id="5" name="Picture 4"/>
+          <p:cNvPicPr>
+            <a:picLocks noChangeAspect="1"/>
+          </p:cNvPicPr>
+          <p:nvPr/>
+        </p:nvPicPr>
+        <p:blipFill>
+          <a:blip r:embed="rId3"/>
+          <a:stretch>
+            <a:fillRect/>
+          </a:stretch>
+        </p:blipFill>
+        <p:spPr>
+          <a:xfrm>
+            <a:off x="1371600" y="2852737"/>
+            <a:ext cx="7496175" cy="647700"/>
+          </a:xfrm>
+          <a:prstGeom prst="rect">
+            <a:avLst/>
+          </a:prstGeom>
+          <a:ln>
+            <a:noFill/>
+          </a:ln>
+          <a:effectLst>
+            <a:outerShdw blurRad="292100" dist="139700" dir="2700000" algn="tl" rotWithShape="0">
+              <a:srgbClr val="333333">
+                <a:alpha val="65000"/>
+              </a:srgbClr>
+            </a:outerShdw>
+          </a:effectLst>
+        </p:spPr>
+      </p:pic>
+      <p:pic>
+        <p:nvPicPr>
+          <p:cNvPr id="6" name="Picture 5"/>
+          <p:cNvPicPr>
+            <a:picLocks noChangeAspect="1"/>
+          </p:cNvPicPr>
+          <p:nvPr/>
+        </p:nvPicPr>
+        <p:blipFill>
+          <a:blip r:embed="rId4"/>
+          <a:stretch>
+            <a:fillRect/>
+          </a:stretch>
+        </p:blipFill>
+        <p:spPr>
+          <a:xfrm>
+            <a:off x="519112" y="4038600"/>
+            <a:ext cx="8258175" cy="704850"/>
+          </a:xfrm>
+          <a:prstGeom prst="rect">
+            <a:avLst/>
+          </a:prstGeom>
+          <a:ln>
+            <a:noFill/>
+          </a:ln>
+          <a:effectLst>
+            <a:outerShdw blurRad="292100" dist="139700" dir="2700000" algn="tl" rotWithShape="0">
+              <a:srgbClr val="333333">
+                <a:alpha val="65000"/>
+              </a:srgbClr>
+            </a:outerShdw>
+          </a:effectLst>
+        </p:spPr>
+      </p:pic>
+    </p:spTree>
+    <p:extLst>
+      <p:ext uri="{BB962C8B-B14F-4D97-AF65-F5344CB8AC3E}">
+        <p14:creationId xmlns:p14="http://schemas.microsoft.com/office/powerpoint/2010/main" val="1161864672"/>
+      </p:ext>
+    </p:extLst>
+  </p:cSld>
+  <p:clrMapOvr>
+    <a:masterClrMapping/>
+  </p:clrMapOvr>
+  <p:transition>
+    <p:fade/>
+  </p:transition>
+</p:sld>
+</file>
+
+<file path=ppt/slides/slide22.xml><?xml version="1.0" encoding="utf-8"?>
+<p:sld xmlns:a="http://schemas.openxmlformats.org/drawingml/2006/main" xmlns:r="http://schemas.openxmlformats.org/officeDocument/2006/relationships" xmlns:p="http://schemas.openxmlformats.org/presentationml/2006/main">
+  <p:cSld>
+    <p:spTree>
+      <p:nvGrpSpPr>
+        <p:cNvPr id="1" name=""/>
+        <p:cNvGrpSpPr/>
+        <p:nvPr/>
+      </p:nvGrpSpPr>
+      <p:grpSpPr>
+        <a:xfrm>
+          <a:off x="0" y="0"/>
+          <a:ext cx="0" cy="0"/>
+          <a:chOff x="0" y="0"/>
+          <a:chExt cx="0" cy="0"/>
+        </a:xfrm>
+      </p:grpSpPr>
+      <p:sp>
+        <p:nvSpPr>
+          <p:cNvPr id="2" name="Title 1"/>
+          <p:cNvSpPr>
+            <a:spLocks noGrp="1"/>
+          </p:cNvSpPr>
+          <p:nvPr>
+            <p:ph type="title"/>
+          </p:nvPr>
+        </p:nvSpPr>
+        <p:spPr/>
+        <p:txBody>
+          <a:bodyPr/>
+          <a:lstStyle/>
+          <a:p>
+            <a:r>
+              <a:rPr lang="en-US" dirty="0" smtClean="0"/>
+              <a:t>Routing</a:t>
+            </a:r>
+            <a:endParaRPr lang="en-US" dirty="0"/>
+          </a:p>
+        </p:txBody>
+      </p:sp>
+      <p:sp>
+        <p:nvSpPr>
+          <p:cNvPr id="3" name="Text Placeholder 2"/>
+          <p:cNvSpPr>
+            <a:spLocks noGrp="1"/>
+          </p:cNvSpPr>
+          <p:nvPr>
+            <p:ph type="body" idx="1"/>
+          </p:nvPr>
+        </p:nvSpPr>
+        <p:spPr/>
+        <p:txBody>
+          <a:bodyPr/>
+          <a:lstStyle/>
+          <a:p>
+            <a:r>
+              <a:rPr lang="en-US" dirty="0" smtClean="0"/>
+              <a:t>Router and router-view work together</a:t>
+            </a:r>
+          </a:p>
+          <a:p>
+            <a:r>
+              <a:rPr lang="en-US" dirty="0" smtClean="0"/>
+              <a:t>Routing information is </a:t>
+            </a:r>
+            <a:r>
+              <a:rPr lang="en-US" dirty="0" err="1" smtClean="0"/>
+              <a:t>bindable</a:t>
+            </a:r>
+            <a:endParaRPr lang="en-US" dirty="0"/>
+          </a:p>
+        </p:txBody>
+      </p:sp>
+      <p:pic>
+        <p:nvPicPr>
+          <p:cNvPr id="4" name="Picture 3"/>
+          <p:cNvPicPr>
+            <a:picLocks noChangeAspect="1"/>
+          </p:cNvPicPr>
+          <p:nvPr/>
+        </p:nvPicPr>
+        <p:blipFill>
+          <a:blip r:embed="rId2"/>
+          <a:stretch>
+            <a:fillRect/>
+          </a:stretch>
+        </p:blipFill>
+        <p:spPr>
+          <a:xfrm>
+            <a:off x="1219200" y="3048000"/>
+            <a:ext cx="6958012" cy="2380875"/>
+          </a:xfrm>
+          <a:prstGeom prst="rect">
+            <a:avLst/>
+          </a:prstGeom>
+          <a:ln>
+            <a:noFill/>
+          </a:ln>
+          <a:effectLst>
+            <a:outerShdw blurRad="292100" dist="139700" dir="2700000" algn="tl" rotWithShape="0">
+              <a:srgbClr val="333333">
+                <a:alpha val="65000"/>
+              </a:srgbClr>
+            </a:outerShdw>
+          </a:effectLst>
+        </p:spPr>
+      </p:pic>
+    </p:spTree>
+    <p:extLst>
+      <p:ext uri="{BB962C8B-B14F-4D97-AF65-F5344CB8AC3E}">
+        <p14:creationId xmlns:p14="http://schemas.microsoft.com/office/powerpoint/2010/main" val="1897049088"/>
+      </p:ext>
+    </p:extLst>
+  </p:cSld>
+  <p:clrMapOvr>
+    <a:masterClrMapping/>
+  </p:clrMapOvr>
+  <p:transition>
+    <p:fade/>
+  </p:transition>
+  <p:timing>
+    <p:tnLst>
+      <p:par>
+        <p:cTn id="1" dur="indefinite" restart="never" nodeType="tmRoot"/>
+      </p:par>
+    </p:tnLst>
+  </p:timing>
+</p:sld>
+</file>
+
+<file path=ppt/slides/slide23.xml><?xml version="1.0" encoding="utf-8"?>
+<p:sld xmlns:a="http://schemas.openxmlformats.org/drawingml/2006/main" xmlns:r="http://schemas.openxmlformats.org/officeDocument/2006/relationships" xmlns:p="http://schemas.openxmlformats.org/presentationml/2006/main">
+  <p:cSld>
+    <p:spTree>
+      <p:nvGrpSpPr>
+        <p:cNvPr id="1" name=""/>
+        <p:cNvGrpSpPr/>
+        <p:nvPr/>
+      </p:nvGrpSpPr>
+      <p:grpSpPr>
+        <a:xfrm>
+          <a:off x="0" y="0"/>
+          <a:ext cx="0" cy="0"/>
+          <a:chOff x="0" y="0"/>
+          <a:chExt cx="0" cy="0"/>
+        </a:xfrm>
+      </p:grpSpPr>
+      <p:sp>
+        <p:nvSpPr>
+          <p:cNvPr id="2" name="Title 1"/>
+          <p:cNvSpPr>
+            <a:spLocks noGrp="1"/>
+          </p:cNvSpPr>
+          <p:nvPr>
+            <p:ph type="title"/>
+          </p:nvPr>
+        </p:nvSpPr>
+        <p:spPr/>
+        <p:txBody>
+          <a:bodyPr/>
+          <a:lstStyle/>
+          <a:p>
+            <a:r>
+              <a:rPr lang="en-US" dirty="0" smtClean="0"/>
+              <a:t>Screen Activation</a:t>
+            </a:r>
+            <a:endParaRPr lang="en-US" dirty="0"/>
+          </a:p>
+        </p:txBody>
+      </p:sp>
+      <p:sp>
+        <p:nvSpPr>
+          <p:cNvPr id="3" name="Text Placeholder 2"/>
+          <p:cNvSpPr>
+            <a:spLocks noGrp="1"/>
+          </p:cNvSpPr>
+          <p:nvPr>
+            <p:ph type="body" idx="1"/>
+          </p:nvPr>
+        </p:nvSpPr>
+        <p:spPr/>
+        <p:txBody>
+          <a:bodyPr/>
+          <a:lstStyle/>
+          <a:p>
+            <a:r>
+              <a:rPr lang="en-US" dirty="0" smtClean="0"/>
+              <a:t>Use activation lifecycle to control navigation</a:t>
+            </a:r>
+          </a:p>
+          <a:p>
+            <a:pPr lvl="1"/>
+            <a:r>
+              <a:rPr lang="en-US" dirty="0" err="1" smtClean="0"/>
+              <a:t>canActivate</a:t>
+            </a:r>
+            <a:endParaRPr lang="en-US" dirty="0" smtClean="0"/>
+          </a:p>
+          <a:p>
+            <a:pPr lvl="1"/>
+            <a:r>
+              <a:rPr lang="en-US" dirty="0" smtClean="0"/>
+              <a:t>activate</a:t>
+            </a:r>
+          </a:p>
+          <a:p>
+            <a:pPr lvl="1"/>
+            <a:r>
+              <a:rPr lang="en-US" dirty="0" err="1" smtClean="0"/>
+              <a:t>canDeactivate</a:t>
+            </a:r>
+            <a:endParaRPr lang="en-US" dirty="0" smtClean="0"/>
+          </a:p>
+          <a:p>
+            <a:pPr lvl="1"/>
+            <a:r>
+              <a:rPr lang="en-US" dirty="0" smtClean="0"/>
+              <a:t>Deactivate</a:t>
+            </a:r>
+          </a:p>
+          <a:p>
+            <a:r>
+              <a:rPr lang="en-US" dirty="0" smtClean="0"/>
+              <a:t>Return promises to have the router wait…</a:t>
+            </a:r>
+          </a:p>
+          <a:p>
+            <a:endParaRPr lang="en-US" dirty="0" smtClean="0"/>
+          </a:p>
+        </p:txBody>
+      </p:sp>
+      <p:pic>
+        <p:nvPicPr>
+          <p:cNvPr id="4" name="Picture 3"/>
+          <p:cNvPicPr>
+            <a:picLocks noChangeAspect="1"/>
+          </p:cNvPicPr>
+          <p:nvPr/>
+        </p:nvPicPr>
+        <p:blipFill>
+          <a:blip r:embed="rId2"/>
+          <a:stretch>
+            <a:fillRect/>
+          </a:stretch>
+        </p:blipFill>
+        <p:spPr>
+          <a:xfrm>
+            <a:off x="1447800" y="4191000"/>
+            <a:ext cx="6505575" cy="1457325"/>
+          </a:xfrm>
+          <a:prstGeom prst="rect">
+            <a:avLst/>
+          </a:prstGeom>
+          <a:ln>
+            <a:noFill/>
+          </a:ln>
+          <a:effectLst>
+            <a:outerShdw blurRad="292100" dist="139700" dir="2700000" algn="tl" rotWithShape="0">
+              <a:srgbClr val="333333">
+                <a:alpha val="65000"/>
+              </a:srgbClr>
+            </a:outerShdw>
+          </a:effectLst>
+        </p:spPr>
+      </p:pic>
+    </p:spTree>
+    <p:extLst>
+      <p:ext uri="{BB962C8B-B14F-4D97-AF65-F5344CB8AC3E}">
+        <p14:creationId xmlns:p14="http://schemas.microsoft.com/office/powerpoint/2010/main" val="3326091569"/>
+      </p:ext>
+    </p:extLst>
+  </p:cSld>
+  <p:clrMapOvr>
+    <a:masterClrMapping/>
+  </p:clrMapOvr>
+  <p:transition>
+    <p:fade/>
+  </p:transition>
+</p:sld>
+</file>
+
+<file path=ppt/slides/slide24.xml><?xml version="1.0" encoding="utf-8"?>
+<p:sld xmlns:a="http://schemas.openxmlformats.org/drawingml/2006/main" xmlns:r="http://schemas.openxmlformats.org/officeDocument/2006/relationships" xmlns:p="http://schemas.openxmlformats.org/presentationml/2006/main">
+  <p:cSld>
+    <p:spTree>
+      <p:nvGrpSpPr>
+        <p:cNvPr id="1" name=""/>
+        <p:cNvGrpSpPr/>
+        <p:nvPr/>
+      </p:nvGrpSpPr>
+      <p:grpSpPr>
+        <a:xfrm>
+          <a:off x="0" y="0"/>
+          <a:ext cx="0" cy="0"/>
+          <a:chOff x="0" y="0"/>
+          <a:chExt cx="0" cy="0"/>
+        </a:xfrm>
+      </p:grpSpPr>
+      <p:sp>
+        <p:nvSpPr>
+          <p:cNvPr id="2" name="Title 1"/>
+          <p:cNvSpPr>
+            <a:spLocks noGrp="1"/>
+          </p:cNvSpPr>
+          <p:nvPr>
+            <p:ph type="title"/>
+          </p:nvPr>
+        </p:nvSpPr>
+        <p:spPr/>
+        <p:txBody>
+          <a:bodyPr/>
+          <a:lstStyle/>
+          <a:p>
+            <a:r>
+              <a:rPr lang="en-US" dirty="0" smtClean="0"/>
+              <a:t>Child Routers</a:t>
+            </a:r>
+            <a:endParaRPr lang="en-US" dirty="0"/>
+          </a:p>
+        </p:txBody>
+      </p:sp>
+      <p:sp>
+        <p:nvSpPr>
+          <p:cNvPr id="3" name="Text Placeholder 2"/>
+          <p:cNvSpPr>
+            <a:spLocks noGrp="1"/>
+          </p:cNvSpPr>
+          <p:nvPr>
+            <p:ph type="body" idx="1"/>
+          </p:nvPr>
+        </p:nvSpPr>
+        <p:spPr/>
+        <p:txBody>
+          <a:bodyPr/>
+          <a:lstStyle/>
+          <a:p>
+            <a:r>
+              <a:rPr lang="en-US" dirty="0" smtClean="0"/>
+              <a:t>Independent route configuration</a:t>
+            </a:r>
+          </a:p>
+          <a:p>
+            <a:r>
+              <a:rPr lang="en-US" dirty="0" smtClean="0"/>
+              <a:t>Navigate relative to parent</a:t>
+            </a:r>
+            <a:endParaRPr lang="en-US" dirty="0"/>
+          </a:p>
+        </p:txBody>
+      </p:sp>
+      <p:pic>
+        <p:nvPicPr>
+          <p:cNvPr id="4" name="Picture 3"/>
+          <p:cNvPicPr>
+            <a:picLocks noChangeAspect="1"/>
+          </p:cNvPicPr>
+          <p:nvPr/>
+        </p:nvPicPr>
+        <p:blipFill>
+          <a:blip r:embed="rId2"/>
+          <a:stretch>
+            <a:fillRect/>
+          </a:stretch>
+        </p:blipFill>
+        <p:spPr>
+          <a:xfrm>
+            <a:off x="2381250" y="2644013"/>
+            <a:ext cx="4381500" cy="3678368"/>
+          </a:xfrm>
+          <a:prstGeom prst="rect">
+            <a:avLst/>
+          </a:prstGeom>
+        </p:spPr>
+      </p:pic>
+    </p:spTree>
+    <p:extLst>
+      <p:ext uri="{BB962C8B-B14F-4D97-AF65-F5344CB8AC3E}">
+        <p14:creationId xmlns:p14="http://schemas.microsoft.com/office/powerpoint/2010/main" val="552664491"/>
+      </p:ext>
+    </p:extLst>
+  </p:cSld>
+  <p:clrMapOvr>
+    <a:masterClrMapping/>
+  </p:clrMapOvr>
+  <p:transition>
+    <p:fade/>
+  </p:transition>
+</p:sld>
+</file>
+
+<file path=ppt/slides/slide25.xml><?xml version="1.0" encoding="utf-8"?>
+<p:sld xmlns:a="http://schemas.openxmlformats.org/drawingml/2006/main" xmlns:r="http://schemas.openxmlformats.org/officeDocument/2006/relationships" xmlns:p="http://schemas.openxmlformats.org/presentationml/2006/main">
+  <p:cSld>
+    <p:spTree>
+      <p:nvGrpSpPr>
+        <p:cNvPr id="1" name=""/>
+        <p:cNvGrpSpPr/>
+        <p:nvPr/>
+      </p:nvGrpSpPr>
+      <p:grpSpPr>
+        <a:xfrm>
+          <a:off x="0" y="0"/>
+          <a:ext cx="0" cy="0"/>
+          <a:chOff x="0" y="0"/>
+          <a:chExt cx="0" cy="0"/>
+        </a:xfrm>
+      </p:grpSpPr>
+      <p:sp>
+        <p:nvSpPr>
+          <p:cNvPr id="2" name="Title 1"/>
+          <p:cNvSpPr>
+            <a:spLocks noGrp="1"/>
+          </p:cNvSpPr>
+          <p:nvPr>
+            <p:ph type="title"/>
+          </p:nvPr>
+        </p:nvSpPr>
+        <p:spPr/>
+        <p:txBody>
+          <a:bodyPr/>
+          <a:lstStyle/>
+          <a:p>
+            <a:r>
+              <a:rPr lang="en-US" dirty="0" smtClean="0"/>
+              <a:t>Custom Elements</a:t>
+            </a:r>
+            <a:endParaRPr lang="en-US" dirty="0"/>
+          </a:p>
+        </p:txBody>
+      </p:sp>
+      <p:sp>
+        <p:nvSpPr>
+          <p:cNvPr id="3" name="Text Placeholder 2"/>
+          <p:cNvSpPr>
+            <a:spLocks noGrp="1"/>
+          </p:cNvSpPr>
+          <p:nvPr>
+            <p:ph type="body" idx="1"/>
+          </p:nvPr>
+        </p:nvSpPr>
+        <p:spPr/>
+        <p:txBody>
+          <a:bodyPr/>
+          <a:lstStyle/>
+          <a:p>
+            <a:r>
+              <a:rPr lang="en-US" dirty="0" smtClean="0"/>
+              <a:t>Follow the View &lt;-&gt; View Model conventions</a:t>
+            </a:r>
+            <a:endParaRPr lang="en-US" dirty="0"/>
+          </a:p>
+        </p:txBody>
+      </p:sp>
+      <p:pic>
+        <p:nvPicPr>
+          <p:cNvPr id="4" name="Picture 3"/>
+          <p:cNvPicPr>
+            <a:picLocks noChangeAspect="1"/>
+          </p:cNvPicPr>
+          <p:nvPr/>
+        </p:nvPicPr>
+        <p:blipFill>
+          <a:blip r:embed="rId2"/>
+          <a:stretch>
+            <a:fillRect/>
+          </a:stretch>
+        </p:blipFill>
+        <p:spPr>
+          <a:xfrm>
+            <a:off x="623887" y="2667000"/>
+            <a:ext cx="7896225" cy="3076575"/>
+          </a:xfrm>
+          <a:prstGeom prst="rect">
+            <a:avLst/>
+          </a:prstGeom>
+          <a:ln>
+            <a:noFill/>
+          </a:ln>
+          <a:effectLst>
+            <a:outerShdw blurRad="292100" dist="139700" dir="2700000" algn="tl" rotWithShape="0">
+              <a:srgbClr val="333333">
+                <a:alpha val="65000"/>
+              </a:srgbClr>
+            </a:outerShdw>
+          </a:effectLst>
+        </p:spPr>
+      </p:pic>
+    </p:spTree>
+    <p:extLst>
+      <p:ext uri="{BB962C8B-B14F-4D97-AF65-F5344CB8AC3E}">
+        <p14:creationId xmlns:p14="http://schemas.microsoft.com/office/powerpoint/2010/main" val="2479968216"/>
+      </p:ext>
+    </p:extLst>
+  </p:cSld>
+  <p:clrMapOvr>
+    <a:masterClrMapping/>
+  </p:clrMapOvr>
+  <p:transition>
+    <p:fade/>
+  </p:transition>
+</p:sld>
+</file>
+
+<file path=ppt/slides/slide26.xml><?xml version="1.0" encoding="utf-8"?>
+<p:sld xmlns:a="http://schemas.openxmlformats.org/drawingml/2006/main" xmlns:r="http://schemas.openxmlformats.org/officeDocument/2006/relationships" xmlns:p="http://schemas.openxmlformats.org/presentationml/2006/main">
+  <p:cSld>
+    <p:spTree>
+      <p:nvGrpSpPr>
+        <p:cNvPr id="1" name=""/>
+        <p:cNvGrpSpPr/>
+        <p:nvPr/>
+      </p:nvGrpSpPr>
+      <p:grpSpPr>
+        <a:xfrm>
+          <a:off x="0" y="0"/>
+          <a:ext cx="0" cy="0"/>
+          <a:chOff x="0" y="0"/>
+          <a:chExt cx="0" cy="0"/>
+        </a:xfrm>
+      </p:grpSpPr>
+      <p:sp>
+        <p:nvSpPr>
+          <p:cNvPr id="2" name="Title 1"/>
+          <p:cNvSpPr>
+            <a:spLocks noGrp="1"/>
+          </p:cNvSpPr>
+          <p:nvPr>
+            <p:ph type="title"/>
+          </p:nvPr>
+        </p:nvSpPr>
+        <p:spPr/>
+        <p:txBody>
+          <a:bodyPr/>
+          <a:lstStyle/>
+          <a:p>
+            <a:r>
+              <a:rPr lang="en-US" dirty="0" smtClean="0"/>
+              <a:t>Summary</a:t>
+            </a:r>
+            <a:endParaRPr lang="en-US" dirty="0"/>
+          </a:p>
+        </p:txBody>
+      </p:sp>
+      <p:sp>
+        <p:nvSpPr>
+          <p:cNvPr id="3" name="Text Placeholder 2"/>
+          <p:cNvSpPr>
+            <a:spLocks noGrp="1"/>
+          </p:cNvSpPr>
+          <p:nvPr>
+            <p:ph type="body" idx="1"/>
+          </p:nvPr>
+        </p:nvSpPr>
+        <p:spPr/>
+        <p:txBody>
+          <a:bodyPr/>
+          <a:lstStyle/>
+          <a:p>
+            <a:r>
+              <a:rPr lang="en-US" dirty="0" smtClean="0"/>
+              <a:t>Aurelia – only weeks left till the beta starts!</a:t>
+            </a:r>
+          </a:p>
+          <a:p>
+            <a:r>
+              <a:rPr lang="en-US" dirty="0" smtClean="0">
+                <a:hlinkClick r:id="rId2"/>
+              </a:rPr>
+              <a:t>http://aurelia.io</a:t>
+            </a:r>
+            <a:endParaRPr lang="en-US" dirty="0" smtClean="0"/>
+          </a:p>
+          <a:p>
+            <a:r>
+              <a:rPr lang="en-US" dirty="0">
+                <a:hlinkClick r:id="rId3"/>
+              </a:rPr>
+              <a:t>https://</a:t>
+            </a:r>
+            <a:r>
+              <a:rPr lang="en-US" dirty="0" smtClean="0">
+                <a:hlinkClick r:id="rId3"/>
+              </a:rPr>
+              <a:t>gitter.im/Aurelia/Discuss</a:t>
+            </a:r>
+            <a:endParaRPr lang="en-US" dirty="0" smtClean="0"/>
+          </a:p>
+          <a:p>
+            <a:r>
+              <a:rPr lang="en-US" dirty="0" smtClean="0"/>
+              <a:t>Me: </a:t>
+            </a:r>
+            <a:r>
+              <a:rPr lang="en-US" dirty="0" smtClean="0">
+                <a:hlinkClick r:id="rId4"/>
+              </a:rPr>
+              <a:t>scott@OdeToCode.com</a:t>
+            </a:r>
+            <a:r>
+              <a:rPr lang="en-US" dirty="0" smtClean="0"/>
+              <a:t> or @</a:t>
+            </a:r>
+            <a:r>
+              <a:rPr lang="en-US" dirty="0" err="1" smtClean="0"/>
+              <a:t>OdeToCode</a:t>
+            </a:r>
+            <a:endParaRPr lang="en-US" dirty="0" smtClean="0"/>
+          </a:p>
+        </p:txBody>
+      </p:sp>
+    </p:spTree>
+    <p:extLst>
+      <p:ext uri="{BB962C8B-B14F-4D97-AF65-F5344CB8AC3E}">
+        <p14:creationId xmlns:p14="http://schemas.microsoft.com/office/powerpoint/2010/main" val="1753673426"/>
       </p:ext>
     </p:extLst>
   </p:cSld>

--- a/angularjs/slides/a1_aurelia.pptx
+++ b/angularjs/slides/a1_aurelia.pptx
@@ -4426,6 +4426,13 @@
   <p:transition>
     <p:fade/>
   </p:transition>
+  <p:timing>
+    <p:tnLst>
+      <p:par>
+        <p:cTn id="1" dur="indefinite" restart="never" nodeType="tmRoot"/>
+      </p:par>
+    </p:tnLst>
+  </p:timing>
 </p:sld>
 </file>
 
@@ -4579,6 +4586,13 @@
   <p:transition>
     <p:fade/>
   </p:transition>
+  <p:timing>
+    <p:tnLst>
+      <p:par>
+        <p:cTn id="1" dur="indefinite" restart="never" nodeType="tmRoot"/>
+      </p:par>
+    </p:tnLst>
+  </p:timing>
 </p:sld>
 </file>
 
@@ -4907,6 +4921,13 @@
   <p:transition>
     <p:fade/>
   </p:transition>
+  <p:timing>
+    <p:tnLst>
+      <p:par>
+        <p:cTn id="1" dur="indefinite" restart="never" nodeType="tmRoot"/>
+      </p:par>
+    </p:tnLst>
+  </p:timing>
 </p:sld>
 </file>
 
@@ -5084,6 +5105,13 @@
   <p:transition>
     <p:fade/>
   </p:transition>
+  <p:timing>
+    <p:tnLst>
+      <p:par>
+        <p:cTn id="1" dur="indefinite" restart="never" nodeType="tmRoot"/>
+      </p:par>
+    </p:tnLst>
+  </p:timing>
 </p:sld>
 </file>
 
@@ -5365,6 +5393,13 @@
   <p:transition>
     <p:fade/>
   </p:transition>
+  <p:timing>
+    <p:tnLst>
+      <p:par>
+        <p:cTn id="1" dur="indefinite" restart="never" nodeType="tmRoot"/>
+      </p:par>
+    </p:tnLst>
+  </p:timing>
 </p:sld>
 </file>
 
@@ -5474,6 +5509,13 @@
   <p:transition>
     <p:fade/>
   </p:transition>
+  <p:timing>
+    <p:tnLst>
+      <p:par>
+        <p:cTn id="1" dur="indefinite" restart="never" nodeType="tmRoot"/>
+      </p:par>
+    </p:tnLst>
+  </p:timing>
 </p:sld>
 </file>
 
@@ -5587,6 +5629,13 @@
   <p:transition>
     <p:fade/>
   </p:transition>
+  <p:timing>
+    <p:tnLst>
+      <p:par>
+        <p:cTn id="1" dur="indefinite" restart="never" nodeType="tmRoot"/>
+      </p:par>
+    </p:tnLst>
+  </p:timing>
 </p:sld>
 </file>
 

--- a/angularjs/slides/a1_aurelia.pptx
+++ b/angularjs/slides/a1_aurelia.pptx
@@ -323,7 +323,7 @@
               <a:pPr>
                 <a:defRPr/>
               </a:pPr>
-              <a:t>9/16/2015</a:t>
+              <a:t>10/14/2015</a:t>
             </a:fld>
             <a:endParaRPr lang="en-US"/>
           </a:p>
@@ -5696,8 +5696,13 @@
           <a:p>
             <a:r>
               <a:rPr lang="en-US" dirty="0" smtClean="0"/>
-              <a:t>Aurelia – only weeks left till the beta starts!</a:t>
-            </a:r>
+              <a:t>Aurelia </a:t>
+            </a:r>
+            <a:r>
+              <a:rPr lang="en-US" dirty="0" smtClean="0"/>
+              <a:t>– the beta almost ready!</a:t>
+            </a:r>
+            <a:endParaRPr lang="en-US" dirty="0" smtClean="0"/>
           </a:p>
           <a:p>
             <a:r>
@@ -5826,13 +5831,22 @@
           <a:p>
             <a:r>
               <a:rPr lang="en-US" dirty="0" smtClean="0"/>
-              <a:t>Written with ES2016</a:t>
-            </a:r>
-          </a:p>
-          <a:p>
+              <a:t>Written with </a:t>
+            </a:r>
             <a:r>
               <a:rPr lang="en-US" dirty="0" smtClean="0"/>
-              <a:t>Integration with Web Components</a:t>
+              <a:t>ES 2015 &amp; 2016</a:t>
+            </a:r>
+            <a:endParaRPr lang="en-US" dirty="0" smtClean="0"/>
+          </a:p>
+          <a:p>
+            <a:r>
+              <a:rPr lang="en-US" dirty="0" smtClean="0"/>
+              <a:t>Integration with </a:t>
+            </a:r>
+            <a:r>
+              <a:rPr lang="en-US" dirty="0" smtClean="0"/>
+              <a:t>future standards</a:t>
             </a:r>
             <a:endParaRPr lang="en-US" dirty="0"/>
           </a:p>

--- a/angularjs/slides/a1_aurelia.pptx
+++ b/angularjs/slides/a1_aurelia.pptx
@@ -3,40 +3,44 @@
 <p:presentation xmlns:a="http://schemas.openxmlformats.org/drawingml/2006/main" xmlns:r="http://schemas.openxmlformats.org/officeDocument/2006/relationships" xmlns:p="http://schemas.openxmlformats.org/presentationml/2006/main" strictFirstAndLastChars="0" saveSubsetFonts="1">
   <p:sldMasterIdLst>
     <p:sldMasterId id="2147483772" r:id="rId1"/>
+    <p:sldMasterId id="2147483778" r:id="rId2"/>
   </p:sldMasterIdLst>
   <p:notesMasterIdLst>
-    <p:notesMasterId r:id="rId28"/>
+    <p:notesMasterId r:id="rId32"/>
   </p:notesMasterIdLst>
   <p:handoutMasterIdLst>
-    <p:handoutMasterId r:id="rId29"/>
+    <p:handoutMasterId r:id="rId33"/>
   </p:handoutMasterIdLst>
   <p:sldIdLst>
-    <p:sldId id="327" r:id="rId2"/>
-    <p:sldId id="329" r:id="rId3"/>
-    <p:sldId id="330" r:id="rId4"/>
-    <p:sldId id="331" r:id="rId5"/>
-    <p:sldId id="332" r:id="rId6"/>
-    <p:sldId id="333" r:id="rId7"/>
-    <p:sldId id="335" r:id="rId8"/>
-    <p:sldId id="334" r:id="rId9"/>
-    <p:sldId id="336" r:id="rId10"/>
-    <p:sldId id="337" r:id="rId11"/>
-    <p:sldId id="338" r:id="rId12"/>
-    <p:sldId id="339" r:id="rId13"/>
-    <p:sldId id="341" r:id="rId14"/>
-    <p:sldId id="340" r:id="rId15"/>
-    <p:sldId id="342" r:id="rId16"/>
-    <p:sldId id="343" r:id="rId17"/>
-    <p:sldId id="344" r:id="rId18"/>
-    <p:sldId id="352" r:id="rId19"/>
-    <p:sldId id="353" r:id="rId20"/>
-    <p:sldId id="355" r:id="rId21"/>
-    <p:sldId id="354" r:id="rId22"/>
-    <p:sldId id="346" r:id="rId23"/>
-    <p:sldId id="347" r:id="rId24"/>
-    <p:sldId id="348" r:id="rId25"/>
-    <p:sldId id="349" r:id="rId26"/>
-    <p:sldId id="345" r:id="rId27"/>
+    <p:sldId id="327" r:id="rId3"/>
+    <p:sldId id="356" r:id="rId4"/>
+    <p:sldId id="359" r:id="rId5"/>
+    <p:sldId id="329" r:id="rId6"/>
+    <p:sldId id="330" r:id="rId7"/>
+    <p:sldId id="331" r:id="rId8"/>
+    <p:sldId id="332" r:id="rId9"/>
+    <p:sldId id="333" r:id="rId10"/>
+    <p:sldId id="335" r:id="rId11"/>
+    <p:sldId id="334" r:id="rId12"/>
+    <p:sldId id="336" r:id="rId13"/>
+    <p:sldId id="337" r:id="rId14"/>
+    <p:sldId id="338" r:id="rId15"/>
+    <p:sldId id="339" r:id="rId16"/>
+    <p:sldId id="341" r:id="rId17"/>
+    <p:sldId id="340" r:id="rId18"/>
+    <p:sldId id="342" r:id="rId19"/>
+    <p:sldId id="343" r:id="rId20"/>
+    <p:sldId id="344" r:id="rId21"/>
+    <p:sldId id="352" r:id="rId22"/>
+    <p:sldId id="353" r:id="rId23"/>
+    <p:sldId id="355" r:id="rId24"/>
+    <p:sldId id="354" r:id="rId25"/>
+    <p:sldId id="346" r:id="rId26"/>
+    <p:sldId id="347" r:id="rId27"/>
+    <p:sldId id="348" r:id="rId28"/>
+    <p:sldId id="349" r:id="rId29"/>
+    <p:sldId id="345" r:id="rId30"/>
+    <p:sldId id="358" r:id="rId31"/>
   </p:sldIdLst>
   <p:sldSz cx="9144000" cy="6858000" type="screen4x3"/>
   <p:notesSz cx="7302500" cy="9588500"/>
@@ -171,6 +175,8 @@
         <p14:section name="Default Section" id="{BC1063F8-85A7-408F-A003-CAC13EF81AAD}">
           <p14:sldIdLst>
             <p14:sldId id="327"/>
+            <p14:sldId id="356"/>
+            <p14:sldId id="359"/>
             <p14:sldId id="329"/>
             <p14:sldId id="330"/>
             <p14:sldId id="331"/>
@@ -196,6 +202,7 @@
             <p14:sldId id="348"/>
             <p14:sldId id="349"/>
             <p14:sldId id="345"/>
+            <p14:sldId id="358"/>
           </p14:sldIdLst>
         </p14:section>
       </p14:sectionLst>
@@ -323,7 +330,7 @@
               <a:pPr>
                 <a:defRPr/>
               </a:pPr>
-              <a:t>10/14/2015</a:t>
+              <a:t>10/16/2015</a:t>
             </a:fld>
             <a:endParaRPr lang="en-US"/>
           </a:p>
@@ -968,6 +975,524 @@
 </p:notes>
 </file>
 
+<file path=ppt/notesSlides/notesSlide2.xml><?xml version="1.0" encoding="utf-8"?>
+<p:notes xmlns:a="http://schemas.openxmlformats.org/drawingml/2006/main" xmlns:r="http://schemas.openxmlformats.org/officeDocument/2006/relationships" xmlns:p="http://schemas.openxmlformats.org/presentationml/2006/main">
+  <p:cSld>
+    <p:spTree>
+      <p:nvGrpSpPr>
+        <p:cNvPr id="1" name=""/>
+        <p:cNvGrpSpPr/>
+        <p:nvPr/>
+      </p:nvGrpSpPr>
+      <p:grpSpPr>
+        <a:xfrm>
+          <a:off x="0" y="0"/>
+          <a:ext cx="0" cy="0"/>
+          <a:chOff x="0" y="0"/>
+          <a:chExt cx="0" cy="0"/>
+        </a:xfrm>
+      </p:grpSpPr>
+      <p:sp>
+        <p:nvSpPr>
+          <p:cNvPr id="2" name="Slide Image Placeholder 1"/>
+          <p:cNvSpPr>
+            <a:spLocks noGrp="1" noRot="1" noChangeAspect="1"/>
+          </p:cNvSpPr>
+          <p:nvPr>
+            <p:ph type="sldImg"/>
+          </p:nvPr>
+        </p:nvSpPr>
+        <p:spPr>
+          <a:xfrm>
+            <a:off x="1143000" y="685800"/>
+            <a:ext cx="4572000" cy="3429000"/>
+          </a:xfrm>
+        </p:spPr>
+      </p:sp>
+      <p:sp>
+        <p:nvSpPr>
+          <p:cNvPr id="3" name="Notes Placeholder 2"/>
+          <p:cNvSpPr>
+            <a:spLocks noGrp="1"/>
+          </p:cNvSpPr>
+          <p:nvPr>
+            <p:ph type="body" idx="1"/>
+          </p:nvPr>
+        </p:nvSpPr>
+        <p:spPr/>
+        <p:txBody>
+          <a:bodyPr/>
+          <a:lstStyle/>
+          <a:p>
+            <a:endParaRPr lang="en-US" dirty="0"/>
+          </a:p>
+        </p:txBody>
+      </p:sp>
+      <p:sp>
+        <p:nvSpPr>
+          <p:cNvPr id="4" name="Header Placeholder 3"/>
+          <p:cNvSpPr>
+            <a:spLocks noGrp="1"/>
+          </p:cNvSpPr>
+          <p:nvPr>
+            <p:ph type="hdr" sz="quarter" idx="10"/>
+          </p:nvPr>
+        </p:nvSpPr>
+        <p:spPr/>
+        <p:txBody>
+          <a:bodyPr/>
+          <a:lstStyle/>
+          <a:p>
+            <a:r>
+              <a:rPr lang="en-US" smtClean="0">
+                <a:solidFill>
+                  <a:prstClr val="black"/>
+                </a:solidFill>
+              </a:rPr>
+              <a:t>SPC2012 – IT Pro</a:t>
+            </a:r>
+            <a:endParaRPr lang="en-US" dirty="0">
+              <a:solidFill>
+                <a:prstClr val="black"/>
+              </a:solidFill>
+            </a:endParaRPr>
+          </a:p>
+        </p:txBody>
+      </p:sp>
+      <p:sp>
+        <p:nvSpPr>
+          <p:cNvPr id="5" name="Footer Placeholder 4"/>
+          <p:cNvSpPr>
+            <a:spLocks noGrp="1"/>
+          </p:cNvSpPr>
+          <p:nvPr>
+            <p:ph type="ftr" sz="quarter" idx="11"/>
+          </p:nvPr>
+        </p:nvSpPr>
+        <p:spPr>
+          <a:xfrm>
+            <a:off x="0" y="8686800"/>
+            <a:ext cx="5920740" cy="355964"/>
+          </a:xfrm>
+          <a:prstGeom prst="rect">
+            <a:avLst/>
+          </a:prstGeom>
+        </p:spPr>
+        <p:txBody>
+          <a:bodyPr/>
+          <a:lstStyle/>
+          <a:p>
+            <a:pPr defTabSz="914099" fontAlgn="auto">
+              <a:spcBef>
+                <a:spcPts val="0"/>
+              </a:spcBef>
+              <a:spcAft>
+                <a:spcPts val="0"/>
+              </a:spcAft>
+            </a:pPr>
+            <a:r>
+              <a:rPr lang="en-US" sz="400" smtClean="0">
+                <a:gradFill>
+                  <a:gsLst>
+                    <a:gs pos="0">
+                      <a:prstClr val="black"/>
+                    </a:gs>
+                    <a:gs pos="100000">
+                      <a:prstClr val="black"/>
+                    </a:gs>
+                  </a:gsLst>
+                  <a:lin ang="5400000" scaled="0"/>
+                </a:gradFill>
+                <a:latin typeface="Segoe UI" pitchFamily="34" charset="0"/>
+                <a:ea typeface="Segoe UI" pitchFamily="34" charset="0"/>
+                <a:cs typeface="Segoe UI" pitchFamily="34" charset="0"/>
+              </a:rPr>
+              <a:t>© 2012 Microsoft Corporation. All rights reserved. Microsoft, Windows, and other product names are or may be registered trademarks and/or trademarks in the U.S. and/or other countries.</a:t>
+            </a:r>
+          </a:p>
+          <a:p>
+            <a:pPr defTabSz="914099" fontAlgn="auto">
+              <a:spcBef>
+                <a:spcPts val="0"/>
+              </a:spcBef>
+              <a:spcAft>
+                <a:spcPts val="0"/>
+              </a:spcAft>
+            </a:pPr>
+            <a:r>
+              <a:rPr lang="en-US" sz="400" smtClean="0">
+                <a:gradFill>
+                  <a:gsLst>
+                    <a:gs pos="0">
+                      <a:prstClr val="black"/>
+                    </a:gs>
+                    <a:gs pos="100000">
+                      <a:prstClr val="black"/>
+                    </a:gs>
+                  </a:gsLst>
+                  <a:lin ang="5400000" scaled="0"/>
+                </a:gradFill>
+                <a:latin typeface="Segoe UI" pitchFamily="34" charset="0"/>
+                <a:ea typeface="Segoe UI" pitchFamily="34" charset="0"/>
+                <a:cs typeface="Segoe UI" pitchFamily="34" charset="0"/>
+              </a:rPr>
+              <a:t>The information herein is for informational purposes only and represents the current view of Microsoft Corporation as of the date of this presentation.  Because Microsoft must respond to changing market conditions, it should not be interpreted to be a commitment on the part of Microsoft, and Microsoft cannot guarantee the accuracy of any information provided after the date of this presentation.  MICROSOFT MAKES NO WARRANTIES, EXPRESS, IMPLIED OR STATUTORY, AS TO THE INFORMATION IN THIS PRESENTATION.</a:t>
+            </a:r>
+            <a:endParaRPr lang="en-US" sz="400" dirty="0" smtClean="0">
+              <a:gradFill>
+                <a:gsLst>
+                  <a:gs pos="0">
+                    <a:prstClr val="black"/>
+                  </a:gs>
+                  <a:gs pos="100000">
+                    <a:prstClr val="black"/>
+                  </a:gs>
+                </a:gsLst>
+                <a:lin ang="5400000" scaled="0"/>
+              </a:gradFill>
+              <a:latin typeface="Segoe UI" pitchFamily="34" charset="0"/>
+              <a:ea typeface="Segoe UI" pitchFamily="34" charset="0"/>
+              <a:cs typeface="Segoe UI" pitchFamily="34" charset="0"/>
+            </a:endParaRPr>
+          </a:p>
+        </p:txBody>
+      </p:sp>
+      <p:sp>
+        <p:nvSpPr>
+          <p:cNvPr id="6" name="Date Placeholder 5"/>
+          <p:cNvSpPr>
+            <a:spLocks noGrp="1"/>
+          </p:cNvSpPr>
+          <p:nvPr>
+            <p:ph type="dt" idx="12"/>
+          </p:nvPr>
+        </p:nvSpPr>
+        <p:spPr/>
+        <p:txBody>
+          <a:bodyPr/>
+          <a:lstStyle/>
+          <a:p>
+            <a:fld id="{ED67F6FF-BEBC-44EA-BF30-EFC560EE62EB}" type="datetime1">
+              <a:rPr lang="en-US" smtClean="0">
+                <a:solidFill>
+                  <a:prstClr val="black"/>
+                </a:solidFill>
+              </a:rPr>
+              <a:pPr/>
+              <a:t>10/16/2015</a:t>
+            </a:fld>
+            <a:endParaRPr lang="en-US" dirty="0">
+              <a:solidFill>
+                <a:prstClr val="black"/>
+              </a:solidFill>
+            </a:endParaRPr>
+          </a:p>
+        </p:txBody>
+      </p:sp>
+      <p:sp>
+        <p:nvSpPr>
+          <p:cNvPr id="7" name="Slide Number Placeholder 6"/>
+          <p:cNvSpPr>
+            <a:spLocks noGrp="1"/>
+          </p:cNvSpPr>
+          <p:nvPr>
+            <p:ph type="sldNum" sz="quarter" idx="13"/>
+          </p:nvPr>
+        </p:nvSpPr>
+        <p:spPr/>
+        <p:txBody>
+          <a:bodyPr/>
+          <a:lstStyle/>
+          <a:p>
+            <a:fld id="{B4008EB6-D09E-4580-8CD6-DDB14511944F}" type="slidenum">
+              <a:rPr lang="en-US" smtClean="0">
+                <a:solidFill>
+                  <a:prstClr val="black"/>
+                </a:solidFill>
+              </a:rPr>
+              <a:pPr/>
+              <a:t>2</a:t>
+            </a:fld>
+            <a:endParaRPr lang="en-US" dirty="0">
+              <a:solidFill>
+                <a:prstClr val="black"/>
+              </a:solidFill>
+            </a:endParaRPr>
+          </a:p>
+        </p:txBody>
+      </p:sp>
+    </p:spTree>
+    <p:extLst>
+      <p:ext uri="{BB962C8B-B14F-4D97-AF65-F5344CB8AC3E}">
+        <p14:creationId xmlns:p14="http://schemas.microsoft.com/office/powerpoint/2010/main" val="2901967081"/>
+      </p:ext>
+    </p:extLst>
+  </p:cSld>
+  <p:clrMapOvr>
+    <a:masterClrMapping/>
+  </p:clrMapOvr>
+</p:notes>
+</file>
+
+<file path=ppt/notesSlides/notesSlide3.xml><?xml version="1.0" encoding="utf-8"?>
+<p:notes xmlns:a="http://schemas.openxmlformats.org/drawingml/2006/main" xmlns:r="http://schemas.openxmlformats.org/officeDocument/2006/relationships" xmlns:p="http://schemas.openxmlformats.org/presentationml/2006/main">
+  <p:cSld>
+    <p:spTree>
+      <p:nvGrpSpPr>
+        <p:cNvPr id="1" name=""/>
+        <p:cNvGrpSpPr/>
+        <p:nvPr/>
+      </p:nvGrpSpPr>
+      <p:grpSpPr>
+        <a:xfrm>
+          <a:off x="0" y="0"/>
+          <a:ext cx="0" cy="0"/>
+          <a:chOff x="0" y="0"/>
+          <a:chExt cx="0" cy="0"/>
+        </a:xfrm>
+      </p:grpSpPr>
+      <p:sp>
+        <p:nvSpPr>
+          <p:cNvPr id="2" name="Slide Image Placeholder 1"/>
+          <p:cNvSpPr>
+            <a:spLocks noGrp="1" noRot="1" noChangeAspect="1"/>
+          </p:cNvSpPr>
+          <p:nvPr>
+            <p:ph type="sldImg"/>
+          </p:nvPr>
+        </p:nvSpPr>
+        <p:spPr>
+          <a:xfrm>
+            <a:off x="1143000" y="685800"/>
+            <a:ext cx="4572000" cy="3429000"/>
+          </a:xfrm>
+        </p:spPr>
+      </p:sp>
+      <p:sp>
+        <p:nvSpPr>
+          <p:cNvPr id="3" name="Notes Placeholder 2"/>
+          <p:cNvSpPr>
+            <a:spLocks noGrp="1"/>
+          </p:cNvSpPr>
+          <p:nvPr>
+            <p:ph type="body" idx="1"/>
+          </p:nvPr>
+        </p:nvSpPr>
+        <p:spPr/>
+        <p:txBody>
+          <a:bodyPr/>
+          <a:lstStyle/>
+          <a:p>
+            <a:endParaRPr lang="en-US" dirty="0"/>
+          </a:p>
+        </p:txBody>
+      </p:sp>
+      <p:sp>
+        <p:nvSpPr>
+          <p:cNvPr id="4" name="Header Placeholder 3"/>
+          <p:cNvSpPr>
+            <a:spLocks noGrp="1"/>
+          </p:cNvSpPr>
+          <p:nvPr>
+            <p:ph type="hdr" sz="quarter" idx="10"/>
+          </p:nvPr>
+        </p:nvSpPr>
+        <p:spPr/>
+        <p:txBody>
+          <a:bodyPr/>
+          <a:lstStyle/>
+          <a:p>
+            <a:r>
+              <a:rPr lang="en-US" smtClean="0">
+                <a:solidFill>
+                  <a:prstClr val="black"/>
+                </a:solidFill>
+              </a:rPr>
+              <a:t>SPC2012 – IT Pro</a:t>
+            </a:r>
+            <a:endParaRPr lang="en-US" dirty="0">
+              <a:solidFill>
+                <a:prstClr val="black"/>
+              </a:solidFill>
+            </a:endParaRPr>
+          </a:p>
+        </p:txBody>
+      </p:sp>
+      <p:sp>
+        <p:nvSpPr>
+          <p:cNvPr id="5" name="Footer Placeholder 4"/>
+          <p:cNvSpPr>
+            <a:spLocks noGrp="1"/>
+          </p:cNvSpPr>
+          <p:nvPr>
+            <p:ph type="ftr" sz="quarter" idx="11"/>
+          </p:nvPr>
+        </p:nvSpPr>
+        <p:spPr>
+          <a:xfrm>
+            <a:off x="0" y="8686800"/>
+            <a:ext cx="5920740" cy="355964"/>
+          </a:xfrm>
+          <a:prstGeom prst="rect">
+            <a:avLst/>
+          </a:prstGeom>
+        </p:spPr>
+        <p:txBody>
+          <a:bodyPr/>
+          <a:lstStyle/>
+          <a:p>
+            <a:pPr defTabSz="914099" fontAlgn="auto">
+              <a:spcBef>
+                <a:spcPts val="0"/>
+              </a:spcBef>
+              <a:spcAft>
+                <a:spcPts val="0"/>
+              </a:spcAft>
+            </a:pPr>
+            <a:r>
+              <a:rPr lang="en-US" sz="400" smtClean="0">
+                <a:gradFill>
+                  <a:gsLst>
+                    <a:gs pos="0">
+                      <a:prstClr val="black"/>
+                    </a:gs>
+                    <a:gs pos="100000">
+                      <a:prstClr val="black"/>
+                    </a:gs>
+                  </a:gsLst>
+                  <a:lin ang="5400000" scaled="0"/>
+                </a:gradFill>
+                <a:latin typeface="Segoe UI" pitchFamily="34" charset="0"/>
+                <a:ea typeface="Segoe UI" pitchFamily="34" charset="0"/>
+                <a:cs typeface="Segoe UI" pitchFamily="34" charset="0"/>
+              </a:rPr>
+              <a:t>© 2012 Microsoft Corporation. All rights reserved. Microsoft, Windows, and other product names are or may be registered trademarks and/or trademarks in the U.S. and/or other countries.</a:t>
+            </a:r>
+          </a:p>
+          <a:p>
+            <a:pPr defTabSz="914099" fontAlgn="auto">
+              <a:spcBef>
+                <a:spcPts val="0"/>
+              </a:spcBef>
+              <a:spcAft>
+                <a:spcPts val="0"/>
+              </a:spcAft>
+            </a:pPr>
+            <a:r>
+              <a:rPr lang="en-US" sz="400" smtClean="0">
+                <a:gradFill>
+                  <a:gsLst>
+                    <a:gs pos="0">
+                      <a:prstClr val="black"/>
+                    </a:gs>
+                    <a:gs pos="100000">
+                      <a:prstClr val="black"/>
+                    </a:gs>
+                  </a:gsLst>
+                  <a:lin ang="5400000" scaled="0"/>
+                </a:gradFill>
+                <a:latin typeface="Segoe UI" pitchFamily="34" charset="0"/>
+                <a:ea typeface="Segoe UI" pitchFamily="34" charset="0"/>
+                <a:cs typeface="Segoe UI" pitchFamily="34" charset="0"/>
+              </a:rPr>
+              <a:t>The information herein is for informational purposes only and represents the current view of Microsoft Corporation as of the date of this presentation.  Because Microsoft must respond to changing market conditions, it should not be interpreted to be a commitment on the part of Microsoft, and Microsoft cannot guarantee the accuracy of any information provided after the date of this presentation.  MICROSOFT MAKES NO WARRANTIES, EXPRESS, IMPLIED OR STATUTORY, AS TO THE INFORMATION IN THIS PRESENTATION.</a:t>
+            </a:r>
+            <a:endParaRPr lang="en-US" sz="400" dirty="0" smtClean="0">
+              <a:gradFill>
+                <a:gsLst>
+                  <a:gs pos="0">
+                    <a:prstClr val="black"/>
+                  </a:gs>
+                  <a:gs pos="100000">
+                    <a:prstClr val="black"/>
+                  </a:gs>
+                </a:gsLst>
+                <a:lin ang="5400000" scaled="0"/>
+              </a:gradFill>
+              <a:latin typeface="Segoe UI" pitchFamily="34" charset="0"/>
+              <a:ea typeface="Segoe UI" pitchFamily="34" charset="0"/>
+              <a:cs typeface="Segoe UI" pitchFamily="34" charset="0"/>
+            </a:endParaRPr>
+          </a:p>
+        </p:txBody>
+      </p:sp>
+      <p:sp>
+        <p:nvSpPr>
+          <p:cNvPr id="6" name="Date Placeholder 5"/>
+          <p:cNvSpPr>
+            <a:spLocks noGrp="1"/>
+          </p:cNvSpPr>
+          <p:nvPr>
+            <p:ph type="dt" idx="12"/>
+          </p:nvPr>
+        </p:nvSpPr>
+        <p:spPr/>
+        <p:txBody>
+          <a:bodyPr/>
+          <a:lstStyle/>
+          <a:p>
+            <a:fld id="{ED67F6FF-BEBC-44EA-BF30-EFC560EE62EB}" type="datetime1">
+              <a:rPr lang="en-US" smtClean="0">
+                <a:solidFill>
+                  <a:prstClr val="black"/>
+                </a:solidFill>
+              </a:rPr>
+              <a:pPr/>
+              <a:t>10/16/2015</a:t>
+            </a:fld>
+            <a:endParaRPr lang="en-US" dirty="0">
+              <a:solidFill>
+                <a:prstClr val="black"/>
+              </a:solidFill>
+            </a:endParaRPr>
+          </a:p>
+        </p:txBody>
+      </p:sp>
+      <p:sp>
+        <p:nvSpPr>
+          <p:cNvPr id="7" name="Slide Number Placeholder 6"/>
+          <p:cNvSpPr>
+            <a:spLocks noGrp="1"/>
+          </p:cNvSpPr>
+          <p:nvPr>
+            <p:ph type="sldNum" sz="quarter" idx="13"/>
+          </p:nvPr>
+        </p:nvSpPr>
+        <p:spPr/>
+        <p:txBody>
+          <a:bodyPr/>
+          <a:lstStyle/>
+          <a:p>
+            <a:fld id="{B4008EB6-D09E-4580-8CD6-DDB14511944F}" type="slidenum">
+              <a:rPr lang="en-US" smtClean="0">
+                <a:solidFill>
+                  <a:prstClr val="black"/>
+                </a:solidFill>
+              </a:rPr>
+              <a:pPr/>
+              <a:t>3</a:t>
+            </a:fld>
+            <a:endParaRPr lang="en-US" dirty="0">
+              <a:solidFill>
+                <a:prstClr val="black"/>
+              </a:solidFill>
+            </a:endParaRPr>
+          </a:p>
+        </p:txBody>
+      </p:sp>
+    </p:spTree>
+    <p:extLst>
+      <p:ext uri="{BB962C8B-B14F-4D97-AF65-F5344CB8AC3E}">
+        <p14:creationId xmlns:p14="http://schemas.microsoft.com/office/powerpoint/2010/main" val="3565253613"/>
+      </p:ext>
+    </p:extLst>
+  </p:cSld>
+  <p:clrMapOvr>
+    <a:masterClrMapping/>
+  </p:clrMapOvr>
+</p:notes>
+</file>
+
 <file path=ppt/slideLayouts/slideLayout1.xml><?xml version="1.0" encoding="utf-8"?>
 <p:sldLayout xmlns:a="http://schemas.openxmlformats.org/drawingml/2006/main" xmlns:r="http://schemas.openxmlformats.org/officeDocument/2006/relationships" xmlns:p="http://schemas.openxmlformats.org/presentationml/2006/main" showMasterSp="0" type="title" preserve="1">
   <p:cSld name="Title Slide">
@@ -1114,6 +1639,1285 @@
 </p:sldLayout>
 </file>
 
+<file path=ppt/slideLayouts/slideLayout10.xml><?xml version="1.0" encoding="utf-8"?>
+<p:sldLayout xmlns:a="http://schemas.openxmlformats.org/drawingml/2006/main" xmlns:r="http://schemas.openxmlformats.org/officeDocument/2006/relationships" xmlns:p="http://schemas.openxmlformats.org/presentationml/2006/main" preserve="1" userDrawn="1">
+  <p:cSld name="Title and Content - No Color">
+    <p:spTree>
+      <p:nvGrpSpPr>
+        <p:cNvPr id="1" name=""/>
+        <p:cNvGrpSpPr/>
+        <p:nvPr/>
+      </p:nvGrpSpPr>
+      <p:grpSpPr>
+        <a:xfrm>
+          <a:off x="0" y="0"/>
+          <a:ext cx="0" cy="0"/>
+          <a:chOff x="0" y="0"/>
+          <a:chExt cx="0" cy="0"/>
+        </a:xfrm>
+      </p:grpSpPr>
+      <p:sp>
+        <p:nvSpPr>
+          <p:cNvPr id="2" name="Title 1"/>
+          <p:cNvSpPr>
+            <a:spLocks noGrp="1"/>
+          </p:cNvSpPr>
+          <p:nvPr>
+            <p:ph type="title"/>
+          </p:nvPr>
+        </p:nvSpPr>
+        <p:spPr/>
+        <p:txBody>
+          <a:bodyPr/>
+          <a:lstStyle/>
+          <a:p>
+            <a:r>
+              <a:rPr lang="en-US" smtClean="0"/>
+              <a:t>Click to edit Master title style</a:t>
+            </a:r>
+            <a:endParaRPr lang="en-US" dirty="0"/>
+          </a:p>
+        </p:txBody>
+      </p:sp>
+      <p:sp>
+        <p:nvSpPr>
+          <p:cNvPr id="6" name="Text Placeholder 5"/>
+          <p:cNvSpPr>
+            <a:spLocks noGrp="1"/>
+          </p:cNvSpPr>
+          <p:nvPr>
+            <p:ph type="body" sz="quarter" idx="10"/>
+          </p:nvPr>
+        </p:nvSpPr>
+        <p:spPr>
+          <a:xfrm>
+            <a:off x="201929" y="1189177"/>
+            <a:ext cx="8740142" cy="1643132"/>
+          </a:xfrm>
+        </p:spPr>
+        <p:txBody>
+          <a:bodyPr/>
+          <a:lstStyle>
+            <a:lvl1pPr marL="0" indent="0">
+              <a:buNone/>
+              <a:defRPr>
+                <a:gradFill>
+                  <a:gsLst>
+                    <a:gs pos="1250">
+                      <a:schemeClr val="tx1"/>
+                    </a:gs>
+                    <a:gs pos="99000">
+                      <a:schemeClr val="tx1"/>
+                    </a:gs>
+                  </a:gsLst>
+                  <a:lin ang="5400000" scaled="0"/>
+                </a:gradFill>
+              </a:defRPr>
+            </a:lvl1pPr>
+            <a:lvl2pPr marL="0" indent="0">
+              <a:buFontTx/>
+              <a:buNone/>
+              <a:defRPr lang="en-US" dirty="0" smtClean="0"/>
+            </a:lvl2pPr>
+            <a:lvl3pPr marL="168067" indent="0">
+              <a:buNone/>
+              <a:defRPr lang="en-US" dirty="0" smtClean="0"/>
+            </a:lvl3pPr>
+            <a:lvl4pPr marL="336134" indent="0">
+              <a:buNone/>
+              <a:defRPr lang="en-US" dirty="0" smtClean="0"/>
+            </a:lvl4pPr>
+            <a:lvl5pPr marL="504201" indent="0">
+              <a:buNone/>
+              <a:defRPr lang="en-US" dirty="0"/>
+            </a:lvl5pPr>
+          </a:lstStyle>
+          <a:p>
+            <a:pPr lvl="0"/>
+            <a:r>
+              <a:rPr lang="en-US" smtClean="0"/>
+              <a:t>Edit Master text styles</a:t>
+            </a:r>
+          </a:p>
+          <a:p>
+            <a:pPr lvl="1"/>
+            <a:r>
+              <a:rPr lang="en-US" smtClean="0"/>
+              <a:t>Second level</a:t>
+            </a:r>
+          </a:p>
+          <a:p>
+            <a:pPr lvl="2"/>
+            <a:r>
+              <a:rPr lang="en-US" smtClean="0"/>
+              <a:t>Third level</a:t>
+            </a:r>
+          </a:p>
+          <a:p>
+            <a:pPr lvl="3"/>
+            <a:r>
+              <a:rPr lang="en-US" smtClean="0"/>
+              <a:t>Fourth level</a:t>
+            </a:r>
+          </a:p>
+          <a:p>
+            <a:pPr lvl="4"/>
+            <a:r>
+              <a:rPr lang="en-US" smtClean="0"/>
+              <a:t>Fifth level</a:t>
+            </a:r>
+            <a:endParaRPr lang="en-US" dirty="0"/>
+          </a:p>
+        </p:txBody>
+      </p:sp>
+    </p:spTree>
+    <p:extLst>
+      <p:ext uri="{BB962C8B-B14F-4D97-AF65-F5344CB8AC3E}">
+        <p14:creationId xmlns:p14="http://schemas.microsoft.com/office/powerpoint/2010/main" val="2395477306"/>
+      </p:ext>
+    </p:extLst>
+  </p:cSld>
+  <p:clrMapOvr>
+    <a:masterClrMapping/>
+  </p:clrMapOvr>
+  <p:transition>
+    <p:fade/>
+  </p:transition>
+  <p:timing>
+    <p:tnLst>
+      <p:par>
+        <p:cTn id="1" dur="indefinite" restart="never" nodeType="tmRoot"/>
+      </p:par>
+    </p:tnLst>
+  </p:timing>
+</p:sldLayout>
+</file>
+
+<file path=ppt/slideLayouts/slideLayout11.xml><?xml version="1.0" encoding="utf-8"?>
+<p:sldLayout xmlns:a="http://schemas.openxmlformats.org/drawingml/2006/main" xmlns:r="http://schemas.openxmlformats.org/officeDocument/2006/relationships" xmlns:p="http://schemas.openxmlformats.org/presentationml/2006/main" preserve="1" userDrawn="1">
+  <p:cSld name="Two Column">
+    <p:spTree>
+      <p:nvGrpSpPr>
+        <p:cNvPr id="1" name=""/>
+        <p:cNvGrpSpPr/>
+        <p:nvPr/>
+      </p:nvGrpSpPr>
+      <p:grpSpPr>
+        <a:xfrm>
+          <a:off x="0" y="0"/>
+          <a:ext cx="0" cy="0"/>
+          <a:chOff x="0" y="0"/>
+          <a:chExt cx="0" cy="0"/>
+        </a:xfrm>
+      </p:grpSpPr>
+      <p:sp>
+        <p:nvSpPr>
+          <p:cNvPr id="2" name="Title 1"/>
+          <p:cNvSpPr>
+            <a:spLocks noGrp="1"/>
+          </p:cNvSpPr>
+          <p:nvPr>
+            <p:ph type="title"/>
+          </p:nvPr>
+        </p:nvSpPr>
+        <p:spPr/>
+        <p:txBody>
+          <a:bodyPr/>
+          <a:lstStyle/>
+          <a:p>
+            <a:r>
+              <a:rPr lang="en-US" smtClean="0"/>
+              <a:t>Click to edit Master title style</a:t>
+            </a:r>
+            <a:endParaRPr lang="en-US" dirty="0"/>
+          </a:p>
+        </p:txBody>
+      </p:sp>
+      <p:sp>
+        <p:nvSpPr>
+          <p:cNvPr id="4" name="Text Placeholder 3"/>
+          <p:cNvSpPr>
+            <a:spLocks noGrp="1"/>
+          </p:cNvSpPr>
+          <p:nvPr>
+            <p:ph type="body" sz="quarter" idx="10"/>
+          </p:nvPr>
+        </p:nvSpPr>
+        <p:spPr>
+          <a:xfrm>
+            <a:off x="201932" y="1189179"/>
+            <a:ext cx="4033911" cy="1643132"/>
+          </a:xfrm>
+        </p:spPr>
+        <p:txBody>
+          <a:bodyPr wrap="square">
+            <a:spAutoFit/>
+          </a:bodyPr>
+          <a:lstStyle>
+            <a:lvl1pPr marL="0" indent="0">
+              <a:spcBef>
+                <a:spcPts val="900"/>
+              </a:spcBef>
+              <a:buClr>
+                <a:schemeClr val="tx1"/>
+              </a:buClr>
+              <a:buFont typeface="Wingdings" pitchFamily="2" charset="2"/>
+              <a:buNone/>
+              <a:defRPr sz="2647">
+                <a:solidFill>
+                  <a:schemeClr val="tx2"/>
+                </a:solidFill>
+              </a:defRPr>
+            </a:lvl1pPr>
+            <a:lvl2pPr marL="0" indent="0">
+              <a:buNone/>
+              <a:defRPr lang="en-US" dirty="0" smtClean="0"/>
+            </a:lvl2pPr>
+            <a:lvl3pPr marL="170401" indent="0">
+              <a:buNone/>
+              <a:tabLst/>
+              <a:defRPr lang="en-US" dirty="0" smtClean="0"/>
+            </a:lvl3pPr>
+            <a:lvl4pPr marL="338468" indent="0">
+              <a:buNone/>
+              <a:defRPr lang="en-US" dirty="0" smtClean="0"/>
+            </a:lvl4pPr>
+            <a:lvl5pPr marL="504201" indent="0">
+              <a:buNone/>
+              <a:tabLst/>
+              <a:defRPr lang="en-US" dirty="0"/>
+            </a:lvl5pPr>
+          </a:lstStyle>
+          <a:p>
+            <a:pPr lvl="0"/>
+            <a:r>
+              <a:rPr lang="en-US" smtClean="0"/>
+              <a:t>Edit Master text styles</a:t>
+            </a:r>
+          </a:p>
+          <a:p>
+            <a:pPr lvl="1"/>
+            <a:r>
+              <a:rPr lang="en-US" smtClean="0"/>
+              <a:t>Second level</a:t>
+            </a:r>
+          </a:p>
+          <a:p>
+            <a:pPr lvl="2"/>
+            <a:r>
+              <a:rPr lang="en-US" smtClean="0"/>
+              <a:t>Third level</a:t>
+            </a:r>
+          </a:p>
+          <a:p>
+            <a:pPr lvl="3"/>
+            <a:r>
+              <a:rPr lang="en-US" smtClean="0"/>
+              <a:t>Fourth level</a:t>
+            </a:r>
+          </a:p>
+          <a:p>
+            <a:pPr lvl="4"/>
+            <a:r>
+              <a:rPr lang="en-US" smtClean="0"/>
+              <a:t>Fifth level</a:t>
+            </a:r>
+            <a:endParaRPr lang="en-US" dirty="0"/>
+          </a:p>
+        </p:txBody>
+      </p:sp>
+      <p:sp>
+        <p:nvSpPr>
+          <p:cNvPr id="5" name="Text Placeholder 3"/>
+          <p:cNvSpPr>
+            <a:spLocks noGrp="1"/>
+          </p:cNvSpPr>
+          <p:nvPr>
+            <p:ph type="body" sz="quarter" idx="11"/>
+          </p:nvPr>
+        </p:nvSpPr>
+        <p:spPr>
+          <a:xfrm>
+            <a:off x="4908162" y="1189179"/>
+            <a:ext cx="4033911" cy="1643132"/>
+          </a:xfrm>
+        </p:spPr>
+        <p:txBody>
+          <a:bodyPr wrap="square">
+            <a:spAutoFit/>
+          </a:bodyPr>
+          <a:lstStyle>
+            <a:lvl1pPr marL="0" indent="0">
+              <a:spcBef>
+                <a:spcPts val="900"/>
+              </a:spcBef>
+              <a:buClr>
+                <a:schemeClr val="tx1"/>
+              </a:buClr>
+              <a:buFont typeface="Wingdings" pitchFamily="2" charset="2"/>
+              <a:buNone/>
+              <a:defRPr sz="2647">
+                <a:solidFill>
+                  <a:schemeClr val="tx2"/>
+                </a:solidFill>
+              </a:defRPr>
+            </a:lvl1pPr>
+            <a:lvl2pPr marL="0" indent="0">
+              <a:buNone/>
+              <a:defRPr lang="en-US" dirty="0" smtClean="0"/>
+            </a:lvl2pPr>
+            <a:lvl3pPr marL="170401" indent="0">
+              <a:buNone/>
+              <a:tabLst/>
+              <a:defRPr lang="en-US" dirty="0" smtClean="0"/>
+            </a:lvl3pPr>
+            <a:lvl4pPr marL="338468" indent="0">
+              <a:buNone/>
+              <a:defRPr lang="en-US" dirty="0" smtClean="0"/>
+            </a:lvl4pPr>
+            <a:lvl5pPr marL="504201" indent="0">
+              <a:buNone/>
+              <a:tabLst/>
+              <a:defRPr lang="en-US" dirty="0"/>
+            </a:lvl5pPr>
+          </a:lstStyle>
+          <a:p>
+            <a:pPr lvl="0"/>
+            <a:r>
+              <a:rPr lang="en-US" smtClean="0"/>
+              <a:t>Edit Master text styles</a:t>
+            </a:r>
+          </a:p>
+          <a:p>
+            <a:pPr lvl="1"/>
+            <a:r>
+              <a:rPr lang="en-US" smtClean="0"/>
+              <a:t>Second level</a:t>
+            </a:r>
+          </a:p>
+          <a:p>
+            <a:pPr lvl="2"/>
+            <a:r>
+              <a:rPr lang="en-US" smtClean="0"/>
+              <a:t>Third level</a:t>
+            </a:r>
+          </a:p>
+          <a:p>
+            <a:pPr lvl="3"/>
+            <a:r>
+              <a:rPr lang="en-US" smtClean="0"/>
+              <a:t>Fourth level</a:t>
+            </a:r>
+          </a:p>
+          <a:p>
+            <a:pPr lvl="4"/>
+            <a:r>
+              <a:rPr lang="en-US" smtClean="0"/>
+              <a:t>Fifth level</a:t>
+            </a:r>
+            <a:endParaRPr lang="en-US" dirty="0"/>
+          </a:p>
+        </p:txBody>
+      </p:sp>
+    </p:spTree>
+    <p:extLst>
+      <p:ext uri="{BB962C8B-B14F-4D97-AF65-F5344CB8AC3E}">
+        <p14:creationId xmlns:p14="http://schemas.microsoft.com/office/powerpoint/2010/main" val="4237297341"/>
+      </p:ext>
+    </p:extLst>
+  </p:cSld>
+  <p:clrMapOvr>
+    <a:masterClrMapping/>
+  </p:clrMapOvr>
+  <p:transition>
+    <p:fade/>
+  </p:transition>
+  <p:timing>
+    <p:tnLst>
+      <p:par>
+        <p:cTn id="1" dur="indefinite" restart="never" nodeType="tmRoot"/>
+      </p:par>
+    </p:tnLst>
+  </p:timing>
+</p:sldLayout>
+</file>
+
+<file path=ppt/slideLayouts/slideLayout12.xml><?xml version="1.0" encoding="utf-8"?>
+<p:sldLayout xmlns:a="http://schemas.openxmlformats.org/drawingml/2006/main" xmlns:r="http://schemas.openxmlformats.org/officeDocument/2006/relationships" xmlns:p="http://schemas.openxmlformats.org/presentationml/2006/main" preserve="1" userDrawn="1">
+  <p:cSld name="Two Column - No Color">
+    <p:spTree>
+      <p:nvGrpSpPr>
+        <p:cNvPr id="1" name=""/>
+        <p:cNvGrpSpPr/>
+        <p:nvPr/>
+      </p:nvGrpSpPr>
+      <p:grpSpPr>
+        <a:xfrm>
+          <a:off x="0" y="0"/>
+          <a:ext cx="0" cy="0"/>
+          <a:chOff x="0" y="0"/>
+          <a:chExt cx="0" cy="0"/>
+        </a:xfrm>
+      </p:grpSpPr>
+      <p:sp>
+        <p:nvSpPr>
+          <p:cNvPr id="2" name="Title 1"/>
+          <p:cNvSpPr>
+            <a:spLocks noGrp="1"/>
+          </p:cNvSpPr>
+          <p:nvPr>
+            <p:ph type="title"/>
+          </p:nvPr>
+        </p:nvSpPr>
+        <p:spPr/>
+        <p:txBody>
+          <a:bodyPr/>
+          <a:lstStyle/>
+          <a:p>
+            <a:r>
+              <a:rPr lang="en-US" smtClean="0"/>
+              <a:t>Click to edit Master title style</a:t>
+            </a:r>
+            <a:endParaRPr lang="en-US" dirty="0"/>
+          </a:p>
+        </p:txBody>
+      </p:sp>
+      <p:sp>
+        <p:nvSpPr>
+          <p:cNvPr id="4" name="Text Placeholder 3"/>
+          <p:cNvSpPr>
+            <a:spLocks noGrp="1"/>
+          </p:cNvSpPr>
+          <p:nvPr>
+            <p:ph type="body" sz="quarter" idx="10"/>
+          </p:nvPr>
+        </p:nvSpPr>
+        <p:spPr>
+          <a:xfrm>
+            <a:off x="201932" y="1189179"/>
+            <a:ext cx="4033911" cy="1643132"/>
+          </a:xfrm>
+        </p:spPr>
+        <p:txBody>
+          <a:bodyPr wrap="square">
+            <a:spAutoFit/>
+          </a:bodyPr>
+          <a:lstStyle>
+            <a:lvl1pPr marL="0" indent="0">
+              <a:spcBef>
+                <a:spcPts val="900"/>
+              </a:spcBef>
+              <a:buClr>
+                <a:schemeClr val="tx1"/>
+              </a:buClr>
+              <a:buFont typeface="Wingdings" pitchFamily="2" charset="2"/>
+              <a:buNone/>
+              <a:defRPr sz="2647"/>
+            </a:lvl1pPr>
+            <a:lvl2pPr marL="0" indent="0">
+              <a:buNone/>
+              <a:defRPr lang="en-US" dirty="0" smtClean="0"/>
+            </a:lvl2pPr>
+            <a:lvl3pPr marL="170401" indent="0">
+              <a:buNone/>
+              <a:tabLst/>
+              <a:defRPr lang="en-US" dirty="0" smtClean="0"/>
+            </a:lvl3pPr>
+            <a:lvl4pPr marL="338468" indent="0">
+              <a:buNone/>
+              <a:defRPr lang="en-US" dirty="0" smtClean="0"/>
+            </a:lvl4pPr>
+            <a:lvl5pPr marL="504201" indent="0">
+              <a:buNone/>
+              <a:tabLst/>
+              <a:defRPr lang="en-US" dirty="0"/>
+            </a:lvl5pPr>
+          </a:lstStyle>
+          <a:p>
+            <a:pPr lvl="0"/>
+            <a:r>
+              <a:rPr lang="en-US" smtClean="0"/>
+              <a:t>Edit Master text styles</a:t>
+            </a:r>
+          </a:p>
+          <a:p>
+            <a:pPr lvl="1"/>
+            <a:r>
+              <a:rPr lang="en-US" smtClean="0"/>
+              <a:t>Second level</a:t>
+            </a:r>
+          </a:p>
+          <a:p>
+            <a:pPr lvl="2"/>
+            <a:r>
+              <a:rPr lang="en-US" smtClean="0"/>
+              <a:t>Third level</a:t>
+            </a:r>
+          </a:p>
+          <a:p>
+            <a:pPr lvl="3"/>
+            <a:r>
+              <a:rPr lang="en-US" smtClean="0"/>
+              <a:t>Fourth level</a:t>
+            </a:r>
+          </a:p>
+          <a:p>
+            <a:pPr lvl="4"/>
+            <a:r>
+              <a:rPr lang="en-US" smtClean="0"/>
+              <a:t>Fifth level</a:t>
+            </a:r>
+            <a:endParaRPr lang="en-US" dirty="0"/>
+          </a:p>
+        </p:txBody>
+      </p:sp>
+      <p:sp>
+        <p:nvSpPr>
+          <p:cNvPr id="5" name="Text Placeholder 3"/>
+          <p:cNvSpPr>
+            <a:spLocks noGrp="1"/>
+          </p:cNvSpPr>
+          <p:nvPr>
+            <p:ph type="body" sz="quarter" idx="11"/>
+          </p:nvPr>
+        </p:nvSpPr>
+        <p:spPr>
+          <a:xfrm>
+            <a:off x="4908162" y="1189179"/>
+            <a:ext cx="4033911" cy="1643132"/>
+          </a:xfrm>
+        </p:spPr>
+        <p:txBody>
+          <a:bodyPr wrap="square">
+            <a:spAutoFit/>
+          </a:bodyPr>
+          <a:lstStyle>
+            <a:lvl1pPr marL="0" indent="0">
+              <a:spcBef>
+                <a:spcPts val="900"/>
+              </a:spcBef>
+              <a:buClr>
+                <a:schemeClr val="tx1"/>
+              </a:buClr>
+              <a:buFont typeface="Wingdings" pitchFamily="2" charset="2"/>
+              <a:buNone/>
+              <a:defRPr sz="2647"/>
+            </a:lvl1pPr>
+            <a:lvl2pPr marL="0" indent="0">
+              <a:buNone/>
+              <a:defRPr lang="en-US" dirty="0" smtClean="0"/>
+            </a:lvl2pPr>
+            <a:lvl3pPr marL="170401" indent="0">
+              <a:buNone/>
+              <a:tabLst/>
+              <a:defRPr lang="en-US" dirty="0" smtClean="0"/>
+            </a:lvl3pPr>
+            <a:lvl4pPr marL="338468" indent="0">
+              <a:buNone/>
+              <a:defRPr lang="en-US" dirty="0" smtClean="0"/>
+            </a:lvl4pPr>
+            <a:lvl5pPr marL="504201" indent="0">
+              <a:buNone/>
+              <a:tabLst/>
+              <a:defRPr lang="en-US" dirty="0"/>
+            </a:lvl5pPr>
+          </a:lstStyle>
+          <a:p>
+            <a:pPr lvl="0"/>
+            <a:r>
+              <a:rPr lang="en-US" smtClean="0"/>
+              <a:t>Edit Master text styles</a:t>
+            </a:r>
+          </a:p>
+          <a:p>
+            <a:pPr lvl="1"/>
+            <a:r>
+              <a:rPr lang="en-US" smtClean="0"/>
+              <a:t>Second level</a:t>
+            </a:r>
+          </a:p>
+          <a:p>
+            <a:pPr lvl="2"/>
+            <a:r>
+              <a:rPr lang="en-US" smtClean="0"/>
+              <a:t>Third level</a:t>
+            </a:r>
+          </a:p>
+          <a:p>
+            <a:pPr lvl="3"/>
+            <a:r>
+              <a:rPr lang="en-US" smtClean="0"/>
+              <a:t>Fourth level</a:t>
+            </a:r>
+          </a:p>
+          <a:p>
+            <a:pPr lvl="4"/>
+            <a:r>
+              <a:rPr lang="en-US" smtClean="0"/>
+              <a:t>Fifth level</a:t>
+            </a:r>
+            <a:endParaRPr lang="en-US" dirty="0"/>
+          </a:p>
+        </p:txBody>
+      </p:sp>
+    </p:spTree>
+    <p:extLst>
+      <p:ext uri="{BB962C8B-B14F-4D97-AF65-F5344CB8AC3E}">
+        <p14:creationId xmlns:p14="http://schemas.microsoft.com/office/powerpoint/2010/main" val="2305539071"/>
+      </p:ext>
+    </p:extLst>
+  </p:cSld>
+  <p:clrMapOvr>
+    <a:masterClrMapping/>
+  </p:clrMapOvr>
+  <p:transition>
+    <p:fade/>
+  </p:transition>
+  <p:timing>
+    <p:tnLst>
+      <p:par>
+        <p:cTn id="1" dur="indefinite" restart="never" nodeType="tmRoot"/>
+      </p:par>
+    </p:tnLst>
+  </p:timing>
+</p:sldLayout>
+</file>
+
+<file path=ppt/slideLayouts/slideLayout13.xml><?xml version="1.0" encoding="utf-8"?>
+<p:sldLayout xmlns:a="http://schemas.openxmlformats.org/drawingml/2006/main" xmlns:r="http://schemas.openxmlformats.org/officeDocument/2006/relationships" xmlns:p="http://schemas.openxmlformats.org/presentationml/2006/main" preserve="1" userDrawn="1">
+  <p:cSld name="Title Only">
+    <p:spTree>
+      <p:nvGrpSpPr>
+        <p:cNvPr id="1" name=""/>
+        <p:cNvGrpSpPr/>
+        <p:nvPr/>
+      </p:nvGrpSpPr>
+      <p:grpSpPr>
+        <a:xfrm>
+          <a:off x="0" y="0"/>
+          <a:ext cx="0" cy="0"/>
+          <a:chOff x="0" y="0"/>
+          <a:chExt cx="0" cy="0"/>
+        </a:xfrm>
+      </p:grpSpPr>
+      <p:sp>
+        <p:nvSpPr>
+          <p:cNvPr id="2" name="Title 1"/>
+          <p:cNvSpPr>
+            <a:spLocks noGrp="1"/>
+          </p:cNvSpPr>
+          <p:nvPr>
+            <p:ph type="title"/>
+          </p:nvPr>
+        </p:nvSpPr>
+        <p:spPr/>
+        <p:txBody>
+          <a:bodyPr/>
+          <a:lstStyle>
+            <a:lvl1pPr>
+              <a:defRPr lang="en-US" dirty="0"/>
+            </a:lvl1pPr>
+          </a:lstStyle>
+          <a:p>
+            <a:r>
+              <a:rPr lang="en-US" smtClean="0"/>
+              <a:t>Click to edit Master title style</a:t>
+            </a:r>
+            <a:endParaRPr lang="en-US" dirty="0"/>
+          </a:p>
+        </p:txBody>
+      </p:sp>
+    </p:spTree>
+    <p:extLst>
+      <p:ext uri="{BB962C8B-B14F-4D97-AF65-F5344CB8AC3E}">
+        <p14:creationId xmlns:p14="http://schemas.microsoft.com/office/powerpoint/2010/main" val="901828388"/>
+      </p:ext>
+    </p:extLst>
+  </p:cSld>
+  <p:clrMapOvr>
+    <a:masterClrMapping/>
+  </p:clrMapOvr>
+  <p:transition>
+    <p:fade/>
+  </p:transition>
+  <p:timing>
+    <p:tnLst>
+      <p:par>
+        <p:cTn id="1" dur="indefinite" restart="never" nodeType="tmRoot"/>
+      </p:par>
+    </p:tnLst>
+  </p:timing>
+  <p:extLst mod="1">
+    <p:ext uri="{DCECCB84-F9BA-43D5-87BE-67443E8EF086}">
+      <p15:sldGuideLst xmlns:p15="http://schemas.microsoft.com/office/powerpoint/2012/main">
+        <p15:guide id="1" orient="horz" pos="2203">
+          <p15:clr>
+            <a:srgbClr val="FBAE40"/>
+          </p15:clr>
+        </p15:guide>
+        <p15:guide id="2" pos="2938">
+          <p15:clr>
+            <a:srgbClr val="FBAE40"/>
+          </p15:clr>
+        </p15:guide>
+      </p15:sldGuideLst>
+    </p:ext>
+  </p:extLst>
+</p:sldLayout>
+</file>
+
+<file path=ppt/slideLayouts/slideLayout14.xml><?xml version="1.0" encoding="utf-8"?>
+<p:sldLayout xmlns:a="http://schemas.openxmlformats.org/drawingml/2006/main" xmlns:r="http://schemas.openxmlformats.org/officeDocument/2006/relationships" xmlns:p="http://schemas.openxmlformats.org/presentationml/2006/main" preserve="1" userDrawn="1">
+  <p:cSld name="Title Only - White">
+    <p:bg>
+      <p:bgPr>
+        <a:solidFill>
+          <a:srgbClr val="FFFFFF"/>
+        </a:solidFill>
+        <a:effectLst/>
+      </p:bgPr>
+    </p:bg>
+    <p:spTree>
+      <p:nvGrpSpPr>
+        <p:cNvPr id="1" name=""/>
+        <p:cNvGrpSpPr/>
+        <p:nvPr/>
+      </p:nvGrpSpPr>
+      <p:grpSpPr>
+        <a:xfrm>
+          <a:off x="0" y="0"/>
+          <a:ext cx="0" cy="0"/>
+          <a:chOff x="0" y="0"/>
+          <a:chExt cx="0" cy="0"/>
+        </a:xfrm>
+      </p:grpSpPr>
+      <p:sp>
+        <p:nvSpPr>
+          <p:cNvPr id="2" name="Title 1"/>
+          <p:cNvSpPr>
+            <a:spLocks noGrp="1"/>
+          </p:cNvSpPr>
+          <p:nvPr>
+            <p:ph type="title"/>
+          </p:nvPr>
+        </p:nvSpPr>
+        <p:spPr/>
+        <p:txBody>
+          <a:bodyPr/>
+          <a:lstStyle>
+            <a:lvl1pPr>
+              <a:defRPr lang="en-US" dirty="0"/>
+            </a:lvl1pPr>
+          </a:lstStyle>
+          <a:p>
+            <a:r>
+              <a:rPr lang="en-US" smtClean="0"/>
+              <a:t>Click to edit Master title style</a:t>
+            </a:r>
+            <a:endParaRPr lang="en-US" dirty="0"/>
+          </a:p>
+        </p:txBody>
+      </p:sp>
+    </p:spTree>
+    <p:extLst>
+      <p:ext uri="{BB962C8B-B14F-4D97-AF65-F5344CB8AC3E}">
+        <p14:creationId xmlns:p14="http://schemas.microsoft.com/office/powerpoint/2010/main" val="1927147674"/>
+      </p:ext>
+    </p:extLst>
+  </p:cSld>
+  <p:clrMapOvr>
+    <a:masterClrMapping/>
+  </p:clrMapOvr>
+  <p:transition>
+    <p:fade/>
+  </p:transition>
+  <p:timing>
+    <p:tnLst>
+      <p:par>
+        <p:cTn id="1" dur="indefinite" restart="never" nodeType="tmRoot"/>
+      </p:par>
+    </p:tnLst>
+  </p:timing>
+  <p:extLst mod="1">
+    <p:ext uri="{DCECCB84-F9BA-43D5-87BE-67443E8EF086}">
+      <p15:sldGuideLst xmlns:p15="http://schemas.microsoft.com/office/powerpoint/2012/main">
+        <p15:guide id="1" orient="horz" pos="2203">
+          <p15:clr>
+            <a:srgbClr val="FBAE40"/>
+          </p15:clr>
+        </p15:guide>
+        <p15:guide id="2" pos="2938">
+          <p15:clr>
+            <a:srgbClr val="FBAE40"/>
+          </p15:clr>
+        </p15:guide>
+      </p15:sldGuideLst>
+    </p:ext>
+  </p:extLst>
+</p:sldLayout>
+</file>
+
+<file path=ppt/slideLayouts/slideLayout15.xml><?xml version="1.0" encoding="utf-8"?>
+<p:sldLayout xmlns:a="http://schemas.openxmlformats.org/drawingml/2006/main" xmlns:r="http://schemas.openxmlformats.org/officeDocument/2006/relationships" xmlns:p="http://schemas.openxmlformats.org/presentationml/2006/main" preserve="1" userDrawn="1">
+  <p:cSld name="Blank">
+    <p:bg>
+      <p:bgPr>
+        <a:solidFill>
+          <a:schemeClr val="bg1"/>
+        </a:solidFill>
+        <a:effectLst/>
+      </p:bgPr>
+    </p:bg>
+    <p:spTree>
+      <p:nvGrpSpPr>
+        <p:cNvPr id="1" name=""/>
+        <p:cNvGrpSpPr/>
+        <p:nvPr/>
+      </p:nvGrpSpPr>
+      <p:grpSpPr>
+        <a:xfrm>
+          <a:off x="0" y="0"/>
+          <a:ext cx="0" cy="0"/>
+          <a:chOff x="0" y="0"/>
+          <a:chExt cx="0" cy="0"/>
+        </a:xfrm>
+      </p:grpSpPr>
+    </p:spTree>
+    <p:extLst>
+      <p:ext uri="{BB962C8B-B14F-4D97-AF65-F5344CB8AC3E}">
+        <p14:creationId xmlns:p14="http://schemas.microsoft.com/office/powerpoint/2010/main" val="2942343167"/>
+      </p:ext>
+    </p:extLst>
+  </p:cSld>
+  <p:clrMapOvr>
+    <a:masterClrMapping/>
+  </p:clrMapOvr>
+  <p:transition>
+    <p:fade/>
+  </p:transition>
+  <p:timing>
+    <p:tnLst>
+      <p:par>
+        <p:cTn id="1" dur="indefinite" restart="never" nodeType="tmRoot"/>
+      </p:par>
+    </p:tnLst>
+  </p:timing>
+</p:sldLayout>
+</file>
+
+<file path=ppt/slideLayouts/slideLayout16.xml><?xml version="1.0" encoding="utf-8"?>
+<p:sldLayout xmlns:a="http://schemas.openxmlformats.org/drawingml/2006/main" xmlns:r="http://schemas.openxmlformats.org/officeDocument/2006/relationships" xmlns:p="http://schemas.openxmlformats.org/presentationml/2006/main" showMasterSp="0" preserve="1" userDrawn="1">
+  <p:cSld name="Blank White">
+    <p:bg>
+      <p:bgPr>
+        <a:solidFill>
+          <a:srgbClr val="FFFFFF"/>
+        </a:solidFill>
+        <a:effectLst/>
+      </p:bgPr>
+    </p:bg>
+    <p:spTree>
+      <p:nvGrpSpPr>
+        <p:cNvPr id="1" name=""/>
+        <p:cNvGrpSpPr/>
+        <p:nvPr/>
+      </p:nvGrpSpPr>
+      <p:grpSpPr>
+        <a:xfrm>
+          <a:off x="0" y="0"/>
+          <a:ext cx="0" cy="0"/>
+          <a:chOff x="0" y="0"/>
+          <a:chExt cx="0" cy="0"/>
+        </a:xfrm>
+      </p:grpSpPr>
+    </p:spTree>
+    <p:extLst>
+      <p:ext uri="{BB962C8B-B14F-4D97-AF65-F5344CB8AC3E}">
+        <p14:creationId xmlns:p14="http://schemas.microsoft.com/office/powerpoint/2010/main" val="837296947"/>
+      </p:ext>
+    </p:extLst>
+  </p:cSld>
+  <p:clrMapOvr>
+    <a:masterClrMapping/>
+  </p:clrMapOvr>
+  <p:transition>
+    <p:fade/>
+  </p:transition>
+  <p:timing>
+    <p:tnLst>
+      <p:par>
+        <p:cTn id="1" dur="indefinite" restart="never" nodeType="tmRoot"/>
+      </p:par>
+    </p:tnLst>
+  </p:timing>
+</p:sldLayout>
+</file>
+
+<file path=ppt/slideLayouts/slideLayout17.xml><?xml version="1.0" encoding="utf-8"?>
+<p:sldLayout xmlns:a="http://schemas.openxmlformats.org/drawingml/2006/main" xmlns:r="http://schemas.openxmlformats.org/officeDocument/2006/relationships" xmlns:p="http://schemas.openxmlformats.org/presentationml/2006/main" showMasterSp="0" preserve="1" userDrawn="1">
+  <p:cSld name="Blank Black">
+    <p:bg>
+      <p:bgPr>
+        <a:solidFill>
+          <a:srgbClr val="000000"/>
+        </a:solidFill>
+        <a:effectLst/>
+      </p:bgPr>
+    </p:bg>
+    <p:spTree>
+      <p:nvGrpSpPr>
+        <p:cNvPr id="1" name=""/>
+        <p:cNvGrpSpPr/>
+        <p:nvPr/>
+      </p:nvGrpSpPr>
+      <p:grpSpPr>
+        <a:xfrm>
+          <a:off x="0" y="0"/>
+          <a:ext cx="0" cy="0"/>
+          <a:chOff x="0" y="0"/>
+          <a:chExt cx="0" cy="0"/>
+        </a:xfrm>
+      </p:grpSpPr>
+    </p:spTree>
+    <p:extLst>
+      <p:ext uri="{BB962C8B-B14F-4D97-AF65-F5344CB8AC3E}">
+        <p14:creationId xmlns:p14="http://schemas.microsoft.com/office/powerpoint/2010/main" val="935545315"/>
+      </p:ext>
+    </p:extLst>
+  </p:cSld>
+  <p:clrMapOvr>
+    <a:masterClrMapping/>
+  </p:clrMapOvr>
+  <p:transition>
+    <p:fade/>
+  </p:transition>
+  <p:timing>
+    <p:tnLst>
+      <p:par>
+        <p:cTn id="1" dur="indefinite" restart="never" nodeType="tmRoot"/>
+      </p:par>
+    </p:tnLst>
+  </p:timing>
+</p:sldLayout>
+</file>
+
+<file path=ppt/slideLayouts/slideLayout18.xml><?xml version="1.0" encoding="utf-8"?>
+<p:sldLayout xmlns:a="http://schemas.openxmlformats.org/drawingml/2006/main" xmlns:r="http://schemas.openxmlformats.org/officeDocument/2006/relationships" xmlns:p="http://schemas.openxmlformats.org/presentationml/2006/main" showMasterSp="0" preserve="1" userDrawn="1">
+  <p:cSld name="Title - Photo">
+    <p:spTree>
+      <p:nvGrpSpPr>
+        <p:cNvPr id="1" name=""/>
+        <p:cNvGrpSpPr/>
+        <p:nvPr/>
+      </p:nvGrpSpPr>
+      <p:grpSpPr>
+        <a:xfrm>
+          <a:off x="0" y="0"/>
+          <a:ext cx="0" cy="0"/>
+          <a:chOff x="0" y="0"/>
+          <a:chExt cx="0" cy="0"/>
+        </a:xfrm>
+      </p:grpSpPr>
+      <p:sp>
+        <p:nvSpPr>
+          <p:cNvPr id="2" name="Title 1"/>
+          <p:cNvSpPr>
+            <a:spLocks noGrp="1"/>
+          </p:cNvSpPr>
+          <p:nvPr>
+            <p:ph type="title"/>
+          </p:nvPr>
+        </p:nvSpPr>
+        <p:spPr>
+          <a:xfrm>
+            <a:off x="201931" y="5155177"/>
+            <a:ext cx="8741880" cy="899665"/>
+          </a:xfrm>
+        </p:spPr>
+        <p:txBody>
+          <a:bodyPr lIns="182880" tIns="146304" rIns="182880" bIns="146304"/>
+          <a:lstStyle>
+            <a:lvl1pPr>
+              <a:defRPr sz="5881">
+                <a:solidFill>
+                  <a:srgbClr val="FFFFFF"/>
+                </a:solidFill>
+              </a:defRPr>
+            </a:lvl1pPr>
+          </a:lstStyle>
+          <a:p>
+            <a:r>
+              <a:rPr lang="en-US" smtClean="0"/>
+              <a:t>Click to edit Master title style</a:t>
+            </a:r>
+            <a:endParaRPr lang="en-US" dirty="0"/>
+          </a:p>
+        </p:txBody>
+      </p:sp>
+    </p:spTree>
+    <p:extLst>
+      <p:ext uri="{BB962C8B-B14F-4D97-AF65-F5344CB8AC3E}">
+        <p14:creationId xmlns:p14="http://schemas.microsoft.com/office/powerpoint/2010/main" val="2821328160"/>
+      </p:ext>
+    </p:extLst>
+  </p:cSld>
+  <p:clrMapOvr>
+    <a:masterClrMapping/>
+  </p:clrMapOvr>
+  <p:transition>
+    <p:fade/>
+  </p:transition>
+  <p:timing>
+    <p:tnLst>
+      <p:par>
+        <p:cTn id="1" dur="indefinite" restart="never" nodeType="tmRoot"/>
+      </p:par>
+    </p:tnLst>
+  </p:timing>
+</p:sldLayout>
+</file>
+
+<file path=ppt/slideLayouts/slideLayout19.xml><?xml version="1.0" encoding="utf-8"?>
+<p:sldLayout xmlns:a="http://schemas.openxmlformats.org/drawingml/2006/main" xmlns:r="http://schemas.openxmlformats.org/officeDocument/2006/relationships" xmlns:p="http://schemas.openxmlformats.org/presentationml/2006/main" showMasterSp="0" preserve="1" userDrawn="1">
+  <p:cSld name="Split - Title Left">
+    <p:spTree>
+      <p:nvGrpSpPr>
+        <p:cNvPr id="1" name=""/>
+        <p:cNvGrpSpPr/>
+        <p:nvPr/>
+      </p:nvGrpSpPr>
+      <p:grpSpPr>
+        <a:xfrm>
+          <a:off x="0" y="0"/>
+          <a:ext cx="0" cy="0"/>
+          <a:chOff x="0" y="0"/>
+          <a:chExt cx="0" cy="0"/>
+        </a:xfrm>
+      </p:grpSpPr>
+      <p:sp>
+        <p:nvSpPr>
+          <p:cNvPr id="4" name="Rectangle 3"/>
+          <p:cNvSpPr/>
+          <p:nvPr userDrawn="1"/>
+        </p:nvSpPr>
+        <p:spPr bwMode="auto">
+          <a:xfrm>
+            <a:off x="0" y="3"/>
+            <a:ext cx="4572000" cy="6858000"/>
+          </a:xfrm>
+          <a:prstGeom prst="rect">
+            <a:avLst/>
+          </a:prstGeom>
+          <a:solidFill>
+            <a:schemeClr val="accent1"/>
+          </a:solidFill>
+          <a:ln>
+            <a:noFill/>
+            <a:headEnd type="none" w="med" len="med"/>
+            <a:tailEnd type="none" w="med" len="med"/>
+          </a:ln>
+          <a:effectLst/>
+        </p:spPr>
+        <p:style>
+          <a:lnRef idx="1">
+            <a:schemeClr val="accent2"/>
+          </a:lnRef>
+          <a:fillRef idx="3">
+            <a:schemeClr val="accent2"/>
+          </a:fillRef>
+          <a:effectRef idx="2">
+            <a:schemeClr val="accent2"/>
+          </a:effectRef>
+          <a:fontRef idx="minor">
+            <a:schemeClr val="lt1"/>
+          </a:fontRef>
+        </p:style>
+        <p:txBody>
+          <a:bodyPr rot="0" spcFirstLastPara="0" vertOverflow="overflow" horzOverflow="overflow" vert="horz" wrap="square" lIns="134463" tIns="107571" rIns="134463" bIns="107571" numCol="1" spcCol="0" rtlCol="0" fromWordArt="0" anchor="t" anchorCtr="0" forceAA="0" compatLnSpc="1">
+            <a:prstTxWarp prst="textNoShape">
+              <a:avLst/>
+            </a:prstTxWarp>
+            <a:noAutofit/>
+          </a:bodyPr>
+          <a:lstStyle/>
+          <a:p>
+            <a:pPr defTabSz="685555" eaLnBrk="1" hangingPunct="1">
+              <a:lnSpc>
+                <a:spcPct val="90000"/>
+              </a:lnSpc>
+            </a:pPr>
+            <a:endParaRPr lang="en-US" sz="1765" b="0" dirty="0" err="1" smtClean="0">
+              <a:gradFill>
+                <a:gsLst>
+                  <a:gs pos="0">
+                    <a:srgbClr val="FFFFFF"/>
+                  </a:gs>
+                  <a:gs pos="100000">
+                    <a:srgbClr val="FFFFFF"/>
+                  </a:gs>
+                </a:gsLst>
+                <a:lin ang="5400000" scaled="0"/>
+              </a:gradFill>
+              <a:ea typeface="Segoe UI" pitchFamily="34" charset="0"/>
+              <a:cs typeface="Segoe UI" pitchFamily="34" charset="0"/>
+            </a:endParaRPr>
+          </a:p>
+        </p:txBody>
+      </p:sp>
+      <p:sp>
+        <p:nvSpPr>
+          <p:cNvPr id="2" name="Title 1"/>
+          <p:cNvSpPr>
+            <a:spLocks noGrp="1"/>
+          </p:cNvSpPr>
+          <p:nvPr>
+            <p:ph type="title" hasCustomPrompt="1"/>
+          </p:nvPr>
+        </p:nvSpPr>
+        <p:spPr>
+          <a:xfrm>
+            <a:off x="201929" y="896551"/>
+            <a:ext cx="4033912" cy="4482760"/>
+          </a:xfrm>
+          <a:noFill/>
+        </p:spPr>
+        <p:txBody>
+          <a:bodyPr lIns="182880" tIns="146304" rIns="182880" bIns="146304" anchor="ctr" anchorCtr="0">
+            <a:noAutofit/>
+          </a:bodyPr>
+          <a:lstStyle>
+            <a:lvl1pPr>
+              <a:defRPr sz="6470" spc="-74" baseline="0">
+                <a:solidFill>
+                  <a:schemeClr val="bg1"/>
+                </a:solidFill>
+                <a:latin typeface="+mn-lt"/>
+              </a:defRPr>
+            </a:lvl1pPr>
+          </a:lstStyle>
+          <a:p>
+            <a:r>
+              <a:rPr lang="en-US" dirty="0" smtClean="0"/>
+              <a:t>Title</a:t>
+            </a:r>
+            <a:endParaRPr lang="en-US" dirty="0"/>
+          </a:p>
+        </p:txBody>
+      </p:sp>
+      <p:sp>
+        <p:nvSpPr>
+          <p:cNvPr id="6" name="Text Placeholder 5"/>
+          <p:cNvSpPr>
+            <a:spLocks noGrp="1"/>
+          </p:cNvSpPr>
+          <p:nvPr>
+            <p:ph type="body" sz="quarter" idx="10"/>
+          </p:nvPr>
+        </p:nvSpPr>
+        <p:spPr>
+          <a:xfrm>
+            <a:off x="4706230" y="896552"/>
+            <a:ext cx="4033912" cy="5379312"/>
+          </a:xfrm>
+        </p:spPr>
+        <p:txBody>
+          <a:bodyPr lIns="182880" tIns="146304" rIns="182880" bIns="146304" anchor="ctr" anchorCtr="0">
+            <a:noAutofit/>
+          </a:bodyPr>
+          <a:lstStyle>
+            <a:lvl1pPr>
+              <a:defRPr lang="en-US" dirty="0" smtClean="0"/>
+            </a:lvl1pPr>
+            <a:lvl2pPr>
+              <a:defRPr lang="en-US" dirty="0" smtClean="0"/>
+            </a:lvl2pPr>
+            <a:lvl3pPr>
+              <a:defRPr lang="en-US" dirty="0" smtClean="0"/>
+            </a:lvl3pPr>
+            <a:lvl4pPr>
+              <a:defRPr lang="en-US" dirty="0" smtClean="0"/>
+            </a:lvl4pPr>
+            <a:lvl5pPr>
+              <a:defRPr lang="en-US" dirty="0"/>
+            </a:lvl5pPr>
+          </a:lstStyle>
+          <a:p>
+            <a:pPr lvl="0"/>
+            <a:r>
+              <a:rPr lang="en-US" smtClean="0"/>
+              <a:t>Edit Master text styles</a:t>
+            </a:r>
+          </a:p>
+          <a:p>
+            <a:pPr lvl="1"/>
+            <a:r>
+              <a:rPr lang="en-US" smtClean="0"/>
+              <a:t>Second level</a:t>
+            </a:r>
+          </a:p>
+          <a:p>
+            <a:pPr lvl="2"/>
+            <a:r>
+              <a:rPr lang="en-US" smtClean="0"/>
+              <a:t>Third level</a:t>
+            </a:r>
+          </a:p>
+          <a:p>
+            <a:pPr lvl="3"/>
+            <a:r>
+              <a:rPr lang="en-US" smtClean="0"/>
+              <a:t>Fourth level</a:t>
+            </a:r>
+          </a:p>
+          <a:p>
+            <a:pPr lvl="4"/>
+            <a:r>
+              <a:rPr lang="en-US" smtClean="0"/>
+              <a:t>Fifth level</a:t>
+            </a:r>
+            <a:endParaRPr lang="en-US" dirty="0"/>
+          </a:p>
+        </p:txBody>
+      </p:sp>
+    </p:spTree>
+    <p:extLst>
+      <p:ext uri="{BB962C8B-B14F-4D97-AF65-F5344CB8AC3E}">
+        <p14:creationId xmlns:p14="http://schemas.microsoft.com/office/powerpoint/2010/main" val="1915925943"/>
+      </p:ext>
+    </p:extLst>
+  </p:cSld>
+  <p:clrMapOvr>
+    <a:masterClrMapping/>
+  </p:clrMapOvr>
+  <p:transition>
+    <p:fade/>
+  </p:transition>
+  <p:timing>
+    <p:tnLst>
+      <p:par>
+        <p:cTn id="1" dur="indefinite" restart="never" nodeType="tmRoot"/>
+      </p:par>
+    </p:tnLst>
+  </p:timing>
+  <p:extLst mod="1">
+    <p:ext uri="{DCECCB84-F9BA-43D5-87BE-67443E8EF086}">
+      <p15:sldGuideLst xmlns:p15="http://schemas.microsoft.com/office/powerpoint/2012/main">
+        <p15:guide id="1" orient="horz" pos="2203">
+          <p15:clr>
+            <a:srgbClr val="FBAE40"/>
+          </p15:clr>
+        </p15:guide>
+        <p15:guide id="2" pos="2938">
+          <p15:clr>
+            <a:srgbClr val="FBAE40"/>
+          </p15:clr>
+        </p15:guide>
+      </p15:sldGuideLst>
+    </p:ext>
+  </p:extLst>
+</p:sldLayout>
+</file>
+
 <file path=ppt/slideLayouts/slideLayout2.xml><?xml version="1.0" encoding="utf-8"?>
 <p:sldLayout xmlns:a="http://schemas.openxmlformats.org/drawingml/2006/main" xmlns:r="http://schemas.openxmlformats.org/officeDocument/2006/relationships" xmlns:p="http://schemas.openxmlformats.org/presentationml/2006/main" type="tx" preserve="1">
   <p:cSld name="Title and Text">
@@ -1279,6 +3083,1270 @@
 </p:sldLayout>
 </file>
 
+<file path=ppt/slideLayouts/slideLayout20.xml><?xml version="1.0" encoding="utf-8"?>
+<p:sldLayout xmlns:a="http://schemas.openxmlformats.org/drawingml/2006/main" xmlns:r="http://schemas.openxmlformats.org/officeDocument/2006/relationships" xmlns:p="http://schemas.openxmlformats.org/presentationml/2006/main" showMasterSp="0" preserve="1" userDrawn="1">
+  <p:cSld name="Split - Title Right">
+    <p:spTree>
+      <p:nvGrpSpPr>
+        <p:cNvPr id="1" name=""/>
+        <p:cNvGrpSpPr/>
+        <p:nvPr/>
+      </p:nvGrpSpPr>
+      <p:grpSpPr>
+        <a:xfrm>
+          <a:off x="0" y="0"/>
+          <a:ext cx="0" cy="0"/>
+          <a:chOff x="0" y="0"/>
+          <a:chExt cx="0" cy="0"/>
+        </a:xfrm>
+      </p:grpSpPr>
+      <p:sp>
+        <p:nvSpPr>
+          <p:cNvPr id="3" name="Rectangle 2"/>
+          <p:cNvSpPr/>
+          <p:nvPr userDrawn="1"/>
+        </p:nvSpPr>
+        <p:spPr bwMode="auto">
+          <a:xfrm>
+            <a:off x="4572000" y="3"/>
+            <a:ext cx="4572000" cy="6858000"/>
+          </a:xfrm>
+          <a:prstGeom prst="rect">
+            <a:avLst/>
+          </a:prstGeom>
+          <a:solidFill>
+            <a:schemeClr val="accent1"/>
+          </a:solidFill>
+          <a:ln>
+            <a:noFill/>
+            <a:headEnd type="none" w="med" len="med"/>
+            <a:tailEnd type="none" w="med" len="med"/>
+          </a:ln>
+          <a:effectLst/>
+        </p:spPr>
+        <p:style>
+          <a:lnRef idx="1">
+            <a:schemeClr val="accent2"/>
+          </a:lnRef>
+          <a:fillRef idx="3">
+            <a:schemeClr val="accent2"/>
+          </a:fillRef>
+          <a:effectRef idx="2">
+            <a:schemeClr val="accent2"/>
+          </a:effectRef>
+          <a:fontRef idx="minor">
+            <a:schemeClr val="lt1"/>
+          </a:fontRef>
+        </p:style>
+        <p:txBody>
+          <a:bodyPr rot="0" spcFirstLastPara="0" vertOverflow="overflow" horzOverflow="overflow" vert="horz" wrap="square" lIns="134463" tIns="107571" rIns="134463" bIns="107571" numCol="1" spcCol="0" rtlCol="0" fromWordArt="0" anchor="t" anchorCtr="0" forceAA="0" compatLnSpc="1">
+            <a:prstTxWarp prst="textNoShape">
+              <a:avLst/>
+            </a:prstTxWarp>
+            <a:noAutofit/>
+          </a:bodyPr>
+          <a:lstStyle/>
+          <a:p>
+            <a:pPr defTabSz="685555" eaLnBrk="1" hangingPunct="1">
+              <a:lnSpc>
+                <a:spcPct val="90000"/>
+              </a:lnSpc>
+            </a:pPr>
+            <a:endParaRPr lang="en-US" sz="1765" b="0" dirty="0" err="1" smtClean="0">
+              <a:gradFill>
+                <a:gsLst>
+                  <a:gs pos="0">
+                    <a:srgbClr val="FFFFFF"/>
+                  </a:gs>
+                  <a:gs pos="100000">
+                    <a:srgbClr val="FFFFFF"/>
+                  </a:gs>
+                </a:gsLst>
+                <a:lin ang="5400000" scaled="0"/>
+              </a:gradFill>
+              <a:ea typeface="Segoe UI" pitchFamily="34" charset="0"/>
+              <a:cs typeface="Segoe UI" pitchFamily="34" charset="0"/>
+            </a:endParaRPr>
+          </a:p>
+        </p:txBody>
+      </p:sp>
+      <p:sp>
+        <p:nvSpPr>
+          <p:cNvPr id="2" name="Title 1"/>
+          <p:cNvSpPr>
+            <a:spLocks noGrp="1"/>
+          </p:cNvSpPr>
+          <p:nvPr>
+            <p:ph type="title" hasCustomPrompt="1"/>
+          </p:nvPr>
+        </p:nvSpPr>
+        <p:spPr>
+          <a:xfrm>
+            <a:off x="4706230" y="896551"/>
+            <a:ext cx="4033912" cy="4482760"/>
+          </a:xfrm>
+          <a:noFill/>
+        </p:spPr>
+        <p:txBody>
+          <a:bodyPr lIns="182880" tIns="146304" rIns="182880" bIns="146304" anchor="ctr" anchorCtr="0">
+            <a:noAutofit/>
+          </a:bodyPr>
+          <a:lstStyle>
+            <a:lvl1pPr algn="r">
+              <a:defRPr sz="6470" spc="-74" baseline="0">
+                <a:solidFill>
+                  <a:schemeClr val="bg1"/>
+                </a:solidFill>
+                <a:latin typeface="+mn-lt"/>
+              </a:defRPr>
+            </a:lvl1pPr>
+          </a:lstStyle>
+          <a:p>
+            <a:r>
+              <a:rPr lang="en-US" dirty="0" smtClean="0"/>
+              <a:t>Title</a:t>
+            </a:r>
+            <a:endParaRPr lang="en-US" dirty="0"/>
+          </a:p>
+        </p:txBody>
+      </p:sp>
+      <p:sp>
+        <p:nvSpPr>
+          <p:cNvPr id="6" name="Text Placeholder 5"/>
+          <p:cNvSpPr>
+            <a:spLocks noGrp="1"/>
+          </p:cNvSpPr>
+          <p:nvPr>
+            <p:ph type="body" sz="quarter" idx="10"/>
+          </p:nvPr>
+        </p:nvSpPr>
+        <p:spPr>
+          <a:xfrm>
+            <a:off x="201696" y="896552"/>
+            <a:ext cx="4033912" cy="5379312"/>
+          </a:xfrm>
+        </p:spPr>
+        <p:txBody>
+          <a:bodyPr lIns="182880" tIns="146304" rIns="182880" bIns="146304" anchor="ctr" anchorCtr="0">
+            <a:noAutofit/>
+          </a:bodyPr>
+          <a:lstStyle>
+            <a:lvl1pPr>
+              <a:defRPr lang="en-US" dirty="0" smtClean="0"/>
+            </a:lvl1pPr>
+            <a:lvl2pPr>
+              <a:defRPr lang="en-US" dirty="0" smtClean="0"/>
+            </a:lvl2pPr>
+            <a:lvl3pPr>
+              <a:defRPr lang="en-US" dirty="0" smtClean="0"/>
+            </a:lvl3pPr>
+            <a:lvl4pPr>
+              <a:defRPr lang="en-US" dirty="0" smtClean="0"/>
+            </a:lvl4pPr>
+            <a:lvl5pPr>
+              <a:defRPr lang="en-US" dirty="0"/>
+            </a:lvl5pPr>
+          </a:lstStyle>
+          <a:p>
+            <a:pPr lvl="0"/>
+            <a:r>
+              <a:rPr lang="en-US" smtClean="0"/>
+              <a:t>Edit Master text styles</a:t>
+            </a:r>
+          </a:p>
+          <a:p>
+            <a:pPr lvl="1"/>
+            <a:r>
+              <a:rPr lang="en-US" smtClean="0"/>
+              <a:t>Second level</a:t>
+            </a:r>
+          </a:p>
+          <a:p>
+            <a:pPr lvl="2"/>
+            <a:r>
+              <a:rPr lang="en-US" smtClean="0"/>
+              <a:t>Third level</a:t>
+            </a:r>
+          </a:p>
+          <a:p>
+            <a:pPr lvl="3"/>
+            <a:r>
+              <a:rPr lang="en-US" smtClean="0"/>
+              <a:t>Fourth level</a:t>
+            </a:r>
+          </a:p>
+          <a:p>
+            <a:pPr lvl="4"/>
+            <a:r>
+              <a:rPr lang="en-US" smtClean="0"/>
+              <a:t>Fifth level</a:t>
+            </a:r>
+            <a:endParaRPr lang="en-US" dirty="0"/>
+          </a:p>
+        </p:txBody>
+      </p:sp>
+    </p:spTree>
+    <p:extLst>
+      <p:ext uri="{BB962C8B-B14F-4D97-AF65-F5344CB8AC3E}">
+        <p14:creationId xmlns:p14="http://schemas.microsoft.com/office/powerpoint/2010/main" val="3652290948"/>
+      </p:ext>
+    </p:extLst>
+  </p:cSld>
+  <p:clrMapOvr>
+    <a:masterClrMapping/>
+  </p:clrMapOvr>
+  <p:transition>
+    <p:fade/>
+  </p:transition>
+  <p:timing>
+    <p:tnLst>
+      <p:par>
+        <p:cTn id="1" dur="indefinite" restart="never" nodeType="tmRoot"/>
+      </p:par>
+    </p:tnLst>
+  </p:timing>
+  <p:extLst mod="1">
+    <p:ext uri="{DCECCB84-F9BA-43D5-87BE-67443E8EF086}">
+      <p15:sldGuideLst xmlns:p15="http://schemas.microsoft.com/office/powerpoint/2012/main">
+        <p15:guide id="1" orient="horz" pos="2203">
+          <p15:clr>
+            <a:srgbClr val="FBAE40"/>
+          </p15:clr>
+        </p15:guide>
+        <p15:guide id="2" pos="2938">
+          <p15:clr>
+            <a:srgbClr val="FBAE40"/>
+          </p15:clr>
+        </p15:guide>
+      </p15:sldGuideLst>
+    </p:ext>
+  </p:extLst>
+</p:sldLayout>
+</file>
+
+<file path=ppt/slideLayouts/slideLayout21.xml><?xml version="1.0" encoding="utf-8"?>
+<p:sldLayout xmlns:a="http://schemas.openxmlformats.org/drawingml/2006/main" xmlns:r="http://schemas.openxmlformats.org/officeDocument/2006/relationships" xmlns:p="http://schemas.openxmlformats.org/presentationml/2006/main" preserve="1" userDrawn="1">
+  <p:cSld name="Title Middle">
+    <p:spTree>
+      <p:nvGrpSpPr>
+        <p:cNvPr id="1" name=""/>
+        <p:cNvGrpSpPr/>
+        <p:nvPr/>
+      </p:nvGrpSpPr>
+      <p:grpSpPr>
+        <a:xfrm>
+          <a:off x="0" y="0"/>
+          <a:ext cx="0" cy="0"/>
+          <a:chOff x="0" y="0"/>
+          <a:chExt cx="0" cy="0"/>
+        </a:xfrm>
+      </p:grpSpPr>
+      <p:sp>
+        <p:nvSpPr>
+          <p:cNvPr id="5" name="Rectangle 4"/>
+          <p:cNvSpPr/>
+          <p:nvPr userDrawn="1"/>
+        </p:nvSpPr>
+        <p:spPr bwMode="auto">
+          <a:xfrm>
+            <a:off x="1" y="2532450"/>
+            <a:ext cx="9144000" cy="1793105"/>
+          </a:xfrm>
+          <a:prstGeom prst="rect">
+            <a:avLst/>
+          </a:prstGeom>
+          <a:solidFill>
+            <a:schemeClr val="accent1"/>
+          </a:solidFill>
+          <a:ln>
+            <a:noFill/>
+            <a:headEnd type="none" w="med" len="med"/>
+            <a:tailEnd type="none" w="med" len="med"/>
+          </a:ln>
+          <a:effectLst/>
+        </p:spPr>
+        <p:style>
+          <a:lnRef idx="1">
+            <a:schemeClr val="accent2"/>
+          </a:lnRef>
+          <a:fillRef idx="3">
+            <a:schemeClr val="accent2"/>
+          </a:fillRef>
+          <a:effectRef idx="2">
+            <a:schemeClr val="accent2"/>
+          </a:effectRef>
+          <a:fontRef idx="minor">
+            <a:schemeClr val="lt1"/>
+          </a:fontRef>
+        </p:style>
+        <p:txBody>
+          <a:bodyPr rot="0" spcFirstLastPara="0" vertOverflow="overflow" horzOverflow="overflow" vert="horz" wrap="square" lIns="134463" tIns="107571" rIns="134463" bIns="107571" numCol="1" spcCol="0" rtlCol="0" fromWordArt="0" anchor="t" anchorCtr="0" forceAA="0" compatLnSpc="1">
+            <a:prstTxWarp prst="textNoShape">
+              <a:avLst/>
+            </a:prstTxWarp>
+            <a:noAutofit/>
+          </a:bodyPr>
+          <a:lstStyle/>
+          <a:p>
+            <a:pPr defTabSz="685555" eaLnBrk="1" hangingPunct="1">
+              <a:lnSpc>
+                <a:spcPct val="90000"/>
+              </a:lnSpc>
+            </a:pPr>
+            <a:endParaRPr lang="en-US" sz="1765" b="0" dirty="0" err="1" smtClean="0">
+              <a:gradFill>
+                <a:gsLst>
+                  <a:gs pos="0">
+                    <a:srgbClr val="FFFFFF"/>
+                  </a:gs>
+                  <a:gs pos="100000">
+                    <a:srgbClr val="FFFFFF"/>
+                  </a:gs>
+                </a:gsLst>
+                <a:lin ang="5400000" scaled="0"/>
+              </a:gradFill>
+              <a:ea typeface="Segoe UI" pitchFamily="34" charset="0"/>
+              <a:cs typeface="Segoe UI" pitchFamily="34" charset="0"/>
+            </a:endParaRPr>
+          </a:p>
+        </p:txBody>
+      </p:sp>
+      <p:sp>
+        <p:nvSpPr>
+          <p:cNvPr id="2" name="Title 1"/>
+          <p:cNvSpPr>
+            <a:spLocks noGrp="1"/>
+          </p:cNvSpPr>
+          <p:nvPr>
+            <p:ph type="title"/>
+          </p:nvPr>
+        </p:nvSpPr>
+        <p:spPr>
+          <a:xfrm>
+            <a:off x="538089" y="2980727"/>
+            <a:ext cx="8067823" cy="860042"/>
+          </a:xfrm>
+        </p:spPr>
+        <p:txBody>
+          <a:bodyPr/>
+          <a:lstStyle>
+            <a:lvl1pPr algn="ctr">
+              <a:defRPr sz="4411">
+                <a:solidFill>
+                  <a:srgbClr val="FFFFFF"/>
+                </a:solidFill>
+              </a:defRPr>
+            </a:lvl1pPr>
+          </a:lstStyle>
+          <a:p>
+            <a:r>
+              <a:rPr lang="en-US" smtClean="0"/>
+              <a:t>Click to edit Master title style</a:t>
+            </a:r>
+            <a:endParaRPr lang="en-US"/>
+          </a:p>
+        </p:txBody>
+      </p:sp>
+    </p:spTree>
+    <p:extLst>
+      <p:ext uri="{BB962C8B-B14F-4D97-AF65-F5344CB8AC3E}">
+        <p14:creationId xmlns:p14="http://schemas.microsoft.com/office/powerpoint/2010/main" val="1334858929"/>
+      </p:ext>
+    </p:extLst>
+  </p:cSld>
+  <p:clrMapOvr>
+    <a:masterClrMapping/>
+  </p:clrMapOvr>
+  <p:transition>
+    <p:fade/>
+  </p:transition>
+</p:sldLayout>
+</file>
+
+<file path=ppt/slideLayouts/slideLayout22.xml><?xml version="1.0" encoding="utf-8"?>
+<p:sldLayout xmlns:a="http://schemas.openxmlformats.org/drawingml/2006/main" xmlns:r="http://schemas.openxmlformats.org/officeDocument/2006/relationships" xmlns:p="http://schemas.openxmlformats.org/presentationml/2006/main" preserve="1" userDrawn="1">
+  <p:cSld name="Title Top">
+    <p:spTree>
+      <p:nvGrpSpPr>
+        <p:cNvPr id="1" name=""/>
+        <p:cNvGrpSpPr/>
+        <p:nvPr/>
+      </p:nvGrpSpPr>
+      <p:grpSpPr>
+        <a:xfrm>
+          <a:off x="0" y="0"/>
+          <a:ext cx="0" cy="0"/>
+          <a:chOff x="0" y="0"/>
+          <a:chExt cx="0" cy="0"/>
+        </a:xfrm>
+      </p:grpSpPr>
+      <p:sp>
+        <p:nvSpPr>
+          <p:cNvPr id="5" name="Rectangle 4"/>
+          <p:cNvSpPr/>
+          <p:nvPr userDrawn="1"/>
+        </p:nvSpPr>
+        <p:spPr bwMode="auto">
+          <a:xfrm>
+            <a:off x="1" y="-7784"/>
+            <a:ext cx="9144000" cy="1793105"/>
+          </a:xfrm>
+          <a:prstGeom prst="rect">
+            <a:avLst/>
+          </a:prstGeom>
+          <a:solidFill>
+            <a:schemeClr val="accent1"/>
+          </a:solidFill>
+          <a:ln>
+            <a:noFill/>
+            <a:headEnd type="none" w="med" len="med"/>
+            <a:tailEnd type="none" w="med" len="med"/>
+          </a:ln>
+          <a:effectLst/>
+        </p:spPr>
+        <p:style>
+          <a:lnRef idx="1">
+            <a:schemeClr val="accent2"/>
+          </a:lnRef>
+          <a:fillRef idx="3">
+            <a:schemeClr val="accent2"/>
+          </a:fillRef>
+          <a:effectRef idx="2">
+            <a:schemeClr val="accent2"/>
+          </a:effectRef>
+          <a:fontRef idx="minor">
+            <a:schemeClr val="lt1"/>
+          </a:fontRef>
+        </p:style>
+        <p:txBody>
+          <a:bodyPr rot="0" spcFirstLastPara="0" vertOverflow="overflow" horzOverflow="overflow" vert="horz" wrap="square" lIns="134463" tIns="107571" rIns="134463" bIns="107571" numCol="1" spcCol="0" rtlCol="0" fromWordArt="0" anchor="t" anchorCtr="0" forceAA="0" compatLnSpc="1">
+            <a:prstTxWarp prst="textNoShape">
+              <a:avLst/>
+            </a:prstTxWarp>
+            <a:noAutofit/>
+          </a:bodyPr>
+          <a:lstStyle/>
+          <a:p>
+            <a:pPr defTabSz="685555" eaLnBrk="1" hangingPunct="1">
+              <a:lnSpc>
+                <a:spcPct val="90000"/>
+              </a:lnSpc>
+            </a:pPr>
+            <a:endParaRPr lang="en-US" sz="1765" b="0" dirty="0" err="1" smtClean="0">
+              <a:gradFill>
+                <a:gsLst>
+                  <a:gs pos="0">
+                    <a:srgbClr val="FFFFFF"/>
+                  </a:gs>
+                  <a:gs pos="100000">
+                    <a:srgbClr val="FFFFFF"/>
+                  </a:gs>
+                </a:gsLst>
+                <a:lin ang="5400000" scaled="0"/>
+              </a:gradFill>
+              <a:ea typeface="Segoe UI" pitchFamily="34" charset="0"/>
+              <a:cs typeface="Segoe UI" pitchFamily="34" charset="0"/>
+            </a:endParaRPr>
+          </a:p>
+        </p:txBody>
+      </p:sp>
+      <p:sp>
+        <p:nvSpPr>
+          <p:cNvPr id="2" name="Title 1"/>
+          <p:cNvSpPr>
+            <a:spLocks noGrp="1"/>
+          </p:cNvSpPr>
+          <p:nvPr>
+            <p:ph type="title"/>
+          </p:nvPr>
+        </p:nvSpPr>
+        <p:spPr>
+          <a:xfrm>
+            <a:off x="538089" y="440496"/>
+            <a:ext cx="8067823" cy="860042"/>
+          </a:xfrm>
+        </p:spPr>
+        <p:txBody>
+          <a:bodyPr/>
+          <a:lstStyle>
+            <a:lvl1pPr algn="ctr">
+              <a:defRPr sz="4411">
+                <a:solidFill>
+                  <a:srgbClr val="FFFFFF"/>
+                </a:solidFill>
+              </a:defRPr>
+            </a:lvl1pPr>
+          </a:lstStyle>
+          <a:p>
+            <a:r>
+              <a:rPr lang="en-US" smtClean="0"/>
+              <a:t>Click to edit Master title style</a:t>
+            </a:r>
+            <a:endParaRPr lang="en-US"/>
+          </a:p>
+        </p:txBody>
+      </p:sp>
+    </p:spTree>
+    <p:extLst>
+      <p:ext uri="{BB962C8B-B14F-4D97-AF65-F5344CB8AC3E}">
+        <p14:creationId xmlns:p14="http://schemas.microsoft.com/office/powerpoint/2010/main" val="726019573"/>
+      </p:ext>
+    </p:extLst>
+  </p:cSld>
+  <p:clrMapOvr>
+    <a:masterClrMapping/>
+  </p:clrMapOvr>
+  <p:transition>
+    <p:fade/>
+  </p:transition>
+</p:sldLayout>
+</file>
+
+<file path=ppt/slideLayouts/slideLayout23.xml><?xml version="1.0" encoding="utf-8"?>
+<p:sldLayout xmlns:a="http://schemas.openxmlformats.org/drawingml/2006/main" xmlns:r="http://schemas.openxmlformats.org/officeDocument/2006/relationships" xmlns:p="http://schemas.openxmlformats.org/presentationml/2006/main" preserve="1" userDrawn="1">
+  <p:cSld name="Title Bottom">
+    <p:spTree>
+      <p:nvGrpSpPr>
+        <p:cNvPr id="1" name=""/>
+        <p:cNvGrpSpPr/>
+        <p:nvPr/>
+      </p:nvGrpSpPr>
+      <p:grpSpPr>
+        <a:xfrm>
+          <a:off x="0" y="0"/>
+          <a:ext cx="0" cy="0"/>
+          <a:chOff x="0" y="0"/>
+          <a:chExt cx="0" cy="0"/>
+        </a:xfrm>
+      </p:grpSpPr>
+      <p:sp>
+        <p:nvSpPr>
+          <p:cNvPr id="5" name="Rectangle 4"/>
+          <p:cNvSpPr/>
+          <p:nvPr userDrawn="1"/>
+        </p:nvSpPr>
+        <p:spPr bwMode="auto">
+          <a:xfrm>
+            <a:off x="1" y="5064898"/>
+            <a:ext cx="9144000" cy="1793105"/>
+          </a:xfrm>
+          <a:prstGeom prst="rect">
+            <a:avLst/>
+          </a:prstGeom>
+          <a:solidFill>
+            <a:schemeClr val="accent1"/>
+          </a:solidFill>
+          <a:ln>
+            <a:noFill/>
+            <a:headEnd type="none" w="med" len="med"/>
+            <a:tailEnd type="none" w="med" len="med"/>
+          </a:ln>
+          <a:effectLst/>
+        </p:spPr>
+        <p:style>
+          <a:lnRef idx="1">
+            <a:schemeClr val="accent2"/>
+          </a:lnRef>
+          <a:fillRef idx="3">
+            <a:schemeClr val="accent2"/>
+          </a:fillRef>
+          <a:effectRef idx="2">
+            <a:schemeClr val="accent2"/>
+          </a:effectRef>
+          <a:fontRef idx="minor">
+            <a:schemeClr val="lt1"/>
+          </a:fontRef>
+        </p:style>
+        <p:txBody>
+          <a:bodyPr rot="0" spcFirstLastPara="0" vertOverflow="overflow" horzOverflow="overflow" vert="horz" wrap="square" lIns="134463" tIns="107571" rIns="134463" bIns="107571" numCol="1" spcCol="0" rtlCol="0" fromWordArt="0" anchor="t" anchorCtr="0" forceAA="0" compatLnSpc="1">
+            <a:prstTxWarp prst="textNoShape">
+              <a:avLst/>
+            </a:prstTxWarp>
+            <a:noAutofit/>
+          </a:bodyPr>
+          <a:lstStyle/>
+          <a:p>
+            <a:pPr defTabSz="685555" eaLnBrk="1" hangingPunct="1">
+              <a:lnSpc>
+                <a:spcPct val="90000"/>
+              </a:lnSpc>
+            </a:pPr>
+            <a:endParaRPr lang="en-US" sz="1765" b="0" dirty="0" err="1" smtClean="0">
+              <a:gradFill>
+                <a:gsLst>
+                  <a:gs pos="0">
+                    <a:srgbClr val="FFFFFF"/>
+                  </a:gs>
+                  <a:gs pos="100000">
+                    <a:srgbClr val="FFFFFF"/>
+                  </a:gs>
+                </a:gsLst>
+                <a:lin ang="5400000" scaled="0"/>
+              </a:gradFill>
+              <a:ea typeface="Segoe UI" pitchFamily="34" charset="0"/>
+              <a:cs typeface="Segoe UI" pitchFamily="34" charset="0"/>
+            </a:endParaRPr>
+          </a:p>
+        </p:txBody>
+      </p:sp>
+      <p:sp>
+        <p:nvSpPr>
+          <p:cNvPr id="2" name="Title 1"/>
+          <p:cNvSpPr>
+            <a:spLocks noGrp="1"/>
+          </p:cNvSpPr>
+          <p:nvPr>
+            <p:ph type="title"/>
+          </p:nvPr>
+        </p:nvSpPr>
+        <p:spPr>
+          <a:xfrm>
+            <a:off x="538089" y="5513175"/>
+            <a:ext cx="8067823" cy="860042"/>
+          </a:xfrm>
+        </p:spPr>
+        <p:txBody>
+          <a:bodyPr/>
+          <a:lstStyle>
+            <a:lvl1pPr algn="ctr">
+              <a:defRPr sz="4411">
+                <a:solidFill>
+                  <a:srgbClr val="FFFFFF"/>
+                </a:solidFill>
+              </a:defRPr>
+            </a:lvl1pPr>
+          </a:lstStyle>
+          <a:p>
+            <a:r>
+              <a:rPr lang="en-US" dirty="0" smtClean="0"/>
+              <a:t>Click to edit Master title style</a:t>
+            </a:r>
+            <a:endParaRPr lang="en-US" dirty="0"/>
+          </a:p>
+        </p:txBody>
+      </p:sp>
+    </p:spTree>
+    <p:extLst>
+      <p:ext uri="{BB962C8B-B14F-4D97-AF65-F5344CB8AC3E}">
+        <p14:creationId xmlns:p14="http://schemas.microsoft.com/office/powerpoint/2010/main" val="3598385501"/>
+      </p:ext>
+    </p:extLst>
+  </p:cSld>
+  <p:clrMapOvr>
+    <a:masterClrMapping/>
+  </p:clrMapOvr>
+  <p:transition>
+    <p:fade/>
+  </p:transition>
+</p:sldLayout>
+</file>
+
+<file path=ppt/slideLayouts/slideLayout24.xml><?xml version="1.0" encoding="utf-8"?>
+<p:sldLayout xmlns:a="http://schemas.openxmlformats.org/drawingml/2006/main" xmlns:r="http://schemas.openxmlformats.org/officeDocument/2006/relationships" xmlns:p="http://schemas.openxmlformats.org/presentationml/2006/main" preserve="1" userDrawn="1">
+  <p:cSld name="Developer Code Layout">
+    <p:spTree>
+      <p:nvGrpSpPr>
+        <p:cNvPr id="1" name=""/>
+        <p:cNvGrpSpPr/>
+        <p:nvPr/>
+      </p:nvGrpSpPr>
+      <p:grpSpPr>
+        <a:xfrm>
+          <a:off x="0" y="0"/>
+          <a:ext cx="0" cy="0"/>
+          <a:chOff x="0" y="0"/>
+          <a:chExt cx="0" cy="0"/>
+        </a:xfrm>
+      </p:grpSpPr>
+      <p:sp>
+        <p:nvSpPr>
+          <p:cNvPr id="2" name="Title 1"/>
+          <p:cNvSpPr>
+            <a:spLocks noGrp="1"/>
+          </p:cNvSpPr>
+          <p:nvPr>
+            <p:ph type="title" hasCustomPrompt="1"/>
+          </p:nvPr>
+        </p:nvSpPr>
+        <p:spPr/>
+        <p:txBody>
+          <a:bodyPr/>
+          <a:lstStyle>
+            <a:lvl1pPr>
+              <a:defRPr baseline="0"/>
+            </a:lvl1pPr>
+          </a:lstStyle>
+          <a:p>
+            <a:r>
+              <a:rPr lang="en-US" dirty="0" smtClean="0"/>
+              <a:t>Slide for Developer Code</a:t>
+            </a:r>
+            <a:endParaRPr lang="en-US" dirty="0"/>
+          </a:p>
+        </p:txBody>
+      </p:sp>
+      <p:sp>
+        <p:nvSpPr>
+          <p:cNvPr id="3" name="Rectangle 2"/>
+          <p:cNvSpPr/>
+          <p:nvPr userDrawn="1"/>
+        </p:nvSpPr>
+        <p:spPr bwMode="hidden">
+          <a:xfrm>
+            <a:off x="2" y="1189176"/>
+            <a:ext cx="9144000" cy="5668824"/>
+          </a:xfrm>
+          <a:prstGeom prst="rect">
+            <a:avLst/>
+          </a:prstGeom>
+          <a:solidFill>
+            <a:srgbClr val="FFFFFF"/>
+          </a:solidFill>
+          <a:ln>
+            <a:noFill/>
+            <a:headEnd type="none" w="med" len="med"/>
+            <a:tailEnd type="none" w="med" len="med"/>
+          </a:ln>
+          <a:effectLst/>
+        </p:spPr>
+        <p:style>
+          <a:lnRef idx="1">
+            <a:schemeClr val="accent2"/>
+          </a:lnRef>
+          <a:fillRef idx="3">
+            <a:schemeClr val="accent2"/>
+          </a:fillRef>
+          <a:effectRef idx="2">
+            <a:schemeClr val="accent2"/>
+          </a:effectRef>
+          <a:fontRef idx="minor">
+            <a:schemeClr val="lt1"/>
+          </a:fontRef>
+        </p:style>
+        <p:txBody>
+          <a:bodyPr rot="0" spcFirstLastPara="0" vertOverflow="overflow" horzOverflow="overflow" vert="horz" wrap="square" lIns="34291" tIns="34291" rIns="34291" bIns="34291" numCol="1" spcCol="0" rtlCol="0" fromWordArt="0" anchor="ctr" anchorCtr="0" forceAA="0" compatLnSpc="1">
+            <a:prstTxWarp prst="textNoShape">
+              <a:avLst/>
+            </a:prstTxWarp>
+            <a:noAutofit/>
+          </a:bodyPr>
+          <a:lstStyle/>
+          <a:p>
+            <a:pPr defTabSz="685555" eaLnBrk="1" hangingPunct="1"/>
+            <a:endParaRPr lang="en-US" sz="1324" b="0" dirty="0" smtClean="0">
+              <a:gradFill>
+                <a:gsLst>
+                  <a:gs pos="0">
+                    <a:srgbClr val="FFFFFF"/>
+                  </a:gs>
+                  <a:gs pos="100000">
+                    <a:srgbClr val="FFFFFF"/>
+                  </a:gs>
+                </a:gsLst>
+                <a:lin ang="5400000" scaled="0"/>
+              </a:gradFill>
+              <a:ea typeface="Segoe UI" pitchFamily="34" charset="0"/>
+              <a:cs typeface="Segoe UI" pitchFamily="34" charset="0"/>
+            </a:endParaRPr>
+          </a:p>
+        </p:txBody>
+      </p:sp>
+      <p:sp>
+        <p:nvSpPr>
+          <p:cNvPr id="5" name="Text Placeholder 4"/>
+          <p:cNvSpPr>
+            <a:spLocks noGrp="1"/>
+          </p:cNvSpPr>
+          <p:nvPr>
+            <p:ph type="body" sz="quarter" idx="10"/>
+          </p:nvPr>
+        </p:nvSpPr>
+        <p:spPr>
+          <a:xfrm>
+            <a:off x="201931" y="1197324"/>
+            <a:ext cx="8740141" cy="1380594"/>
+          </a:xfrm>
+        </p:spPr>
+        <p:txBody>
+          <a:bodyPr/>
+          <a:lstStyle>
+            <a:lvl1pPr marL="0" indent="0">
+              <a:buNone/>
+              <a:defRPr sz="1471">
+                <a:gradFill>
+                  <a:gsLst>
+                    <a:gs pos="1250">
+                      <a:srgbClr val="000000"/>
+                    </a:gs>
+                    <a:gs pos="100000">
+                      <a:srgbClr val="000000"/>
+                    </a:gs>
+                  </a:gsLst>
+                  <a:lin ang="5400000" scaled="0"/>
+                </a:gradFill>
+                <a:latin typeface="Consolas" panose="020B0609020204030204" pitchFamily="49" charset="0"/>
+                <a:cs typeface="Consolas" panose="020B0609020204030204" pitchFamily="49" charset="0"/>
+              </a:defRPr>
+            </a:lvl1pPr>
+            <a:lvl2pPr marL="254786" indent="0">
+              <a:buNone/>
+              <a:defRPr sz="1471">
+                <a:gradFill>
+                  <a:gsLst>
+                    <a:gs pos="1250">
+                      <a:srgbClr val="000000"/>
+                    </a:gs>
+                    <a:gs pos="100000">
+                      <a:srgbClr val="000000"/>
+                    </a:gs>
+                  </a:gsLst>
+                  <a:lin ang="5400000" scaled="0"/>
+                </a:gradFill>
+                <a:latin typeface="Consolas" panose="020B0609020204030204" pitchFamily="49" charset="0"/>
+                <a:cs typeface="Consolas" panose="020B0609020204030204" pitchFamily="49" charset="0"/>
+              </a:defRPr>
+            </a:lvl2pPr>
+            <a:lvl3pPr marL="429804" indent="0">
+              <a:buNone/>
+              <a:defRPr sz="1471">
+                <a:gradFill>
+                  <a:gsLst>
+                    <a:gs pos="1250">
+                      <a:srgbClr val="000000"/>
+                    </a:gs>
+                    <a:gs pos="100000">
+                      <a:srgbClr val="000000"/>
+                    </a:gs>
+                  </a:gsLst>
+                  <a:lin ang="5400000" scaled="0"/>
+                </a:gradFill>
+                <a:latin typeface="Consolas" panose="020B0609020204030204" pitchFamily="49" charset="0"/>
+                <a:cs typeface="Consolas" panose="020B0609020204030204" pitchFamily="49" charset="0"/>
+              </a:defRPr>
+            </a:lvl3pPr>
+            <a:lvl4pPr marL="598869" indent="0">
+              <a:buNone/>
+              <a:defRPr sz="1471">
+                <a:gradFill>
+                  <a:gsLst>
+                    <a:gs pos="1250">
+                      <a:srgbClr val="000000"/>
+                    </a:gs>
+                    <a:gs pos="100000">
+                      <a:srgbClr val="000000"/>
+                    </a:gs>
+                  </a:gsLst>
+                  <a:lin ang="5400000" scaled="0"/>
+                </a:gradFill>
+                <a:latin typeface="Consolas" panose="020B0609020204030204" pitchFamily="49" charset="0"/>
+                <a:cs typeface="Consolas" panose="020B0609020204030204" pitchFamily="49" charset="0"/>
+              </a:defRPr>
+            </a:lvl4pPr>
+            <a:lvl5pPr marL="772695" indent="0">
+              <a:buNone/>
+              <a:defRPr sz="1471">
+                <a:gradFill>
+                  <a:gsLst>
+                    <a:gs pos="1250">
+                      <a:srgbClr val="000000"/>
+                    </a:gs>
+                    <a:gs pos="100000">
+                      <a:srgbClr val="000000"/>
+                    </a:gs>
+                  </a:gsLst>
+                  <a:lin ang="5400000" scaled="0"/>
+                </a:gradFill>
+                <a:latin typeface="Consolas" panose="020B0609020204030204" pitchFamily="49" charset="0"/>
+                <a:cs typeface="Consolas" panose="020B0609020204030204" pitchFamily="49" charset="0"/>
+              </a:defRPr>
+            </a:lvl5pPr>
+          </a:lstStyle>
+          <a:p>
+            <a:pPr lvl="0"/>
+            <a:r>
+              <a:rPr lang="en-US" smtClean="0"/>
+              <a:t>Edit Master text styles</a:t>
+            </a:r>
+          </a:p>
+          <a:p>
+            <a:pPr lvl="1"/>
+            <a:r>
+              <a:rPr lang="en-US" smtClean="0"/>
+              <a:t>Second level</a:t>
+            </a:r>
+          </a:p>
+          <a:p>
+            <a:pPr lvl="2"/>
+            <a:r>
+              <a:rPr lang="en-US" smtClean="0"/>
+              <a:t>Third level</a:t>
+            </a:r>
+          </a:p>
+          <a:p>
+            <a:pPr lvl="3"/>
+            <a:r>
+              <a:rPr lang="en-US" smtClean="0"/>
+              <a:t>Fourth level</a:t>
+            </a:r>
+          </a:p>
+          <a:p>
+            <a:pPr lvl="4"/>
+            <a:r>
+              <a:rPr lang="en-US" smtClean="0"/>
+              <a:t>Fifth level</a:t>
+            </a:r>
+            <a:endParaRPr lang="en-US" dirty="0"/>
+          </a:p>
+        </p:txBody>
+      </p:sp>
+    </p:spTree>
+    <p:extLst>
+      <p:ext uri="{BB962C8B-B14F-4D97-AF65-F5344CB8AC3E}">
+        <p14:creationId xmlns:p14="http://schemas.microsoft.com/office/powerpoint/2010/main" val="894106657"/>
+      </p:ext>
+    </p:extLst>
+  </p:cSld>
+  <p:clrMapOvr>
+    <a:masterClrMapping/>
+  </p:clrMapOvr>
+  <p:transition>
+    <p:fade/>
+  </p:transition>
+  <p:timing>
+    <p:tnLst>
+      <p:par>
+        <p:cTn id="1" dur="indefinite" restart="never" nodeType="tmRoot"/>
+      </p:par>
+    </p:tnLst>
+  </p:timing>
+</p:sldLayout>
+</file>
+
+<file path=ppt/slideLayouts/slideLayout25.xml><?xml version="1.0" encoding="utf-8"?>
+<p:sldLayout xmlns:a="http://schemas.openxmlformats.org/drawingml/2006/main" xmlns:r="http://schemas.openxmlformats.org/officeDocument/2006/relationships" xmlns:p="http://schemas.openxmlformats.org/presentationml/2006/main" preserve="1" userDrawn="1">
+  <p:cSld name="Realign Guides">
+    <p:spTree>
+      <p:nvGrpSpPr>
+        <p:cNvPr id="1" name=""/>
+        <p:cNvGrpSpPr/>
+        <p:nvPr/>
+      </p:nvGrpSpPr>
+      <p:grpSpPr>
+        <a:xfrm>
+          <a:off x="0" y="0"/>
+          <a:ext cx="0" cy="0"/>
+          <a:chOff x="0" y="0"/>
+          <a:chExt cx="0" cy="0"/>
+        </a:xfrm>
+      </p:grpSpPr>
+      <p:pic>
+        <p:nvPicPr>
+          <p:cNvPr id="2" name="13 column x 9 row grid with .3&quot; border for 16:9 _FINAL"/>
+          <p:cNvPicPr>
+            <a:picLocks noChangeAspect="1"/>
+          </p:cNvPicPr>
+          <p:nvPr userDrawn="1"/>
+        </p:nvPicPr>
+        <p:blipFill>
+          <a:blip r:embed="rId2">
+            <a:extLst>
+              <a:ext uri="{28A0092B-C50C-407E-A947-70E740481C1C}">
+                <a14:useLocalDpi xmlns:a14="http://schemas.microsoft.com/office/drawing/2010/main" val="0"/>
+              </a:ext>
+            </a:extLst>
+          </a:blip>
+          <a:stretch>
+            <a:fillRect/>
+          </a:stretch>
+        </p:blipFill>
+        <p:spPr>
+          <a:xfrm>
+            <a:off x="0" y="-1"/>
+            <a:ext cx="9143533" cy="6858623"/>
+          </a:xfrm>
+          <a:prstGeom prst="rect">
+            <a:avLst/>
+          </a:prstGeom>
+        </p:spPr>
+      </p:pic>
+    </p:spTree>
+    <p:extLst>
+      <p:ext uri="{BB962C8B-B14F-4D97-AF65-F5344CB8AC3E}">
+        <p14:creationId xmlns:p14="http://schemas.microsoft.com/office/powerpoint/2010/main" val="3644578442"/>
+      </p:ext>
+    </p:extLst>
+  </p:cSld>
+  <p:clrMapOvr>
+    <a:masterClrMapping/>
+  </p:clrMapOvr>
+  <p:transition>
+    <p:fade/>
+  </p:transition>
+  <p:timing>
+    <p:tnLst>
+      <p:par>
+        <p:cTn id="1" dur="indefinite" restart="never" nodeType="tmRoot"/>
+      </p:par>
+    </p:tnLst>
+  </p:timing>
+</p:sldLayout>
+</file>
+
+<file path=ppt/slideLayouts/slideLayout26.xml><?xml version="1.0" encoding="utf-8"?>
+<p:sldLayout xmlns:a="http://schemas.openxmlformats.org/drawingml/2006/main" xmlns:r="http://schemas.openxmlformats.org/officeDocument/2006/relationships" xmlns:p="http://schemas.openxmlformats.org/presentationml/2006/main" showMasterSp="0" preserve="1" userDrawn="1">
+  <p:cSld name="Section Title Accent Color 1">
+    <p:bg>
+      <p:bgPr>
+        <a:solidFill>
+          <a:schemeClr val="accent1"/>
+        </a:solidFill>
+        <a:effectLst/>
+      </p:bgPr>
+    </p:bg>
+    <p:spTree>
+      <p:nvGrpSpPr>
+        <p:cNvPr id="1" name=""/>
+        <p:cNvGrpSpPr/>
+        <p:nvPr/>
+      </p:nvGrpSpPr>
+      <p:grpSpPr>
+        <a:xfrm>
+          <a:off x="0" y="0"/>
+          <a:ext cx="0" cy="0"/>
+          <a:chOff x="0" y="0"/>
+          <a:chExt cx="0" cy="0"/>
+        </a:xfrm>
+      </p:grpSpPr>
+      <p:sp>
+        <p:nvSpPr>
+          <p:cNvPr id="2" name="Title 1"/>
+          <p:cNvSpPr>
+            <a:spLocks noGrp="1"/>
+          </p:cNvSpPr>
+          <p:nvPr>
+            <p:ph type="title" hasCustomPrompt="1"/>
+          </p:nvPr>
+        </p:nvSpPr>
+        <p:spPr>
+          <a:xfrm>
+            <a:off x="201929" y="2084175"/>
+            <a:ext cx="8740142" cy="1796217"/>
+          </a:xfrm>
+          <a:noFill/>
+        </p:spPr>
+        <p:txBody>
+          <a:bodyPr tIns="91440" bIns="91440" anchor="t" anchorCtr="0"/>
+          <a:lstStyle>
+            <a:lvl1pPr>
+              <a:defRPr sz="6470" spc="-74" baseline="0">
+                <a:solidFill>
+                  <a:srgbClr val="FFFFFF"/>
+                </a:solidFill>
+              </a:defRPr>
+            </a:lvl1pPr>
+          </a:lstStyle>
+          <a:p>
+            <a:r>
+              <a:rPr lang="en-US" dirty="0" smtClean="0"/>
+              <a:t>Section title</a:t>
+            </a:r>
+            <a:endParaRPr lang="en-US" dirty="0"/>
+          </a:p>
+        </p:txBody>
+      </p:sp>
+    </p:spTree>
+    <p:extLst>
+      <p:ext uri="{BB962C8B-B14F-4D97-AF65-F5344CB8AC3E}">
+        <p14:creationId xmlns:p14="http://schemas.microsoft.com/office/powerpoint/2010/main" val="3406325371"/>
+      </p:ext>
+    </p:extLst>
+  </p:cSld>
+  <p:clrMapOvr>
+    <a:masterClrMapping/>
+  </p:clrMapOvr>
+  <p:transition>
+    <p:fade/>
+  </p:transition>
+  <p:timing>
+    <p:tnLst>
+      <p:par>
+        <p:cTn id="1" dur="indefinite" restart="never" nodeType="tmRoot"/>
+      </p:par>
+    </p:tnLst>
+  </p:timing>
+</p:sldLayout>
+</file>
+
+<file path=ppt/slideLayouts/slideLayout27.xml><?xml version="1.0" encoding="utf-8"?>
+<p:sldLayout xmlns:a="http://schemas.openxmlformats.org/drawingml/2006/main" xmlns:r="http://schemas.openxmlformats.org/officeDocument/2006/relationships" xmlns:p="http://schemas.openxmlformats.org/presentationml/2006/main" showMasterSp="0" preserve="1" userDrawn="1">
+  <p:cSld name="Section Title Dark Text">
+    <p:bg>
+      <p:bgPr>
+        <a:solidFill>
+          <a:schemeClr val="tx1"/>
+        </a:solidFill>
+        <a:effectLst/>
+      </p:bgPr>
+    </p:bg>
+    <p:spTree>
+      <p:nvGrpSpPr>
+        <p:cNvPr id="1" name=""/>
+        <p:cNvGrpSpPr/>
+        <p:nvPr/>
+      </p:nvGrpSpPr>
+      <p:grpSpPr>
+        <a:xfrm>
+          <a:off x="0" y="0"/>
+          <a:ext cx="0" cy="0"/>
+          <a:chOff x="0" y="0"/>
+          <a:chExt cx="0" cy="0"/>
+        </a:xfrm>
+      </p:grpSpPr>
+      <p:sp>
+        <p:nvSpPr>
+          <p:cNvPr id="2" name="Title 1"/>
+          <p:cNvSpPr>
+            <a:spLocks noGrp="1"/>
+          </p:cNvSpPr>
+          <p:nvPr>
+            <p:ph type="title" hasCustomPrompt="1"/>
+          </p:nvPr>
+        </p:nvSpPr>
+        <p:spPr>
+          <a:xfrm>
+            <a:off x="201929" y="2084175"/>
+            <a:ext cx="8740142" cy="1796217"/>
+          </a:xfrm>
+          <a:noFill/>
+        </p:spPr>
+        <p:txBody>
+          <a:bodyPr tIns="91440" bIns="91440" anchor="t" anchorCtr="0"/>
+          <a:lstStyle>
+            <a:lvl1pPr>
+              <a:defRPr sz="6470" spc="-74" baseline="0">
+                <a:solidFill>
+                  <a:srgbClr val="FFFFFF"/>
+                </a:solidFill>
+              </a:defRPr>
+            </a:lvl1pPr>
+          </a:lstStyle>
+          <a:p>
+            <a:r>
+              <a:rPr lang="en-US" dirty="0" smtClean="0"/>
+              <a:t>Section title</a:t>
+            </a:r>
+            <a:endParaRPr lang="en-US" dirty="0"/>
+          </a:p>
+        </p:txBody>
+      </p:sp>
+    </p:spTree>
+    <p:extLst>
+      <p:ext uri="{BB962C8B-B14F-4D97-AF65-F5344CB8AC3E}">
+        <p14:creationId xmlns:p14="http://schemas.microsoft.com/office/powerpoint/2010/main" val="714652039"/>
+      </p:ext>
+    </p:extLst>
+  </p:cSld>
+  <p:clrMapOvr>
+    <a:masterClrMapping/>
+  </p:clrMapOvr>
+  <p:transition>
+    <p:fade/>
+  </p:transition>
+  <p:timing>
+    <p:tnLst>
+      <p:par>
+        <p:cTn id="1" dur="indefinite" restart="never" nodeType="tmRoot"/>
+      </p:par>
+    </p:tnLst>
+  </p:timing>
+</p:sldLayout>
+</file>
+
+<file path=ppt/slideLayouts/slideLayout28.xml><?xml version="1.0" encoding="utf-8"?>
+<p:sldLayout xmlns:a="http://schemas.openxmlformats.org/drawingml/2006/main" xmlns:r="http://schemas.openxmlformats.org/officeDocument/2006/relationships" xmlns:p="http://schemas.openxmlformats.org/presentationml/2006/main" showMasterSp="0" preserve="1" userDrawn="1">
+  <p:cSld name="Section Title Dark Background">
+    <p:bg>
+      <p:bgPr>
+        <a:solidFill>
+          <a:schemeClr val="tx2"/>
+        </a:solidFill>
+        <a:effectLst/>
+      </p:bgPr>
+    </p:bg>
+    <p:spTree>
+      <p:nvGrpSpPr>
+        <p:cNvPr id="1" name=""/>
+        <p:cNvGrpSpPr/>
+        <p:nvPr/>
+      </p:nvGrpSpPr>
+      <p:grpSpPr>
+        <a:xfrm>
+          <a:off x="0" y="0"/>
+          <a:ext cx="0" cy="0"/>
+          <a:chOff x="0" y="0"/>
+          <a:chExt cx="0" cy="0"/>
+        </a:xfrm>
+      </p:grpSpPr>
+      <p:sp>
+        <p:nvSpPr>
+          <p:cNvPr id="2" name="Title 1"/>
+          <p:cNvSpPr>
+            <a:spLocks noGrp="1"/>
+          </p:cNvSpPr>
+          <p:nvPr>
+            <p:ph type="title" hasCustomPrompt="1"/>
+          </p:nvPr>
+        </p:nvSpPr>
+        <p:spPr>
+          <a:xfrm>
+            <a:off x="201929" y="2084175"/>
+            <a:ext cx="8740142" cy="1796217"/>
+          </a:xfrm>
+          <a:noFill/>
+        </p:spPr>
+        <p:txBody>
+          <a:bodyPr tIns="91440" bIns="91440" anchor="t" anchorCtr="0"/>
+          <a:lstStyle>
+            <a:lvl1pPr>
+              <a:defRPr sz="6470" spc="-74" baseline="0">
+                <a:solidFill>
+                  <a:srgbClr val="FFFFFF"/>
+                </a:solidFill>
+              </a:defRPr>
+            </a:lvl1pPr>
+          </a:lstStyle>
+          <a:p>
+            <a:r>
+              <a:rPr lang="en-US" dirty="0" smtClean="0"/>
+              <a:t>Section title</a:t>
+            </a:r>
+            <a:endParaRPr lang="en-US" dirty="0"/>
+          </a:p>
+        </p:txBody>
+      </p:sp>
+    </p:spTree>
+    <p:extLst>
+      <p:ext uri="{BB962C8B-B14F-4D97-AF65-F5344CB8AC3E}">
+        <p14:creationId xmlns:p14="http://schemas.microsoft.com/office/powerpoint/2010/main" val="2339799167"/>
+      </p:ext>
+    </p:extLst>
+  </p:cSld>
+  <p:clrMapOvr>
+    <a:masterClrMapping/>
+  </p:clrMapOvr>
+  <p:transition>
+    <p:fade/>
+  </p:transition>
+  <p:timing>
+    <p:tnLst>
+      <p:par>
+        <p:cTn id="1" dur="indefinite" restart="never" nodeType="tmRoot"/>
+      </p:par>
+    </p:tnLst>
+  </p:timing>
+</p:sldLayout>
+</file>
+
 <file path=ppt/slideLayouts/slideLayout3.xml><?xml version="1.0" encoding="utf-8"?>
 <p:sldLayout xmlns:a="http://schemas.openxmlformats.org/drawingml/2006/main" xmlns:r="http://schemas.openxmlformats.org/officeDocument/2006/relationships" xmlns:p="http://schemas.openxmlformats.org/presentationml/2006/main" type="tx" preserve="1">
   <p:cSld name="References">
@@ -1733,6 +4801,310 @@
   <p:transition>
     <p:fade/>
   </p:transition>
+</p:sldLayout>
+</file>
+
+<file path=ppt/slideLayouts/slideLayout8.xml><?xml version="1.0" encoding="utf-8"?>
+<p:sldLayout xmlns:a="http://schemas.openxmlformats.org/drawingml/2006/main" xmlns:r="http://schemas.openxmlformats.org/officeDocument/2006/relationships" xmlns:p="http://schemas.openxmlformats.org/presentationml/2006/main" preserve="1" userDrawn="1">
+  <p:cSld name="Title Slide">
+    <p:spTree>
+      <p:nvGrpSpPr>
+        <p:cNvPr id="1" name=""/>
+        <p:cNvGrpSpPr/>
+        <p:nvPr/>
+      </p:nvGrpSpPr>
+      <p:grpSpPr>
+        <a:xfrm>
+          <a:off x="0" y="0"/>
+          <a:ext cx="0" cy="0"/>
+          <a:chOff x="0" y="0"/>
+          <a:chExt cx="0" cy="0"/>
+        </a:xfrm>
+      </p:grpSpPr>
+      <p:sp>
+        <p:nvSpPr>
+          <p:cNvPr id="2" name="Title 1"/>
+          <p:cNvSpPr>
+            <a:spLocks noGrp="1"/>
+          </p:cNvSpPr>
+          <p:nvPr userDrawn="1">
+            <p:ph type="ctrTitle" hasCustomPrompt="1"/>
+          </p:nvPr>
+        </p:nvSpPr>
+        <p:spPr>
+          <a:xfrm>
+            <a:off x="201698" y="317741"/>
+            <a:ext cx="5822946" cy="1737516"/>
+          </a:xfrm>
+        </p:spPr>
+        <p:txBody>
+          <a:bodyPr lIns="146304" tIns="91440" rIns="146304" bIns="91440" anchor="b" anchorCtr="0">
+            <a:noAutofit/>
+          </a:bodyPr>
+          <a:lstStyle>
+            <a:lvl1pPr>
+              <a:defRPr lang="en-US" sz="3970" b="0" baseline="0">
+                <a:solidFill>
+                  <a:schemeClr val="tx1"/>
+                </a:solidFill>
+                <a:latin typeface="Segoe UI" pitchFamily="34" charset="0"/>
+                <a:ea typeface="Segoe UI" pitchFamily="34" charset="0"/>
+              </a:defRPr>
+            </a:lvl1pPr>
+          </a:lstStyle>
+          <a:p>
+            <a:pPr marL="0" lvl="0" defTabSz="685619"/>
+            <a:r>
+              <a:rPr lang="en-US" dirty="0" smtClean="0"/>
+              <a:t>Presentation Title</a:t>
+            </a:r>
+            <a:br>
+              <a:rPr lang="en-US" dirty="0" smtClean="0"/>
+            </a:br>
+            <a:r>
+              <a:rPr lang="en-US" dirty="0" smtClean="0"/>
+              <a:t>Subtitle (Set to 40 </a:t>
+            </a:r>
+            <a:r>
+              <a:rPr lang="en-US" dirty="0" err="1" smtClean="0"/>
+              <a:t>pt</a:t>
+            </a:r>
+            <a:r>
+              <a:rPr lang="en-US" dirty="0" smtClean="0"/>
+              <a:t>)</a:t>
+            </a:r>
+            <a:endParaRPr lang="en-US" dirty="0"/>
+          </a:p>
+        </p:txBody>
+      </p:sp>
+      <p:sp>
+        <p:nvSpPr>
+          <p:cNvPr id="58" name="Text Placeholder 57"/>
+          <p:cNvSpPr>
+            <a:spLocks noGrp="1"/>
+          </p:cNvSpPr>
+          <p:nvPr>
+            <p:ph type="body" sz="quarter" idx="11" hasCustomPrompt="1"/>
+          </p:nvPr>
+        </p:nvSpPr>
+        <p:spPr>
+          <a:xfrm>
+            <a:off x="201929" y="2106056"/>
+            <a:ext cx="5826761" cy="1781211"/>
+          </a:xfrm>
+        </p:spPr>
+        <p:txBody>
+          <a:bodyPr>
+            <a:noAutofit/>
+          </a:bodyPr>
+          <a:lstStyle>
+            <a:lvl1pPr>
+              <a:defRPr>
+                <a:latin typeface="+mn-lt"/>
+              </a:defRPr>
+            </a:lvl1pPr>
+            <a:lvl2pPr>
+              <a:defRPr sz="1471"/>
+            </a:lvl2pPr>
+            <a:lvl3pPr marL="0" indent="0">
+              <a:defRPr sz="1471"/>
+            </a:lvl3pPr>
+            <a:lvl4pPr marL="0" indent="0">
+              <a:defRPr sz="1471"/>
+            </a:lvl4pPr>
+            <a:lvl5pPr marL="0" indent="0">
+              <a:defRPr sz="1471"/>
+            </a:lvl5pPr>
+          </a:lstStyle>
+          <a:p>
+            <a:pPr lvl="0"/>
+            <a:r>
+              <a:rPr lang="en-US" dirty="0" smtClean="0"/>
+              <a:t>Author</a:t>
+            </a:r>
+          </a:p>
+          <a:p>
+            <a:pPr lvl="1"/>
+            <a:r>
+              <a:rPr lang="en-US" dirty="0" smtClean="0"/>
+              <a:t>Job Title</a:t>
+            </a:r>
+          </a:p>
+          <a:p>
+            <a:pPr lvl="1"/>
+            <a:r>
+              <a:rPr lang="en-US" dirty="0" smtClean="0"/>
+              <a:t>Company</a:t>
+            </a:r>
+          </a:p>
+        </p:txBody>
+      </p:sp>
+    </p:spTree>
+    <p:extLst>
+      <p:ext uri="{BB962C8B-B14F-4D97-AF65-F5344CB8AC3E}">
+        <p14:creationId xmlns:p14="http://schemas.microsoft.com/office/powerpoint/2010/main" val="95517644"/>
+      </p:ext>
+    </p:extLst>
+  </p:cSld>
+  <p:clrMapOvr>
+    <a:masterClrMapping/>
+  </p:clrMapOvr>
+  <p:transition>
+    <p:fade/>
+  </p:transition>
+  <p:timing>
+    <p:tnLst>
+      <p:par>
+        <p:cTn id="1" dur="indefinite" restart="never" nodeType="tmRoot"/>
+      </p:par>
+    </p:tnLst>
+  </p:timing>
+</p:sldLayout>
+</file>
+
+<file path=ppt/slideLayouts/slideLayout9.xml><?xml version="1.0" encoding="utf-8"?>
+<p:sldLayout xmlns:a="http://schemas.openxmlformats.org/drawingml/2006/main" xmlns:r="http://schemas.openxmlformats.org/officeDocument/2006/relationships" xmlns:p="http://schemas.openxmlformats.org/presentationml/2006/main" preserve="1" userDrawn="1">
+  <p:cSld name="Title and Content">
+    <p:spTree>
+      <p:nvGrpSpPr>
+        <p:cNvPr id="1" name=""/>
+        <p:cNvGrpSpPr/>
+        <p:nvPr/>
+      </p:nvGrpSpPr>
+      <p:grpSpPr>
+        <a:xfrm>
+          <a:off x="0" y="0"/>
+          <a:ext cx="0" cy="0"/>
+          <a:chOff x="0" y="0"/>
+          <a:chExt cx="0" cy="0"/>
+        </a:xfrm>
+      </p:grpSpPr>
+      <p:sp>
+        <p:nvSpPr>
+          <p:cNvPr id="2" name="Title 1"/>
+          <p:cNvSpPr>
+            <a:spLocks noGrp="1"/>
+          </p:cNvSpPr>
+          <p:nvPr>
+            <p:ph type="title"/>
+          </p:nvPr>
+        </p:nvSpPr>
+        <p:spPr/>
+        <p:txBody>
+          <a:bodyPr/>
+          <a:lstStyle/>
+          <a:p>
+            <a:r>
+              <a:rPr lang="en-US" dirty="0" smtClean="0"/>
+              <a:t>Click to edit Master title style</a:t>
+            </a:r>
+            <a:endParaRPr lang="en-US" dirty="0"/>
+          </a:p>
+        </p:txBody>
+      </p:sp>
+      <p:sp>
+        <p:nvSpPr>
+          <p:cNvPr id="6" name="Text Placeholder 5"/>
+          <p:cNvSpPr>
+            <a:spLocks noGrp="1"/>
+          </p:cNvSpPr>
+          <p:nvPr>
+            <p:ph type="body" sz="quarter" idx="10"/>
+          </p:nvPr>
+        </p:nvSpPr>
+        <p:spPr>
+          <a:xfrm>
+            <a:off x="201929" y="1189177"/>
+            <a:ext cx="8740142" cy="1643132"/>
+          </a:xfrm>
+        </p:spPr>
+        <p:txBody>
+          <a:bodyPr/>
+          <a:lstStyle>
+            <a:lvl1pPr marL="0" indent="0">
+              <a:buNone/>
+              <a:defRPr>
+                <a:solidFill>
+                  <a:schemeClr val="tx2"/>
+                </a:solidFill>
+              </a:defRPr>
+            </a:lvl1pPr>
+            <a:lvl2pPr marL="0" indent="0">
+              <a:buFontTx/>
+              <a:buNone/>
+              <a:defRPr lang="en-US" dirty="0" smtClean="0"/>
+            </a:lvl2pPr>
+            <a:lvl3pPr marL="168067" indent="0">
+              <a:buNone/>
+              <a:defRPr lang="en-US" dirty="0" smtClean="0"/>
+            </a:lvl3pPr>
+            <a:lvl4pPr marL="336134" indent="0">
+              <a:buNone/>
+              <a:defRPr lang="en-US" dirty="0" smtClean="0"/>
+            </a:lvl4pPr>
+            <a:lvl5pPr marL="504201" indent="0">
+              <a:buNone/>
+              <a:defRPr lang="en-US" dirty="0"/>
+            </a:lvl5pPr>
+          </a:lstStyle>
+          <a:p>
+            <a:pPr lvl="0"/>
+            <a:r>
+              <a:rPr lang="en-US" smtClean="0"/>
+              <a:t>Edit Master text styles</a:t>
+            </a:r>
+          </a:p>
+          <a:p>
+            <a:pPr lvl="1"/>
+            <a:r>
+              <a:rPr lang="en-US" smtClean="0"/>
+              <a:t>Second level</a:t>
+            </a:r>
+          </a:p>
+          <a:p>
+            <a:pPr lvl="2"/>
+            <a:r>
+              <a:rPr lang="en-US" smtClean="0"/>
+              <a:t>Third level</a:t>
+            </a:r>
+          </a:p>
+          <a:p>
+            <a:pPr lvl="3"/>
+            <a:r>
+              <a:rPr lang="en-US" smtClean="0"/>
+              <a:t>Fourth level</a:t>
+            </a:r>
+          </a:p>
+          <a:p>
+            <a:pPr lvl="4"/>
+            <a:r>
+              <a:rPr lang="en-US" smtClean="0"/>
+              <a:t>Fifth level</a:t>
+            </a:r>
+            <a:endParaRPr lang="en-US" dirty="0"/>
+          </a:p>
+        </p:txBody>
+      </p:sp>
+    </p:spTree>
+    <p:extLst>
+      <p:ext uri="{BB962C8B-B14F-4D97-AF65-F5344CB8AC3E}">
+        <p14:creationId xmlns:p14="http://schemas.microsoft.com/office/powerpoint/2010/main" val="4175295246"/>
+      </p:ext>
+    </p:extLst>
+  </p:cSld>
+  <p:clrMapOvr>
+    <a:masterClrMapping/>
+  </p:clrMapOvr>
+  <p:transition>
+    <p:fade/>
+  </p:transition>
+  <p:timing>
+    <p:tnLst>
+      <p:par>
+        <p:cTn id="1" dur="indefinite" restart="never" nodeType="tmRoot"/>
+      </p:par>
+    </p:tnLst>
+  </p:timing>
 </p:sldLayout>
 </file>
 
@@ -2463,6 +5835,635 @@
 </p:sldMaster>
 </file>
 
+<file path=ppt/slideMasters/slideMaster2.xml><?xml version="1.0" encoding="utf-8"?>
+<p:sldMaster xmlns:a="http://schemas.openxmlformats.org/drawingml/2006/main" xmlns:r="http://schemas.openxmlformats.org/officeDocument/2006/relationships" xmlns:p="http://schemas.openxmlformats.org/presentationml/2006/main" preserve="1">
+  <p:cSld>
+    <p:bg>
+      <p:bgRef idx="1001">
+        <a:schemeClr val="bg1"/>
+      </p:bgRef>
+    </p:bg>
+    <p:spTree>
+      <p:nvGrpSpPr>
+        <p:cNvPr id="1" name=""/>
+        <p:cNvGrpSpPr/>
+        <p:nvPr/>
+      </p:nvGrpSpPr>
+      <p:grpSpPr>
+        <a:xfrm>
+          <a:off x="0" y="0"/>
+          <a:ext cx="0" cy="0"/>
+          <a:chOff x="0" y="0"/>
+          <a:chExt cx="0" cy="0"/>
+        </a:xfrm>
+      </p:grpSpPr>
+      <p:sp>
+        <p:nvSpPr>
+          <p:cNvPr id="2" name="Title Placeholder 1"/>
+          <p:cNvSpPr>
+            <a:spLocks noGrp="1"/>
+          </p:cNvSpPr>
+          <p:nvPr>
+            <p:ph type="title"/>
+          </p:nvPr>
+        </p:nvSpPr>
+        <p:spPr>
+          <a:xfrm>
+            <a:off x="201929" y="309528"/>
+            <a:ext cx="8740143" cy="860042"/>
+          </a:xfrm>
+          <a:prstGeom prst="rect">
+            <a:avLst/>
+          </a:prstGeom>
+        </p:spPr>
+        <p:txBody>
+          <a:bodyPr vert="horz" wrap="square" lIns="146304" tIns="91440" rIns="146304" bIns="91440" rtlCol="0" anchor="t">
+            <a:noAutofit/>
+          </a:bodyPr>
+          <a:lstStyle/>
+          <a:p>
+            <a:r>
+              <a:rPr lang="en-US" dirty="0" smtClean="0"/>
+              <a:t>Click to edit Master title style</a:t>
+            </a:r>
+            <a:endParaRPr lang="en-US" dirty="0"/>
+          </a:p>
+        </p:txBody>
+      </p:sp>
+      <p:sp>
+        <p:nvSpPr>
+          <p:cNvPr id="4" name="Text Placeholder 3"/>
+          <p:cNvSpPr>
+            <a:spLocks noGrp="1"/>
+          </p:cNvSpPr>
+          <p:nvPr>
+            <p:ph type="body" idx="1"/>
+          </p:nvPr>
+        </p:nvSpPr>
+        <p:spPr>
+          <a:xfrm>
+            <a:off x="201931" y="1189178"/>
+            <a:ext cx="8740140" cy="1643132"/>
+          </a:xfrm>
+          <a:prstGeom prst="rect">
+            <a:avLst/>
+          </a:prstGeom>
+        </p:spPr>
+        <p:txBody>
+          <a:bodyPr vert="horz" wrap="square" lIns="146304" tIns="91440" rIns="146304" bIns="91440" rtlCol="0">
+            <a:spAutoFit/>
+          </a:bodyPr>
+          <a:lstStyle/>
+          <a:p>
+            <a:pPr lvl="0"/>
+            <a:r>
+              <a:rPr lang="en-US" dirty="0" smtClean="0"/>
+              <a:t>Edit Master text styles</a:t>
+            </a:r>
+          </a:p>
+          <a:p>
+            <a:pPr lvl="1"/>
+            <a:r>
+              <a:rPr lang="en-US" dirty="0" smtClean="0"/>
+              <a:t>Second level</a:t>
+            </a:r>
+          </a:p>
+          <a:p>
+            <a:pPr lvl="2"/>
+            <a:r>
+              <a:rPr lang="en-US" dirty="0" smtClean="0"/>
+              <a:t>Third level</a:t>
+            </a:r>
+          </a:p>
+          <a:p>
+            <a:pPr lvl="3"/>
+            <a:r>
+              <a:rPr lang="en-US" dirty="0" smtClean="0"/>
+              <a:t>Fourth level</a:t>
+            </a:r>
+          </a:p>
+          <a:p>
+            <a:pPr lvl="4"/>
+            <a:r>
+              <a:rPr lang="en-US" dirty="0" smtClean="0"/>
+              <a:t>Fifth level</a:t>
+            </a:r>
+            <a:endParaRPr lang="en-US" dirty="0"/>
+          </a:p>
+        </p:txBody>
+      </p:sp>
+    </p:spTree>
+    <p:extLst>
+      <p:ext uri="{BB962C8B-B14F-4D97-AF65-F5344CB8AC3E}">
+        <p14:creationId xmlns:p14="http://schemas.microsoft.com/office/powerpoint/2010/main" val="2732699679"/>
+      </p:ext>
+    </p:extLst>
+  </p:cSld>
+  <p:clrMap bg1="lt1" tx1="dk1" bg2="lt2" tx2="dk2" accent1="accent1" accent2="accent2" accent3="accent3" accent4="accent4" accent5="accent5" accent6="accent6" hlink="hlink" folHlink="folHlink"/>
+  <p:sldLayoutIdLst>
+    <p:sldLayoutId id="2147483779" r:id="rId1"/>
+    <p:sldLayoutId id="2147483780" r:id="rId2"/>
+    <p:sldLayoutId id="2147483781" r:id="rId3"/>
+    <p:sldLayoutId id="2147483782" r:id="rId4"/>
+    <p:sldLayoutId id="2147483783" r:id="rId5"/>
+    <p:sldLayoutId id="2147483784" r:id="rId6"/>
+    <p:sldLayoutId id="2147483785" r:id="rId7"/>
+    <p:sldLayoutId id="2147483786" r:id="rId8"/>
+    <p:sldLayoutId id="2147483787" r:id="rId9"/>
+    <p:sldLayoutId id="2147483788" r:id="rId10"/>
+    <p:sldLayoutId id="2147483789" r:id="rId11"/>
+    <p:sldLayoutId id="2147483790" r:id="rId12"/>
+    <p:sldLayoutId id="2147483791" r:id="rId13"/>
+    <p:sldLayoutId id="2147483792" r:id="rId14"/>
+    <p:sldLayoutId id="2147483793" r:id="rId15"/>
+    <p:sldLayoutId id="2147483794" r:id="rId16"/>
+    <p:sldLayoutId id="2147483795" r:id="rId17"/>
+    <p:sldLayoutId id="2147483796" r:id="rId18"/>
+    <p:sldLayoutId id="2147483797" r:id="rId19"/>
+    <p:sldLayoutId id="2147483798" r:id="rId20"/>
+    <p:sldLayoutId id="2147483799" r:id="rId21"/>
+  </p:sldLayoutIdLst>
+  <p:transition>
+    <p:fade/>
+  </p:transition>
+  <p:timing>
+    <p:tnLst>
+      <p:par>
+        <p:cTn id="1" dur="indefinite" restart="never" nodeType="tmRoot"/>
+      </p:par>
+    </p:tnLst>
+  </p:timing>
+  <p:txStyles>
+    <p:titleStyle>
+      <a:lvl1pPr algn="l" defTabSz="685754" rtl="0" eaLnBrk="1" latinLnBrk="0" hangingPunct="1">
+        <a:lnSpc>
+          <a:spcPct val="90000"/>
+        </a:lnSpc>
+        <a:spcBef>
+          <a:spcPct val="0"/>
+        </a:spcBef>
+        <a:buNone/>
+        <a:defRPr lang="en-US" sz="3676" b="0" kern="1200" cap="none" spc="-75" baseline="0" dirty="0" smtClean="0">
+          <a:ln w="3175">
+            <a:noFill/>
+          </a:ln>
+          <a:solidFill>
+            <a:schemeClr val="tx1"/>
+          </a:solidFill>
+          <a:effectLst/>
+          <a:latin typeface="+mj-lt"/>
+          <a:ea typeface="+mn-ea"/>
+          <a:cs typeface="Segoe UI" pitchFamily="34" charset="0"/>
+        </a:defRPr>
+      </a:lvl1pPr>
+    </p:titleStyle>
+    <p:bodyStyle>
+      <a:lvl1pPr marL="0" marR="0" indent="0" algn="l" defTabSz="685754" rtl="0" eaLnBrk="1" fontAlgn="auto" latinLnBrk="0" hangingPunct="1">
+        <a:lnSpc>
+          <a:spcPct val="90000"/>
+        </a:lnSpc>
+        <a:spcBef>
+          <a:spcPct val="20000"/>
+        </a:spcBef>
+        <a:spcAft>
+          <a:spcPts val="0"/>
+        </a:spcAft>
+        <a:buClrTx/>
+        <a:buSzPct val="90000"/>
+        <a:buFont typeface="Arial" pitchFamily="34" charset="0"/>
+        <a:buNone/>
+        <a:tabLst/>
+        <a:defRPr sz="2647" kern="1200" spc="0" baseline="0">
+          <a:gradFill>
+            <a:gsLst>
+              <a:gs pos="1250">
+                <a:schemeClr val="tx1"/>
+              </a:gs>
+              <a:gs pos="100000">
+                <a:schemeClr val="tx1"/>
+              </a:gs>
+            </a:gsLst>
+            <a:lin ang="5400000" scaled="0"/>
+          </a:gradFill>
+          <a:latin typeface="+mj-lt"/>
+          <a:ea typeface="+mn-ea"/>
+          <a:cs typeface="+mn-cs"/>
+        </a:defRPr>
+      </a:lvl1pPr>
+      <a:lvl2pPr marL="0" marR="0" indent="0" algn="l" defTabSz="685754" rtl="0" eaLnBrk="1" fontAlgn="auto" latinLnBrk="0" hangingPunct="1">
+        <a:lnSpc>
+          <a:spcPct val="90000"/>
+        </a:lnSpc>
+        <a:spcBef>
+          <a:spcPct val="20000"/>
+        </a:spcBef>
+        <a:spcAft>
+          <a:spcPts val="0"/>
+        </a:spcAft>
+        <a:buClrTx/>
+        <a:buSzPct val="90000"/>
+        <a:buFont typeface="Arial" pitchFamily="34" charset="0"/>
+        <a:buNone/>
+        <a:tabLst/>
+        <a:defRPr sz="1765" kern="1200" spc="0" baseline="0">
+          <a:gradFill>
+            <a:gsLst>
+              <a:gs pos="1250">
+                <a:schemeClr val="tx1"/>
+              </a:gs>
+              <a:gs pos="100000">
+                <a:schemeClr val="tx1"/>
+              </a:gs>
+            </a:gsLst>
+            <a:lin ang="5400000" scaled="0"/>
+          </a:gradFill>
+          <a:latin typeface="+mn-lt"/>
+          <a:ea typeface="+mn-ea"/>
+          <a:cs typeface="+mn-cs"/>
+        </a:defRPr>
+      </a:lvl2pPr>
+      <a:lvl3pPr marL="165733" marR="0" indent="0" algn="l" defTabSz="685754" rtl="0" eaLnBrk="1" fontAlgn="auto" latinLnBrk="0" hangingPunct="1">
+        <a:lnSpc>
+          <a:spcPct val="90000"/>
+        </a:lnSpc>
+        <a:spcBef>
+          <a:spcPct val="20000"/>
+        </a:spcBef>
+        <a:spcAft>
+          <a:spcPts val="0"/>
+        </a:spcAft>
+        <a:buClrTx/>
+        <a:buSzPct val="90000"/>
+        <a:buFont typeface="Arial" pitchFamily="34" charset="0"/>
+        <a:buNone/>
+        <a:tabLst/>
+        <a:defRPr sz="1765" kern="1200" spc="0" baseline="0">
+          <a:gradFill>
+            <a:gsLst>
+              <a:gs pos="1250">
+                <a:schemeClr val="tx1"/>
+              </a:gs>
+              <a:gs pos="100000">
+                <a:schemeClr val="tx1"/>
+              </a:gs>
+            </a:gsLst>
+            <a:lin ang="5400000" scaled="0"/>
+          </a:gradFill>
+          <a:latin typeface="+mn-lt"/>
+          <a:ea typeface="+mn-ea"/>
+          <a:cs typeface="+mn-cs"/>
+        </a:defRPr>
+      </a:lvl3pPr>
+      <a:lvl4pPr marL="340803" marR="0" indent="0" algn="l" defTabSz="685754" rtl="0" eaLnBrk="1" fontAlgn="auto" latinLnBrk="0" hangingPunct="1">
+        <a:lnSpc>
+          <a:spcPct val="90000"/>
+        </a:lnSpc>
+        <a:spcBef>
+          <a:spcPct val="20000"/>
+        </a:spcBef>
+        <a:spcAft>
+          <a:spcPts val="0"/>
+        </a:spcAft>
+        <a:buClrTx/>
+        <a:buSzPct val="90000"/>
+        <a:buFont typeface="Arial" pitchFamily="34" charset="0"/>
+        <a:buNone/>
+        <a:tabLst/>
+        <a:defRPr sz="1471" kern="1200" spc="0" baseline="0">
+          <a:gradFill>
+            <a:gsLst>
+              <a:gs pos="1250">
+                <a:schemeClr val="tx1"/>
+              </a:gs>
+              <a:gs pos="100000">
+                <a:schemeClr val="tx1"/>
+              </a:gs>
+            </a:gsLst>
+            <a:lin ang="5400000" scaled="0"/>
+          </a:gradFill>
+          <a:latin typeface="+mn-lt"/>
+          <a:ea typeface="+mn-ea"/>
+          <a:cs typeface="+mn-cs"/>
+        </a:defRPr>
+      </a:lvl4pPr>
+      <a:lvl5pPr marL="506535" marR="0" indent="0" algn="l" defTabSz="685754" rtl="0" eaLnBrk="1" fontAlgn="auto" latinLnBrk="0" hangingPunct="1">
+        <a:lnSpc>
+          <a:spcPct val="90000"/>
+        </a:lnSpc>
+        <a:spcBef>
+          <a:spcPct val="20000"/>
+        </a:spcBef>
+        <a:spcAft>
+          <a:spcPts val="0"/>
+        </a:spcAft>
+        <a:buClrTx/>
+        <a:buSzPct val="90000"/>
+        <a:buFont typeface="Arial" pitchFamily="34" charset="0"/>
+        <a:buNone/>
+        <a:tabLst/>
+        <a:defRPr sz="1471" kern="1200" spc="0" baseline="0">
+          <a:gradFill>
+            <a:gsLst>
+              <a:gs pos="1250">
+                <a:schemeClr val="tx1"/>
+              </a:gs>
+              <a:gs pos="100000">
+                <a:schemeClr val="tx1"/>
+              </a:gs>
+            </a:gsLst>
+            <a:lin ang="5400000" scaled="0"/>
+          </a:gradFill>
+          <a:latin typeface="+mn-lt"/>
+          <a:ea typeface="+mn-ea"/>
+          <a:cs typeface="+mn-cs"/>
+        </a:defRPr>
+      </a:lvl5pPr>
+      <a:lvl6pPr marL="1885822" indent="-171439" algn="l" defTabSz="685754" rtl="0" eaLnBrk="1" latinLnBrk="0" hangingPunct="1">
+        <a:spcBef>
+          <a:spcPct val="20000"/>
+        </a:spcBef>
+        <a:buFont typeface="Arial" pitchFamily="34" charset="0"/>
+        <a:buChar char="•"/>
+        <a:defRPr sz="1471" kern="1200">
+          <a:solidFill>
+            <a:schemeClr val="tx1"/>
+          </a:solidFill>
+          <a:latin typeface="+mn-lt"/>
+          <a:ea typeface="+mn-ea"/>
+          <a:cs typeface="+mn-cs"/>
+        </a:defRPr>
+      </a:lvl6pPr>
+      <a:lvl7pPr marL="2228700" indent="-171439" algn="l" defTabSz="685754" rtl="0" eaLnBrk="1" latinLnBrk="0" hangingPunct="1">
+        <a:spcBef>
+          <a:spcPct val="20000"/>
+        </a:spcBef>
+        <a:buFont typeface="Arial" pitchFamily="34" charset="0"/>
+        <a:buChar char="•"/>
+        <a:defRPr sz="1471" kern="1200">
+          <a:solidFill>
+            <a:schemeClr val="tx1"/>
+          </a:solidFill>
+          <a:latin typeface="+mn-lt"/>
+          <a:ea typeface="+mn-ea"/>
+          <a:cs typeface="+mn-cs"/>
+        </a:defRPr>
+      </a:lvl7pPr>
+      <a:lvl8pPr marL="2571576" indent="-171439" algn="l" defTabSz="685754" rtl="0" eaLnBrk="1" latinLnBrk="0" hangingPunct="1">
+        <a:spcBef>
+          <a:spcPct val="20000"/>
+        </a:spcBef>
+        <a:buFont typeface="Arial" pitchFamily="34" charset="0"/>
+        <a:buChar char="•"/>
+        <a:defRPr sz="1471" kern="1200">
+          <a:solidFill>
+            <a:schemeClr val="tx1"/>
+          </a:solidFill>
+          <a:latin typeface="+mn-lt"/>
+          <a:ea typeface="+mn-ea"/>
+          <a:cs typeface="+mn-cs"/>
+        </a:defRPr>
+      </a:lvl8pPr>
+      <a:lvl9pPr marL="2914455" indent="-171439" algn="l" defTabSz="685754" rtl="0" eaLnBrk="1" latinLnBrk="0" hangingPunct="1">
+        <a:spcBef>
+          <a:spcPct val="20000"/>
+        </a:spcBef>
+        <a:buFont typeface="Arial" pitchFamily="34" charset="0"/>
+        <a:buChar char="•"/>
+        <a:defRPr sz="1471" kern="1200">
+          <a:solidFill>
+            <a:schemeClr val="tx1"/>
+          </a:solidFill>
+          <a:latin typeface="+mn-lt"/>
+          <a:ea typeface="+mn-ea"/>
+          <a:cs typeface="+mn-cs"/>
+        </a:defRPr>
+      </a:lvl9pPr>
+    </p:bodyStyle>
+    <p:otherStyle>
+      <a:defPPr>
+        <a:defRPr lang="en-US"/>
+      </a:defPPr>
+      <a:lvl1pPr marL="0" algn="l" defTabSz="685754" rtl="0" eaLnBrk="1" latinLnBrk="0" hangingPunct="1">
+        <a:defRPr sz="1324" kern="1200">
+          <a:solidFill>
+            <a:schemeClr val="tx1"/>
+          </a:solidFill>
+          <a:latin typeface="+mn-lt"/>
+          <a:ea typeface="+mn-ea"/>
+          <a:cs typeface="+mn-cs"/>
+        </a:defRPr>
+      </a:lvl1pPr>
+      <a:lvl2pPr marL="342877" algn="l" defTabSz="685754" rtl="0" eaLnBrk="1" latinLnBrk="0" hangingPunct="1">
+        <a:defRPr sz="1324" kern="1200">
+          <a:solidFill>
+            <a:schemeClr val="tx1"/>
+          </a:solidFill>
+          <a:latin typeface="+mn-lt"/>
+          <a:ea typeface="+mn-ea"/>
+          <a:cs typeface="+mn-cs"/>
+        </a:defRPr>
+      </a:lvl2pPr>
+      <a:lvl3pPr marL="685754" algn="l" defTabSz="685754" rtl="0" eaLnBrk="1" latinLnBrk="0" hangingPunct="1">
+        <a:defRPr sz="1324" kern="1200">
+          <a:solidFill>
+            <a:schemeClr val="tx1"/>
+          </a:solidFill>
+          <a:latin typeface="+mn-lt"/>
+          <a:ea typeface="+mn-ea"/>
+          <a:cs typeface="+mn-cs"/>
+        </a:defRPr>
+      </a:lvl3pPr>
+      <a:lvl4pPr marL="1028631" algn="l" defTabSz="685754" rtl="0" eaLnBrk="1" latinLnBrk="0" hangingPunct="1">
+        <a:defRPr sz="1324" kern="1200">
+          <a:solidFill>
+            <a:schemeClr val="tx1"/>
+          </a:solidFill>
+          <a:latin typeface="+mn-lt"/>
+          <a:ea typeface="+mn-ea"/>
+          <a:cs typeface="+mn-cs"/>
+        </a:defRPr>
+      </a:lvl4pPr>
+      <a:lvl5pPr marL="1371507" algn="l" defTabSz="685754" rtl="0" eaLnBrk="1" latinLnBrk="0" hangingPunct="1">
+        <a:defRPr sz="1324" kern="1200">
+          <a:solidFill>
+            <a:schemeClr val="tx1"/>
+          </a:solidFill>
+          <a:latin typeface="+mn-lt"/>
+          <a:ea typeface="+mn-ea"/>
+          <a:cs typeface="+mn-cs"/>
+        </a:defRPr>
+      </a:lvl5pPr>
+      <a:lvl6pPr marL="1714385" algn="l" defTabSz="685754" rtl="0" eaLnBrk="1" latinLnBrk="0" hangingPunct="1">
+        <a:defRPr sz="1324" kern="1200">
+          <a:solidFill>
+            <a:schemeClr val="tx1"/>
+          </a:solidFill>
+          <a:latin typeface="+mn-lt"/>
+          <a:ea typeface="+mn-ea"/>
+          <a:cs typeface="+mn-cs"/>
+        </a:defRPr>
+      </a:lvl6pPr>
+      <a:lvl7pPr marL="2057262" algn="l" defTabSz="685754" rtl="0" eaLnBrk="1" latinLnBrk="0" hangingPunct="1">
+        <a:defRPr sz="1324" kern="1200">
+          <a:solidFill>
+            <a:schemeClr val="tx1"/>
+          </a:solidFill>
+          <a:latin typeface="+mn-lt"/>
+          <a:ea typeface="+mn-ea"/>
+          <a:cs typeface="+mn-cs"/>
+        </a:defRPr>
+      </a:lvl7pPr>
+      <a:lvl8pPr marL="2400138" algn="l" defTabSz="685754" rtl="0" eaLnBrk="1" latinLnBrk="0" hangingPunct="1">
+        <a:defRPr sz="1324" kern="1200">
+          <a:solidFill>
+            <a:schemeClr val="tx1"/>
+          </a:solidFill>
+          <a:latin typeface="+mn-lt"/>
+          <a:ea typeface="+mn-ea"/>
+          <a:cs typeface="+mn-cs"/>
+        </a:defRPr>
+      </a:lvl8pPr>
+      <a:lvl9pPr marL="2743016" algn="l" defTabSz="685754" rtl="0" eaLnBrk="1" latinLnBrk="0" hangingPunct="1">
+        <a:defRPr sz="1324" kern="1200">
+          <a:solidFill>
+            <a:schemeClr val="tx1"/>
+          </a:solidFill>
+          <a:latin typeface="+mn-lt"/>
+          <a:ea typeface="+mn-ea"/>
+          <a:cs typeface="+mn-cs"/>
+        </a:defRPr>
+      </a:lvl9pPr>
+    </p:otherStyle>
+  </p:txStyles>
+  <p:extLst mod="1">
+    <p:ext uri="{27BBF7A9-308A-43DC-89C8-2F10F3537804}">
+      <p15:sldGuideLst xmlns:p15="http://schemas.microsoft.com/office/powerpoint/2012/main">
+        <p15:guide id="1" pos="2938">
+          <p15:clr>
+            <a:srgbClr val="F26B43"/>
+          </p15:clr>
+        </p15:guide>
+        <p15:guide id="2" pos="5745">
+          <p15:clr>
+            <a:srgbClr val="F26B43"/>
+          </p15:clr>
+        </p15:guide>
+        <p15:guide id="3" pos="5313">
+          <p15:clr>
+            <a:srgbClr val="F26B43"/>
+          </p15:clr>
+        </p15:guide>
+        <p15:guide id="4" pos="4881">
+          <p15:clr>
+            <a:srgbClr val="F26B43"/>
+          </p15:clr>
+        </p15:guide>
+        <p15:guide id="5" pos="4449">
+          <p15:clr>
+            <a:srgbClr val="F26B43"/>
+          </p15:clr>
+        </p15:guide>
+        <p15:guide id="6" pos="4017">
+          <p15:clr>
+            <a:srgbClr val="F26B43"/>
+          </p15:clr>
+        </p15:guide>
+        <p15:guide id="7" pos="3585">
+          <p15:clr>
+            <a:srgbClr val="F26B43"/>
+          </p15:clr>
+        </p15:guide>
+        <p15:guide id="8" pos="3153">
+          <p15:clr>
+            <a:srgbClr val="F26B43"/>
+          </p15:clr>
+        </p15:guide>
+        <p15:guide id="9" pos="130">
+          <p15:clr>
+            <a:srgbClr val="F26B43"/>
+          </p15:clr>
+        </p15:guide>
+        <p15:guide id="10" pos="562">
+          <p15:clr>
+            <a:srgbClr val="F26B43"/>
+          </p15:clr>
+        </p15:guide>
+        <p15:guide id="11" pos="994">
+          <p15:clr>
+            <a:srgbClr val="F26B43"/>
+          </p15:clr>
+        </p15:guide>
+        <p15:guide id="12" pos="1426">
+          <p15:clr>
+            <a:srgbClr val="F26B43"/>
+          </p15:clr>
+        </p15:guide>
+        <p15:guide id="13" pos="1858">
+          <p15:clr>
+            <a:srgbClr val="F26B43"/>
+          </p15:clr>
+        </p15:guide>
+        <p15:guide id="14" pos="2290">
+          <p15:clr>
+            <a:srgbClr val="F26B43"/>
+          </p15:clr>
+        </p15:guide>
+        <p15:guide id="15" pos="2722">
+          <p15:clr>
+            <a:srgbClr val="F26B43"/>
+          </p15:clr>
+        </p15:guide>
+        <p15:guide id="16" orient="horz" pos="2203">
+          <p15:clr>
+            <a:srgbClr val="F26B43"/>
+          </p15:clr>
+        </p15:guide>
+        <p15:guide id="17" orient="horz" pos="187">
+          <p15:clr>
+            <a:srgbClr val="F26B43"/>
+          </p15:clr>
+        </p15:guide>
+        <p15:guide id="18" orient="horz" pos="763">
+          <p15:clr>
+            <a:srgbClr val="F26B43"/>
+          </p15:clr>
+        </p15:guide>
+        <p15:guide id="19" orient="horz" pos="1339">
+          <p15:clr>
+            <a:srgbClr val="F26B43"/>
+          </p15:clr>
+        </p15:guide>
+        <p15:guide id="20" orient="horz" pos="1915">
+          <p15:clr>
+            <a:srgbClr val="F26B43"/>
+          </p15:clr>
+        </p15:guide>
+        <p15:guide id="21" orient="horz" pos="4219">
+          <p15:clr>
+            <a:srgbClr val="F26B43"/>
+          </p15:clr>
+        </p15:guide>
+        <p15:guide id="22" orient="horz" pos="3643">
+          <p15:clr>
+            <a:srgbClr val="F26B43"/>
+          </p15:clr>
+        </p15:guide>
+        <p15:guide id="23" orient="horz" pos="3067">
+          <p15:clr>
+            <a:srgbClr val="F26B43"/>
+          </p15:clr>
+        </p15:guide>
+        <p15:guide id="24" orient="horz" pos="2491">
+          <p15:clr>
+            <a:srgbClr val="F26B43"/>
+          </p15:clr>
+        </p15:guide>
+      </p15:sldGuideLst>
+    </p:ext>
+  </p:extLst>
+</p:sldMaster>
+</file>
+
 <file path=ppt/slides/slide1.xml><?xml version="1.0" encoding="utf-8"?>
 <p:sld xmlns:a="http://schemas.openxmlformats.org/drawingml/2006/main" xmlns:r="http://schemas.openxmlformats.org/officeDocument/2006/relationships" xmlns:p="http://schemas.openxmlformats.org/presentationml/2006/main">
   <p:cSld>
@@ -2585,6 +6586,165 @@
       </p:grpSpPr>
       <p:sp>
         <p:nvSpPr>
+          <p:cNvPr id="3" name="Text Placeholder 2"/>
+          <p:cNvSpPr>
+            <a:spLocks noGrp="1"/>
+          </p:cNvSpPr>
+          <p:nvPr>
+            <p:ph type="body" idx="1"/>
+          </p:nvPr>
+        </p:nvSpPr>
+        <p:spPr/>
+        <p:txBody>
+          <a:bodyPr/>
+          <a:lstStyle/>
+          <a:p>
+            <a:r>
+              <a:rPr lang="en-US" dirty="0" smtClean="0"/>
+              <a:t>More than a package manager</a:t>
+            </a:r>
+          </a:p>
+          <a:p>
+            <a:r>
+              <a:rPr lang="en-US" dirty="0" smtClean="0"/>
+              <a:t>Also includes a runtime</a:t>
+            </a:r>
+          </a:p>
+          <a:p>
+            <a:pPr lvl="1"/>
+            <a:r>
+              <a:rPr lang="en-US" dirty="0" smtClean="0"/>
+              <a:t>System API </a:t>
+            </a:r>
+            <a:r>
+              <a:rPr lang="en-US" dirty="0" err="1" smtClean="0"/>
+              <a:t>polyfill</a:t>
+            </a:r>
+            <a:endParaRPr lang="en-US" dirty="0" smtClean="0"/>
+          </a:p>
+          <a:p>
+            <a:pPr lvl="1"/>
+            <a:r>
+              <a:rPr lang="en-US" dirty="0" smtClean="0"/>
+              <a:t>ES6 module loader</a:t>
+            </a:r>
+          </a:p>
+          <a:p>
+            <a:pPr lvl="1"/>
+            <a:r>
+              <a:rPr lang="en-US" dirty="0" smtClean="0"/>
+              <a:t>Runtime configuration</a:t>
+            </a:r>
+            <a:endParaRPr lang="en-US" dirty="0"/>
+          </a:p>
+        </p:txBody>
+      </p:sp>
+      <p:sp>
+        <p:nvSpPr>
+          <p:cNvPr id="5" name="Title 4"/>
+          <p:cNvSpPr>
+            <a:spLocks noGrp="1"/>
+          </p:cNvSpPr>
+          <p:nvPr>
+            <p:ph type="title"/>
+          </p:nvPr>
+        </p:nvSpPr>
+        <p:spPr/>
+        <p:txBody>
+          <a:bodyPr/>
+          <a:lstStyle/>
+          <a:p>
+            <a:r>
+              <a:rPr lang="en-US" dirty="0" smtClean="0"/>
+              <a:t>Install JSPM</a:t>
+            </a:r>
+            <a:endParaRPr lang="en-US" dirty="0"/>
+          </a:p>
+        </p:txBody>
+      </p:sp>
+      <p:pic>
+        <p:nvPicPr>
+          <p:cNvPr id="1032" name="Picture 8" descr="https://s3.amazonaws.com/dailyjs/images/posts/jspmio.png"/>
+          <p:cNvPicPr>
+            <a:picLocks noChangeAspect="1" noChangeArrowheads="1"/>
+          </p:cNvPicPr>
+          <p:nvPr/>
+        </p:nvPicPr>
+        <p:blipFill>
+          <a:blip r:embed="rId2">
+            <a:extLst>
+              <a:ext uri="{28A0092B-C50C-407E-A947-70E740481C1C}">
+                <a14:useLocalDpi xmlns:a14="http://schemas.microsoft.com/office/drawing/2010/main" val="0"/>
+              </a:ext>
+            </a:extLst>
+          </a:blip>
+          <a:srcRect/>
+          <a:stretch>
+            <a:fillRect/>
+          </a:stretch>
+        </p:blipFill>
+        <p:spPr bwMode="auto">
+          <a:xfrm>
+            <a:off x="4419600" y="2514600"/>
+            <a:ext cx="4010025" cy="1876425"/>
+          </a:xfrm>
+          <a:prstGeom prst="rect">
+            <a:avLst/>
+          </a:prstGeom>
+          <a:noFill/>
+          <a:extLst>
+            <a:ext uri="{909E8E84-426E-40DD-AFC4-6F175D3DCCD1}">
+              <a14:hiddenFill xmlns:a14="http://schemas.microsoft.com/office/drawing/2010/main">
+                <a:solidFill>
+                  <a:srgbClr val="FFFFFF"/>
+                </a:solidFill>
+              </a14:hiddenFill>
+            </a:ext>
+          </a:extLst>
+        </p:spPr>
+      </p:pic>
+    </p:spTree>
+    <p:extLst>
+      <p:ext uri="{BB962C8B-B14F-4D97-AF65-F5344CB8AC3E}">
+        <p14:creationId xmlns:p14="http://schemas.microsoft.com/office/powerpoint/2010/main" val="3013891641"/>
+      </p:ext>
+    </p:extLst>
+  </p:cSld>
+  <p:clrMapOvr>
+    <a:masterClrMapping/>
+  </p:clrMapOvr>
+  <p:transition>
+    <p:fade/>
+  </p:transition>
+  <p:timing>
+    <p:tnLst>
+      <p:par>
+        <p:cTn id="1" dur="indefinite" restart="never" nodeType="tmRoot"/>
+      </p:par>
+    </p:tnLst>
+  </p:timing>
+</p:sld>
+</file>
+
+<file path=ppt/slides/slide11.xml><?xml version="1.0" encoding="utf-8"?>
+<p:sld xmlns:a="http://schemas.openxmlformats.org/drawingml/2006/main" xmlns:r="http://schemas.openxmlformats.org/officeDocument/2006/relationships" xmlns:p="http://schemas.openxmlformats.org/presentationml/2006/main">
+  <p:cSld>
+    <p:spTree>
+      <p:nvGrpSpPr>
+        <p:cNvPr id="1" name=""/>
+        <p:cNvGrpSpPr/>
+        <p:nvPr/>
+      </p:nvGrpSpPr>
+      <p:grpSpPr>
+        <a:xfrm>
+          <a:off x="0" y="0"/>
+          <a:ext cx="0" cy="0"/>
+          <a:chOff x="0" y="0"/>
+          <a:chExt cx="0" cy="0"/>
+        </a:xfrm>
+      </p:grpSpPr>
+      <p:sp>
+        <p:nvSpPr>
           <p:cNvPr id="2" name="Title 1"/>
           <p:cNvSpPr>
             <a:spLocks noGrp="1"/>
@@ -2608,7 +6768,11 @@
             </a:r>
             <a:r>
               <a:rPr lang="en-US" dirty="0" smtClean="0"/>
-              <a:t> install</a:t>
+              <a:t> </a:t>
+            </a:r>
+            <a:r>
+              <a:rPr lang="en-US" dirty="0" err="1" smtClean="0"/>
+              <a:t>init</a:t>
             </a:r>
             <a:endParaRPr lang="en-US" dirty="0"/>
           </a:p>
@@ -2629,6 +6793,120 @@
           <a:bodyPr/>
           <a:lstStyle/>
           <a:p>
+            <a:endParaRPr lang="en-US"/>
+          </a:p>
+        </p:txBody>
+      </p:sp>
+      <p:pic>
+        <p:nvPicPr>
+          <p:cNvPr id="4" name="Picture 3"/>
+          <p:cNvPicPr>
+            <a:picLocks noChangeAspect="1"/>
+          </p:cNvPicPr>
+          <p:nvPr/>
+        </p:nvPicPr>
+        <p:blipFill>
+          <a:blip r:embed="rId2"/>
+          <a:stretch>
+            <a:fillRect/>
+          </a:stretch>
+        </p:blipFill>
+        <p:spPr>
+          <a:xfrm>
+            <a:off x="319087" y="1295400"/>
+            <a:ext cx="8505825" cy="5000625"/>
+          </a:xfrm>
+          <a:prstGeom prst="rect">
+            <a:avLst/>
+          </a:prstGeom>
+        </p:spPr>
+      </p:pic>
+    </p:spTree>
+    <p:extLst>
+      <p:ext uri="{BB962C8B-B14F-4D97-AF65-F5344CB8AC3E}">
+        <p14:creationId xmlns:p14="http://schemas.microsoft.com/office/powerpoint/2010/main" val="562636667"/>
+      </p:ext>
+    </p:extLst>
+  </p:cSld>
+  <p:clrMapOvr>
+    <a:masterClrMapping/>
+  </p:clrMapOvr>
+  <p:transition>
+    <p:fade/>
+  </p:transition>
+  <p:timing>
+    <p:tnLst>
+      <p:par>
+        <p:cTn id="1" dur="indefinite" restart="never" nodeType="tmRoot"/>
+      </p:par>
+    </p:tnLst>
+  </p:timing>
+</p:sld>
+</file>
+
+<file path=ppt/slides/slide12.xml><?xml version="1.0" encoding="utf-8"?>
+<p:sld xmlns:a="http://schemas.openxmlformats.org/drawingml/2006/main" xmlns:r="http://schemas.openxmlformats.org/officeDocument/2006/relationships" xmlns:p="http://schemas.openxmlformats.org/presentationml/2006/main">
+  <p:cSld>
+    <p:spTree>
+      <p:nvGrpSpPr>
+        <p:cNvPr id="1" name=""/>
+        <p:cNvGrpSpPr/>
+        <p:nvPr/>
+      </p:nvGrpSpPr>
+      <p:grpSpPr>
+        <a:xfrm>
+          <a:off x="0" y="0"/>
+          <a:ext cx="0" cy="0"/>
+          <a:chOff x="0" y="0"/>
+          <a:chExt cx="0" cy="0"/>
+        </a:xfrm>
+      </p:grpSpPr>
+      <p:sp>
+        <p:nvSpPr>
+          <p:cNvPr id="2" name="Title 1"/>
+          <p:cNvSpPr>
+            <a:spLocks noGrp="1"/>
+          </p:cNvSpPr>
+          <p:nvPr>
+            <p:ph type="title"/>
+          </p:nvPr>
+        </p:nvSpPr>
+        <p:spPr/>
+        <p:txBody>
+          <a:bodyPr/>
+          <a:lstStyle/>
+          <a:p>
+            <a:r>
+              <a:rPr lang="en-US" dirty="0" err="1"/>
+              <a:t>j</a:t>
+            </a:r>
+            <a:r>
+              <a:rPr lang="en-US" dirty="0" err="1" smtClean="0"/>
+              <a:t>spm</a:t>
+            </a:r>
+            <a:r>
+              <a:rPr lang="en-US" dirty="0" smtClean="0"/>
+              <a:t> install</a:t>
+            </a:r>
+            <a:endParaRPr lang="en-US" dirty="0"/>
+          </a:p>
+        </p:txBody>
+      </p:sp>
+      <p:sp>
+        <p:nvSpPr>
+          <p:cNvPr id="3" name="Text Placeholder 2"/>
+          <p:cNvSpPr>
+            <a:spLocks noGrp="1"/>
+          </p:cNvSpPr>
+          <p:nvPr>
+            <p:ph type="body" idx="1"/>
+          </p:nvPr>
+        </p:nvSpPr>
+        <p:spPr/>
+        <p:txBody>
+          <a:bodyPr/>
+          <a:lstStyle/>
+          <a:p>
             <a:r>
               <a:rPr lang="en-US" dirty="0" smtClean="0"/>
               <a:t>Dependencies manages in </a:t>
@@ -2667,8 +6945,16 @@
           <a:p>
             <a:pPr lvl="1"/>
             <a:r>
+              <a:rPr lang="en-US" dirty="0" err="1"/>
+              <a:t>a</a:t>
+            </a:r>
+            <a:r>
+              <a:rPr lang="en-US" dirty="0" err="1" smtClean="0"/>
+              <a:t>urelia</a:t>
+            </a:r>
+            <a:r>
               <a:rPr lang="en-US" dirty="0" smtClean="0"/>
-              <a:t>Aurelia-router</a:t>
+              <a:t>-router</a:t>
             </a:r>
           </a:p>
           <a:p>
@@ -2746,7 +7032,7 @@
 </p:sld>
 </file>
 
-<file path=ppt/slides/slide11.xml><?xml version="1.0" encoding="utf-8"?>
+<file path=ppt/slides/slide13.xml><?xml version="1.0" encoding="utf-8"?>
 <p:sld xmlns:a="http://schemas.openxmlformats.org/drawingml/2006/main" xmlns:r="http://schemas.openxmlformats.org/officeDocument/2006/relationships" xmlns:p="http://schemas.openxmlformats.org/presentationml/2006/main">
   <p:cSld>
     <p:spTree>
@@ -2896,7 +7182,7 @@
 </p:sld>
 </file>
 
-<file path=ppt/slides/slide12.xml><?xml version="1.0" encoding="utf-8"?>
+<file path=ppt/slides/slide14.xml><?xml version="1.0" encoding="utf-8"?>
 <p:sld xmlns:a="http://schemas.openxmlformats.org/drawingml/2006/main" xmlns:r="http://schemas.openxmlformats.org/officeDocument/2006/relationships" xmlns:p="http://schemas.openxmlformats.org/presentationml/2006/main">
   <p:cSld>
     <p:spTree>
@@ -3193,7 +7479,7 @@
 </p:sld>
 </file>
 
-<file path=ppt/slides/slide13.xml><?xml version="1.0" encoding="utf-8"?>
+<file path=ppt/slides/slide15.xml><?xml version="1.0" encoding="utf-8"?>
 <p:sld xmlns:a="http://schemas.openxmlformats.org/drawingml/2006/main" xmlns:r="http://schemas.openxmlformats.org/officeDocument/2006/relationships" xmlns:p="http://schemas.openxmlformats.org/presentationml/2006/main">
   <p:cSld>
     <p:spTree>
@@ -3784,7 +8070,7 @@
 </p:sld>
 </file>
 
-<file path=ppt/slides/slide14.xml><?xml version="1.0" encoding="utf-8"?>
+<file path=ppt/slides/slide16.xml><?xml version="1.0" encoding="utf-8"?>
 <p:sld xmlns:a="http://schemas.openxmlformats.org/drawingml/2006/main" xmlns:r="http://schemas.openxmlformats.org/officeDocument/2006/relationships" xmlns:p="http://schemas.openxmlformats.org/presentationml/2006/main">
   <p:cSld>
     <p:spTree>
@@ -3932,7 +8218,7 @@
 </p:sld>
 </file>
 
-<file path=ppt/slides/slide15.xml><?xml version="1.0" encoding="utf-8"?>
+<file path=ppt/slides/slide17.xml><?xml version="1.0" encoding="utf-8"?>
 <p:sld xmlns:a="http://schemas.openxmlformats.org/drawingml/2006/main" xmlns:r="http://schemas.openxmlformats.org/officeDocument/2006/relationships" xmlns:p="http://schemas.openxmlformats.org/presentationml/2006/main">
   <p:cSld>
     <p:spTree>
@@ -4063,7 +8349,7 @@
 </p:sld>
 </file>
 
-<file path=ppt/slides/slide16.xml><?xml version="1.0" encoding="utf-8"?>
+<file path=ppt/slides/slide18.xml><?xml version="1.0" encoding="utf-8"?>
 <p:sld xmlns:a="http://schemas.openxmlformats.org/drawingml/2006/main" xmlns:r="http://schemas.openxmlformats.org/officeDocument/2006/relationships" xmlns:p="http://schemas.openxmlformats.org/presentationml/2006/main">
   <p:cSld>
     <p:spTree>
@@ -4191,7 +8477,7 @@
 </p:sld>
 </file>
 
-<file path=ppt/slides/slide17.xml><?xml version="1.0" encoding="utf-8"?>
+<file path=ppt/slides/slide19.xml><?xml version="1.0" encoding="utf-8"?>
 <p:sld xmlns:a="http://schemas.openxmlformats.org/drawingml/2006/main" xmlns:r="http://schemas.openxmlformats.org/officeDocument/2006/relationships" xmlns:p="http://schemas.openxmlformats.org/presentationml/2006/main">
   <p:cSld>
     <p:spTree>
@@ -4316,7 +8602,735 @@
 </p:sld>
 </file>
 
-<file path=ppt/slides/slide18.xml><?xml version="1.0" encoding="utf-8"?>
+<file path=ppt/slides/slide2.xml><?xml version="1.0" encoding="utf-8"?>
+<p:sld xmlns:a="http://schemas.openxmlformats.org/drawingml/2006/main" xmlns:r="http://schemas.openxmlformats.org/officeDocument/2006/relationships" xmlns:p="http://schemas.openxmlformats.org/presentationml/2006/main">
+  <p:cSld>
+    <p:spTree>
+      <p:nvGrpSpPr>
+        <p:cNvPr id="1" name=""/>
+        <p:cNvGrpSpPr/>
+        <p:nvPr/>
+      </p:nvGrpSpPr>
+      <p:grpSpPr>
+        <a:xfrm>
+          <a:off x="0" y="0"/>
+          <a:ext cx="0" cy="0"/>
+          <a:chOff x="0" y="0"/>
+          <a:chExt cx="0" cy="0"/>
+        </a:xfrm>
+      </p:grpSpPr>
+      <p:sp>
+        <p:nvSpPr>
+          <p:cNvPr id="4" name="Title 3"/>
+          <p:cNvSpPr>
+            <a:spLocks noGrp="1"/>
+          </p:cNvSpPr>
+          <p:nvPr>
+            <p:ph type="ctrTitle"/>
+          </p:nvPr>
+        </p:nvSpPr>
+        <p:spPr>
+          <a:xfrm>
+            <a:off x="201697" y="2905336"/>
+            <a:ext cx="6387260" cy="1302952"/>
+          </a:xfrm>
+        </p:spPr>
+        <p:txBody>
+          <a:bodyPr/>
+          <a:lstStyle/>
+          <a:p>
+            <a:r>
+              <a:rPr lang="en-US" dirty="0" smtClean="0"/>
+              <a:t>Aurelia</a:t>
+            </a:r>
+            <a:br>
+              <a:rPr lang="en-US" dirty="0" smtClean="0"/>
+            </a:br>
+            <a:r>
+              <a:rPr lang="en-US" sz="2941" dirty="0" smtClean="0"/>
+              <a:t>An Introduction For Anyone Who Has Never Seen The Framework</a:t>
+            </a:r>
+            <a:endParaRPr lang="en-US" dirty="0"/>
+          </a:p>
+        </p:txBody>
+      </p:sp>
+      <p:pic>
+        <p:nvPicPr>
+          <p:cNvPr id="10" name="Picture 9"/>
+          <p:cNvPicPr>
+            <a:picLocks noChangeAspect="1"/>
+          </p:cNvPicPr>
+          <p:nvPr userDrawn="1"/>
+        </p:nvPicPr>
+        <p:blipFill>
+          <a:blip r:embed="rId3" cstate="print">
+            <a:extLst>
+              <a:ext uri="{28A0092B-C50C-407E-A947-70E740481C1C}">
+                <a14:useLocalDpi xmlns:a14="http://schemas.microsoft.com/office/drawing/2010/main" val="0"/>
+              </a:ext>
+            </a:extLst>
+          </a:blip>
+          <a:stretch>
+            <a:fillRect/>
+          </a:stretch>
+        </p:blipFill>
+        <p:spPr>
+          <a:xfrm>
+            <a:off x="6553867" y="3530245"/>
+            <a:ext cx="344946" cy="344946"/>
+          </a:xfrm>
+          <a:prstGeom prst="rect">
+            <a:avLst/>
+          </a:prstGeom>
+          <a:noFill/>
+          <a:ln>
+            <a:noFill/>
+          </a:ln>
+        </p:spPr>
+      </p:pic>
+      <p:grpSp>
+        <p:nvGrpSpPr>
+          <p:cNvPr id="27" name="Group 26"/>
+          <p:cNvGrpSpPr/>
+          <p:nvPr/>
+        </p:nvGrpSpPr>
+        <p:grpSpPr>
+          <a:xfrm>
+            <a:off x="6925116" y="5744961"/>
+            <a:ext cx="2218885" cy="351937"/>
+            <a:chOff x="0" y="5312460"/>
+            <a:chExt cx="3017838" cy="478659"/>
+          </a:xfrm>
+        </p:grpSpPr>
+        <p:sp>
+          <p:nvSpPr>
+            <p:cNvPr id="28" name="Rectangle 27"/>
+            <p:cNvSpPr/>
+            <p:nvPr userDrawn="1"/>
+          </p:nvSpPr>
+          <p:spPr bwMode="auto">
+            <a:xfrm>
+              <a:off x="0" y="5329991"/>
+              <a:ext cx="3017838" cy="461128"/>
+            </a:xfrm>
+            <a:prstGeom prst="rect">
+              <a:avLst/>
+            </a:prstGeom>
+            <a:solidFill>
+              <a:srgbClr val="5D5D5F"/>
+            </a:solidFill>
+            <a:ln>
+              <a:noFill/>
+              <a:headEnd type="none" w="med" len="med"/>
+              <a:tailEnd type="none" w="med" len="med"/>
+            </a:ln>
+            <a:effectLst/>
+          </p:spPr>
+          <p:style>
+            <a:lnRef idx="1">
+              <a:schemeClr val="accent2"/>
+            </a:lnRef>
+            <a:fillRef idx="3">
+              <a:schemeClr val="accent2"/>
+            </a:fillRef>
+            <a:effectRef idx="2">
+              <a:schemeClr val="accent2"/>
+            </a:effectRef>
+            <a:fontRef idx="minor">
+              <a:schemeClr val="lt1"/>
+            </a:fontRef>
+          </p:style>
+          <p:txBody>
+            <a:bodyPr rot="0" spcFirstLastPara="0" vertOverflow="overflow" horzOverflow="overflow" vert="horz" wrap="square" lIns="134463" tIns="107571" rIns="134463" bIns="107571" numCol="1" spcCol="0" rtlCol="0" fromWordArt="0" anchor="ctr" anchorCtr="0" forceAA="0" compatLnSpc="1">
+              <a:prstTxWarp prst="textNoShape">
+                <a:avLst/>
+              </a:prstTxWarp>
+              <a:noAutofit/>
+            </a:bodyPr>
+            <a:lstStyle/>
+            <a:p>
+              <a:pPr marL="379319" algn="l" defTabSz="685555" eaLnBrk="1" hangingPunct="1">
+                <a:lnSpc>
+                  <a:spcPct val="90000"/>
+                </a:lnSpc>
+              </a:pPr>
+              <a:r>
+                <a:rPr lang="en-US" sz="1471" b="0" dirty="0">
+                  <a:gradFill>
+                    <a:gsLst>
+                      <a:gs pos="0">
+                        <a:srgbClr val="FFFFFF"/>
+                      </a:gs>
+                      <a:gs pos="100000">
+                        <a:srgbClr val="FFFFFF"/>
+                      </a:gs>
+                    </a:gsLst>
+                    <a:lin ang="5400000" scaled="0"/>
+                  </a:gradFill>
+                  <a:ea typeface="Segoe UI" pitchFamily="34" charset="0"/>
+                  <a:cs typeface="Segoe UI" pitchFamily="34" charset="0"/>
+                </a:rPr>
+                <a:t>Tweet this talk</a:t>
+              </a:r>
+            </a:p>
+          </p:txBody>
+        </p:sp>
+        <p:pic>
+          <p:nvPicPr>
+            <p:cNvPr id="29" name="Picture 28"/>
+            <p:cNvPicPr>
+              <a:picLocks noChangeAspect="1"/>
+            </p:cNvPicPr>
+            <p:nvPr userDrawn="1"/>
+          </p:nvPicPr>
+          <p:blipFill>
+            <a:blip r:embed="rId3" cstate="print">
+              <a:extLst>
+                <a:ext uri="{28A0092B-C50C-407E-A947-70E740481C1C}">
+                  <a14:useLocalDpi xmlns:a14="http://schemas.microsoft.com/office/drawing/2010/main" val="0"/>
+                </a:ext>
+              </a:extLst>
+            </a:blip>
+            <a:stretch>
+              <a:fillRect/>
+            </a:stretch>
+          </p:blipFill>
+          <p:spPr>
+            <a:xfrm>
+              <a:off x="152400" y="5312460"/>
+              <a:ext cx="469150" cy="469150"/>
+            </a:xfrm>
+            <a:prstGeom prst="rect">
+              <a:avLst/>
+            </a:prstGeom>
+            <a:noFill/>
+            <a:ln>
+              <a:noFill/>
+            </a:ln>
+          </p:spPr>
+        </p:pic>
+      </p:grpSp>
+      <p:sp>
+        <p:nvSpPr>
+          <p:cNvPr id="30" name="Text Placeholder 55"/>
+          <p:cNvSpPr txBox="1">
+            <a:spLocks/>
+          </p:cNvSpPr>
+          <p:nvPr/>
+        </p:nvSpPr>
+        <p:spPr>
+          <a:xfrm>
+            <a:off x="7186796" y="6186002"/>
+            <a:ext cx="1957206" cy="588366"/>
+          </a:xfrm>
+          <a:prstGeom prst="rect">
+            <a:avLst/>
+          </a:prstGeom>
+        </p:spPr>
+        <p:txBody>
+          <a:bodyPr>
+            <a:noAutofit/>
+          </a:bodyPr>
+          <a:lstStyle>
+            <a:lvl1pPr marL="0" marR="0" indent="0" algn="l" defTabSz="932742" rtl="0" eaLnBrk="1" fontAlgn="auto" latinLnBrk="0" hangingPunct="1">
+              <a:lnSpc>
+                <a:spcPct val="90000"/>
+              </a:lnSpc>
+              <a:spcBef>
+                <a:spcPct val="20000"/>
+              </a:spcBef>
+              <a:spcAft>
+                <a:spcPts val="0"/>
+              </a:spcAft>
+              <a:buClrTx/>
+              <a:buSzPct val="90000"/>
+              <a:buFont typeface="Arial" pitchFamily="34" charset="0"/>
+              <a:buNone/>
+              <a:tabLst/>
+              <a:defRPr sz="2000" kern="1200" spc="0" baseline="0">
+                <a:gradFill>
+                  <a:gsLst>
+                    <a:gs pos="1250">
+                      <a:schemeClr val="tx1"/>
+                    </a:gs>
+                    <a:gs pos="100000">
+                      <a:schemeClr val="tx1"/>
+                    </a:gs>
+                  </a:gsLst>
+                  <a:lin ang="5400000" scaled="0"/>
+                </a:gradFill>
+                <a:latin typeface="+mj-lt"/>
+                <a:ea typeface="+mn-ea"/>
+                <a:cs typeface="+mn-cs"/>
+              </a:defRPr>
+            </a:lvl1pPr>
+            <a:lvl2pPr marL="0" marR="0" indent="0" algn="l" defTabSz="932742" rtl="0" eaLnBrk="1" fontAlgn="auto" latinLnBrk="0" hangingPunct="1">
+              <a:lnSpc>
+                <a:spcPct val="90000"/>
+              </a:lnSpc>
+              <a:spcBef>
+                <a:spcPct val="20000"/>
+              </a:spcBef>
+              <a:spcAft>
+                <a:spcPts val="0"/>
+              </a:spcAft>
+              <a:buClrTx/>
+              <a:buSzPct val="90000"/>
+              <a:buFont typeface="Arial" pitchFamily="34" charset="0"/>
+              <a:buNone/>
+              <a:tabLst/>
+              <a:defRPr sz="2000" kern="1200" spc="0" baseline="0">
+                <a:gradFill>
+                  <a:gsLst>
+                    <a:gs pos="1250">
+                      <a:schemeClr val="tx1"/>
+                    </a:gs>
+                    <a:gs pos="100000">
+                      <a:schemeClr val="tx1"/>
+                    </a:gs>
+                  </a:gsLst>
+                  <a:lin ang="5400000" scaled="0"/>
+                </a:gradFill>
+                <a:latin typeface="+mn-lt"/>
+                <a:ea typeface="+mn-ea"/>
+                <a:cs typeface="+mn-cs"/>
+              </a:defRPr>
+            </a:lvl2pPr>
+            <a:lvl3pPr marL="225425" marR="0" indent="0" algn="l" defTabSz="932742" rtl="0" eaLnBrk="1" fontAlgn="auto" latinLnBrk="0" hangingPunct="1">
+              <a:lnSpc>
+                <a:spcPct val="90000"/>
+              </a:lnSpc>
+              <a:spcBef>
+                <a:spcPct val="20000"/>
+              </a:spcBef>
+              <a:spcAft>
+                <a:spcPts val="0"/>
+              </a:spcAft>
+              <a:buClrTx/>
+              <a:buSzPct val="90000"/>
+              <a:buFont typeface="Arial" pitchFamily="34" charset="0"/>
+              <a:buNone/>
+              <a:tabLst/>
+              <a:defRPr sz="2000" kern="1200" spc="0" baseline="0">
+                <a:gradFill>
+                  <a:gsLst>
+                    <a:gs pos="1250">
+                      <a:schemeClr val="tx1"/>
+                    </a:gs>
+                    <a:gs pos="100000">
+                      <a:schemeClr val="tx1"/>
+                    </a:gs>
+                  </a:gsLst>
+                  <a:lin ang="5400000" scaled="0"/>
+                </a:gradFill>
+                <a:latin typeface="+mn-lt"/>
+                <a:ea typeface="+mn-ea"/>
+                <a:cs typeface="+mn-cs"/>
+              </a:defRPr>
+            </a:lvl3pPr>
+            <a:lvl4pPr marL="463550" marR="0" indent="0" algn="l" defTabSz="932742" rtl="0" eaLnBrk="1" fontAlgn="auto" latinLnBrk="0" hangingPunct="1">
+              <a:lnSpc>
+                <a:spcPct val="90000"/>
+              </a:lnSpc>
+              <a:spcBef>
+                <a:spcPct val="20000"/>
+              </a:spcBef>
+              <a:spcAft>
+                <a:spcPts val="0"/>
+              </a:spcAft>
+              <a:buClrTx/>
+              <a:buSzPct val="90000"/>
+              <a:buFont typeface="Arial" pitchFamily="34" charset="0"/>
+              <a:buNone/>
+              <a:tabLst/>
+              <a:defRPr sz="2000" kern="1200" spc="0" baseline="0">
+                <a:gradFill>
+                  <a:gsLst>
+                    <a:gs pos="1250">
+                      <a:schemeClr val="tx1"/>
+                    </a:gs>
+                    <a:gs pos="100000">
+                      <a:schemeClr val="tx1"/>
+                    </a:gs>
+                  </a:gsLst>
+                  <a:lin ang="5400000" scaled="0"/>
+                </a:gradFill>
+                <a:latin typeface="+mn-lt"/>
+                <a:ea typeface="+mn-ea"/>
+                <a:cs typeface="+mn-cs"/>
+              </a:defRPr>
+            </a:lvl4pPr>
+            <a:lvl5pPr marL="688975" marR="0" indent="0" algn="l" defTabSz="932742" rtl="0" eaLnBrk="1" fontAlgn="auto" latinLnBrk="0" hangingPunct="1">
+              <a:lnSpc>
+                <a:spcPct val="90000"/>
+              </a:lnSpc>
+              <a:spcBef>
+                <a:spcPct val="20000"/>
+              </a:spcBef>
+              <a:spcAft>
+                <a:spcPts val="0"/>
+              </a:spcAft>
+              <a:buClrTx/>
+              <a:buSzPct val="90000"/>
+              <a:buFont typeface="Arial" pitchFamily="34" charset="0"/>
+              <a:buNone/>
+              <a:tabLst/>
+              <a:defRPr sz="2000" kern="1200" spc="0" baseline="0">
+                <a:gradFill>
+                  <a:gsLst>
+                    <a:gs pos="1250">
+                      <a:schemeClr val="tx1"/>
+                    </a:gs>
+                    <a:gs pos="100000">
+                      <a:schemeClr val="tx1"/>
+                    </a:gs>
+                  </a:gsLst>
+                  <a:lin ang="5400000" scaled="0"/>
+                </a:gradFill>
+                <a:latin typeface="+mn-lt"/>
+                <a:ea typeface="+mn-ea"/>
+                <a:cs typeface="+mn-cs"/>
+              </a:defRPr>
+            </a:lvl5pPr>
+            <a:lvl6pPr marL="2565040" indent="-233186" algn="l" defTabSz="932742" rtl="0" eaLnBrk="1" latinLnBrk="0" hangingPunct="1">
+              <a:spcBef>
+                <a:spcPct val="20000"/>
+              </a:spcBef>
+              <a:buFont typeface="Arial" pitchFamily="34" charset="0"/>
+              <a:buChar char="•"/>
+              <a:defRPr sz="2000" kern="1200">
+                <a:solidFill>
+                  <a:schemeClr val="tx1"/>
+                </a:solidFill>
+                <a:latin typeface="+mn-lt"/>
+                <a:ea typeface="+mn-ea"/>
+                <a:cs typeface="+mn-cs"/>
+              </a:defRPr>
+            </a:lvl6pPr>
+            <a:lvl7pPr marL="3031412" indent="-233186" algn="l" defTabSz="932742" rtl="0" eaLnBrk="1" latinLnBrk="0" hangingPunct="1">
+              <a:spcBef>
+                <a:spcPct val="20000"/>
+              </a:spcBef>
+              <a:buFont typeface="Arial" pitchFamily="34" charset="0"/>
+              <a:buChar char="•"/>
+              <a:defRPr sz="2000" kern="1200">
+                <a:solidFill>
+                  <a:schemeClr val="tx1"/>
+                </a:solidFill>
+                <a:latin typeface="+mn-lt"/>
+                <a:ea typeface="+mn-ea"/>
+                <a:cs typeface="+mn-cs"/>
+              </a:defRPr>
+            </a:lvl7pPr>
+            <a:lvl8pPr marL="3497783" indent="-233186" algn="l" defTabSz="932742" rtl="0" eaLnBrk="1" latinLnBrk="0" hangingPunct="1">
+              <a:spcBef>
+                <a:spcPct val="20000"/>
+              </a:spcBef>
+              <a:buFont typeface="Arial" pitchFamily="34" charset="0"/>
+              <a:buChar char="•"/>
+              <a:defRPr sz="2000" kern="1200">
+                <a:solidFill>
+                  <a:schemeClr val="tx1"/>
+                </a:solidFill>
+                <a:latin typeface="+mn-lt"/>
+                <a:ea typeface="+mn-ea"/>
+                <a:cs typeface="+mn-cs"/>
+              </a:defRPr>
+            </a:lvl8pPr>
+            <a:lvl9pPr marL="3964155" indent="-233186" algn="l" defTabSz="932742" rtl="0" eaLnBrk="1" latinLnBrk="0" hangingPunct="1">
+              <a:spcBef>
+                <a:spcPct val="20000"/>
+              </a:spcBef>
+              <a:buFont typeface="Arial" pitchFamily="34" charset="0"/>
+              <a:buChar char="•"/>
+              <a:defRPr sz="2000" kern="1200">
+                <a:solidFill>
+                  <a:schemeClr val="tx1"/>
+                </a:solidFill>
+                <a:latin typeface="+mn-lt"/>
+                <a:ea typeface="+mn-ea"/>
+                <a:cs typeface="+mn-cs"/>
+              </a:defRPr>
+            </a:lvl9pPr>
+          </a:lstStyle>
+          <a:p>
+            <a:r>
+              <a:rPr lang="en-US" sz="1471" b="0" dirty="0">
+                <a:gradFill>
+                  <a:gsLst>
+                    <a:gs pos="1250">
+                      <a:srgbClr val="505050"/>
+                    </a:gs>
+                    <a:gs pos="100000">
+                      <a:srgbClr val="505050"/>
+                    </a:gs>
+                  </a:gsLst>
+                  <a:lin ang="5400000" scaled="0"/>
+                </a:gradFill>
+              </a:rPr>
+              <a:t>#</a:t>
+            </a:r>
+            <a:r>
+              <a:rPr lang="en-US" sz="1471" b="0" dirty="0" err="1" smtClean="0">
+                <a:gradFill>
+                  <a:gsLst>
+                    <a:gs pos="1250">
+                      <a:srgbClr val="505050"/>
+                    </a:gs>
+                    <a:gs pos="100000">
+                      <a:srgbClr val="505050"/>
+                    </a:gs>
+                  </a:gsLst>
+                  <a:lin ang="5400000" scaled="0"/>
+                </a:gradFill>
+              </a:rPr>
+              <a:t>DEVintersectionEU</a:t>
+            </a:r>
+            <a:endParaRPr lang="en-US" sz="1471" b="0" dirty="0" smtClean="0">
+              <a:gradFill>
+                <a:gsLst>
+                  <a:gs pos="1250">
+                    <a:srgbClr val="505050"/>
+                  </a:gs>
+                  <a:gs pos="100000">
+                    <a:srgbClr val="505050"/>
+                  </a:gs>
+                </a:gsLst>
+                <a:lin ang="5400000" scaled="0"/>
+              </a:gradFill>
+            </a:endParaRPr>
+          </a:p>
+          <a:p>
+            <a:r>
+              <a:rPr lang="en-US" sz="1471" b="0" dirty="0" smtClean="0">
+                <a:gradFill>
+                  <a:gsLst>
+                    <a:gs pos="1250">
+                      <a:srgbClr val="505050"/>
+                    </a:gs>
+                    <a:gs pos="100000">
+                      <a:srgbClr val="505050"/>
+                    </a:gs>
+                  </a:gsLst>
+                  <a:lin ang="5400000" scaled="0"/>
+                </a:gradFill>
+              </a:rPr>
+              <a:t>@</a:t>
+            </a:r>
+            <a:r>
+              <a:rPr lang="en-US" sz="1471" b="0" dirty="0" err="1" smtClean="0">
+                <a:gradFill>
+                  <a:gsLst>
+                    <a:gs pos="1250">
+                      <a:srgbClr val="505050"/>
+                    </a:gs>
+                    <a:gs pos="100000">
+                      <a:srgbClr val="505050"/>
+                    </a:gs>
+                  </a:gsLst>
+                  <a:lin ang="5400000" scaled="0"/>
+                </a:gradFill>
+              </a:rPr>
+              <a:t>OdeToCode</a:t>
+            </a:r>
+            <a:endParaRPr lang="en-US" sz="1471" b="0" dirty="0">
+              <a:gradFill>
+                <a:gsLst>
+                  <a:gs pos="1250">
+                    <a:srgbClr val="505050"/>
+                  </a:gs>
+                  <a:gs pos="100000">
+                    <a:srgbClr val="505050"/>
+                  </a:gs>
+                </a:gsLst>
+                <a:lin ang="5400000" scaled="0"/>
+              </a:gradFill>
+            </a:endParaRPr>
+          </a:p>
+        </p:txBody>
+      </p:sp>
+      <p:graphicFrame>
+        <p:nvGraphicFramePr>
+          <p:cNvPr id="11" name="Table 10"/>
+          <p:cNvGraphicFramePr>
+            <a:graphicFrameLocks noGrp="1"/>
+          </p:cNvGraphicFramePr>
+          <p:nvPr>
+            <p:extLst/>
+          </p:nvPr>
+        </p:nvGraphicFramePr>
+        <p:xfrm>
+          <a:off x="220653" y="4208287"/>
+          <a:ext cx="5658682" cy="1021576"/>
+        </p:xfrm>
+        <a:graphic>
+          <a:graphicData uri="http://schemas.openxmlformats.org/drawingml/2006/table">
+            <a:tbl>
+              <a:tblPr/>
+              <a:tblGrid>
+                <a:gridCol w="5658682">
+                  <a:extLst>
+                    <a:ext uri="{9D8B030D-6E8A-4147-A177-3AD203B41FA5}">
+                      <a16:colId xmlns="" xmlns:a16="http://schemas.microsoft.com/office/drawing/2014/main" val="674742074"/>
+                    </a:ext>
+                  </a:extLst>
+                </a:gridCol>
+              </a:tblGrid>
+              <a:tr h="488375">
+                <a:tc>
+                  <a:txBody>
+                    <a:bodyPr/>
+                    <a:lstStyle/>
+                    <a:p>
+                      <a:r>
+                        <a:rPr lang="en-US" sz="2600" dirty="0" smtClean="0">
+                          <a:latin typeface="+mj-lt"/>
+                        </a:rPr>
+                        <a:t>Scott Allen</a:t>
+                      </a:r>
+                      <a:endParaRPr lang="en-US" sz="2600" dirty="0">
+                        <a:latin typeface="+mj-lt"/>
+                      </a:endParaRPr>
+                    </a:p>
+                  </a:txBody>
+                  <a:tcPr marL="84951" marR="84951" marT="42475" marB="42475">
+                    <a:lnL w="12700" cmpd="sng">
+                      <a:noFill/>
+                      <a:prstDash val="solid"/>
+                    </a:lnL>
+                    <a:lnR w="12700" cmpd="sng">
+                      <a:noFill/>
+                      <a:prstDash val="solid"/>
+                    </a:lnR>
+                    <a:lnT w="12700" cmpd="sng">
+                      <a:noFill/>
+                      <a:prstDash val="solid"/>
+                    </a:lnT>
+                    <a:lnB w="12700" cmpd="sng">
+                      <a:noFill/>
+                      <a:prstDash val="solid"/>
+                    </a:lnB>
+                    <a:lnTlToBr w="12700" cmpd="sng">
+                      <a:noFill/>
+                      <a:prstDash val="solid"/>
+                    </a:lnTlToBr>
+                    <a:lnBlToTr w="12700" cmpd="sng">
+                      <a:noFill/>
+                      <a:prstDash val="solid"/>
+                    </a:lnBlToTr>
+                  </a:tcPr>
+                </a:tc>
+                <a:extLst>
+                  <a:ext uri="{0D108BD9-81ED-4DB2-BD59-A6C34878D82A}">
+                    <a16:rowId xmlns="" xmlns:a16="http://schemas.microsoft.com/office/drawing/2014/main" val="2513064394"/>
+                  </a:ext>
+                </a:extLst>
+              </a:tr>
+              <a:tr h="533201">
+                <a:tc>
+                  <a:txBody>
+                    <a:bodyPr/>
+                    <a:lstStyle/>
+                    <a:p>
+                      <a:r>
+                        <a:rPr lang="en-US" sz="1500" baseline="0" dirty="0" smtClean="0">
+                          <a:latin typeface="+mj-lt"/>
+                        </a:rPr>
+                        <a:t>http://OdeToCode.com</a:t>
+                      </a:r>
+                    </a:p>
+                  </a:txBody>
+                  <a:tcPr marL="84951" marR="84951" marT="42475" marB="42475">
+                    <a:lnL w="12700" cmpd="sng">
+                      <a:noFill/>
+                      <a:prstDash val="solid"/>
+                    </a:lnL>
+                    <a:lnR w="12700" cmpd="sng">
+                      <a:noFill/>
+                      <a:prstDash val="solid"/>
+                    </a:lnR>
+                    <a:lnT w="12700" cmpd="sng">
+                      <a:noFill/>
+                      <a:prstDash val="solid"/>
+                    </a:lnT>
+                    <a:lnB w="12700" cmpd="sng">
+                      <a:noFill/>
+                      <a:prstDash val="solid"/>
+                    </a:lnB>
+                    <a:lnTlToBr w="12700" cmpd="sng">
+                      <a:noFill/>
+                      <a:prstDash val="solid"/>
+                    </a:lnTlToBr>
+                    <a:lnBlToTr w="12700" cmpd="sng">
+                      <a:noFill/>
+                      <a:prstDash val="solid"/>
+                    </a:lnBlToTr>
+                  </a:tcPr>
+                </a:tc>
+                <a:extLst>
+                  <a:ext uri="{0D108BD9-81ED-4DB2-BD59-A6C34878D82A}">
+                    <a16:rowId xmlns="" xmlns:a16="http://schemas.microsoft.com/office/drawing/2014/main" val="3717102508"/>
+                  </a:ext>
+                </a:extLst>
+              </a:tr>
+            </a:tbl>
+          </a:graphicData>
+        </a:graphic>
+      </p:graphicFrame>
+      <p:pic>
+        <p:nvPicPr>
+          <p:cNvPr id="2" name="Picture 1"/>
+          <p:cNvPicPr>
+            <a:picLocks noChangeAspect="1"/>
+          </p:cNvPicPr>
+          <p:nvPr/>
+        </p:nvPicPr>
+        <p:blipFill>
+          <a:blip r:embed="rId4">
+            <a:extLst>
+              <a:ext uri="{28A0092B-C50C-407E-A947-70E740481C1C}">
+                <a14:useLocalDpi xmlns:a14="http://schemas.microsoft.com/office/drawing/2010/main" val="0"/>
+              </a:ext>
+            </a:extLst>
+          </a:blip>
+          <a:stretch>
+            <a:fillRect/>
+          </a:stretch>
+        </p:blipFill>
+        <p:spPr>
+          <a:xfrm>
+            <a:off x="3920" y="195"/>
+            <a:ext cx="9144000" cy="2468282"/>
+          </a:xfrm>
+          <a:prstGeom prst="rect">
+            <a:avLst/>
+          </a:prstGeom>
+        </p:spPr>
+      </p:pic>
+    </p:spTree>
+    <p:extLst>
+      <p:ext uri="{BB962C8B-B14F-4D97-AF65-F5344CB8AC3E}">
+        <p14:creationId xmlns:p14="http://schemas.microsoft.com/office/powerpoint/2010/main" val="3507061818"/>
+      </p:ext>
+    </p:extLst>
+  </p:cSld>
+  <p:clrMapOvr>
+    <a:masterClrMapping/>
+  </p:clrMapOvr>
+  <p:transition>
+    <p:fade/>
+  </p:transition>
+  <p:timing>
+    <p:tnLst>
+      <p:par>
+        <p:cTn id="1" dur="indefinite" restart="never" nodeType="tmRoot"/>
+      </p:par>
+    </p:tnLst>
+  </p:timing>
+</p:sld>
+</file>
+
+<file path=ppt/slides/slide20.xml><?xml version="1.0" encoding="utf-8"?>
 <p:sld xmlns:a="http://schemas.openxmlformats.org/drawingml/2006/main" xmlns:r="http://schemas.openxmlformats.org/officeDocument/2006/relationships" xmlns:p="http://schemas.openxmlformats.org/presentationml/2006/main">
   <p:cSld>
     <p:spTree>
@@ -4436,7 +9450,7 @@
 </p:sld>
 </file>
 
-<file path=ppt/slides/slide19.xml><?xml version="1.0" encoding="utf-8"?>
+<file path=ppt/slides/slide21.xml><?xml version="1.0" encoding="utf-8"?>
 <p:sld xmlns:a="http://schemas.openxmlformats.org/drawingml/2006/main" xmlns:r="http://schemas.openxmlformats.org/officeDocument/2006/relationships" xmlns:p="http://schemas.openxmlformats.org/presentationml/2006/main">
   <p:cSld>
     <p:spTree>
@@ -4596,131 +9610,7 @@
 </p:sld>
 </file>
 
-<file path=ppt/slides/slide2.xml><?xml version="1.0" encoding="utf-8"?>
-<p:sld xmlns:a="http://schemas.openxmlformats.org/drawingml/2006/main" xmlns:r="http://schemas.openxmlformats.org/officeDocument/2006/relationships" xmlns:p="http://schemas.openxmlformats.org/presentationml/2006/main">
-  <p:cSld>
-    <p:spTree>
-      <p:nvGrpSpPr>
-        <p:cNvPr id="1" name=""/>
-        <p:cNvGrpSpPr/>
-        <p:nvPr/>
-      </p:nvGrpSpPr>
-      <p:grpSpPr>
-        <a:xfrm>
-          <a:off x="0" y="0"/>
-          <a:ext cx="0" cy="0"/>
-          <a:chOff x="0" y="0"/>
-          <a:chExt cx="0" cy="0"/>
-        </a:xfrm>
-      </p:grpSpPr>
-      <p:sp>
-        <p:nvSpPr>
-          <p:cNvPr id="2" name="Title 1"/>
-          <p:cNvSpPr>
-            <a:spLocks noGrp="1"/>
-          </p:cNvSpPr>
-          <p:nvPr>
-            <p:ph type="title"/>
-          </p:nvPr>
-        </p:nvSpPr>
-        <p:spPr/>
-        <p:txBody>
-          <a:bodyPr/>
-          <a:lstStyle/>
-          <a:p>
-            <a:endParaRPr lang="en-US"/>
-          </a:p>
-        </p:txBody>
-      </p:sp>
-      <p:pic>
-        <p:nvPicPr>
-          <p:cNvPr id="5" name="Picture 4"/>
-          <p:cNvPicPr>
-            <a:picLocks noChangeAspect="1"/>
-          </p:cNvPicPr>
-          <p:nvPr/>
-        </p:nvPicPr>
-        <p:blipFill>
-          <a:blip r:embed="rId2"/>
-          <a:stretch>
-            <a:fillRect/>
-          </a:stretch>
-        </p:blipFill>
-        <p:spPr>
-          <a:xfrm>
-            <a:off x="990600" y="3105150"/>
-            <a:ext cx="7381875" cy="933450"/>
-          </a:xfrm>
-          <a:prstGeom prst="rect">
-            <a:avLst/>
-          </a:prstGeom>
-        </p:spPr>
-      </p:pic>
-      <p:pic>
-        <p:nvPicPr>
-          <p:cNvPr id="2052" name="Picture 4" descr="Creating your first Aurelia app: From authentication to calling an API"/>
-          <p:cNvPicPr>
-            <a:picLocks noChangeAspect="1" noChangeArrowheads="1"/>
-          </p:cNvPicPr>
-          <p:nvPr/>
-        </p:nvPicPr>
-        <p:blipFill>
-          <a:blip r:embed="rId3">
-            <a:extLst>
-              <a:ext uri="{28A0092B-C50C-407E-A947-70E740481C1C}">
-                <a14:useLocalDpi xmlns:a14="http://schemas.microsoft.com/office/drawing/2010/main" val="0"/>
-              </a:ext>
-            </a:extLst>
-          </a:blip>
-          <a:srcRect/>
-          <a:stretch>
-            <a:fillRect/>
-          </a:stretch>
-        </p:blipFill>
-        <p:spPr bwMode="auto">
-          <a:xfrm>
-            <a:off x="990600" y="1352550"/>
-            <a:ext cx="1447800" cy="1447800"/>
-          </a:xfrm>
-          <a:prstGeom prst="rect">
-            <a:avLst/>
-          </a:prstGeom>
-          <a:noFill/>
-          <a:extLst>
-            <a:ext uri="{909E8E84-426E-40DD-AFC4-6F175D3DCCD1}">
-              <a14:hiddenFill xmlns:a14="http://schemas.microsoft.com/office/drawing/2010/main">
-                <a:solidFill>
-                  <a:srgbClr val="FFFFFF"/>
-                </a:solidFill>
-              </a14:hiddenFill>
-            </a:ext>
-          </a:extLst>
-        </p:spPr>
-      </p:pic>
-    </p:spTree>
-    <p:extLst>
-      <p:ext uri="{BB962C8B-B14F-4D97-AF65-F5344CB8AC3E}">
-        <p14:creationId xmlns:p14="http://schemas.microsoft.com/office/powerpoint/2010/main" val="2690354732"/>
-      </p:ext>
-    </p:extLst>
-  </p:cSld>
-  <p:clrMapOvr>
-    <a:masterClrMapping/>
-  </p:clrMapOvr>
-  <p:transition>
-    <p:fade/>
-  </p:transition>
-  <p:timing>
-    <p:tnLst>
-      <p:par>
-        <p:cTn id="1" dur="indefinite" restart="never" nodeType="tmRoot"/>
-      </p:par>
-    </p:tnLst>
-  </p:timing>
-</p:sld>
-</file>
-
-<file path=ppt/slides/slide20.xml><?xml version="1.0" encoding="utf-8"?>
+<file path=ppt/slides/slide22.xml><?xml version="1.0" encoding="utf-8"?>
 <p:sld xmlns:a="http://schemas.openxmlformats.org/drawingml/2006/main" xmlns:r="http://schemas.openxmlformats.org/officeDocument/2006/relationships" xmlns:p="http://schemas.openxmlformats.org/presentationml/2006/main">
   <p:cSld>
     <p:spTree>
@@ -4931,7 +9821,7 @@
 </p:sld>
 </file>
 
-<file path=ppt/slides/slide21.xml><?xml version="1.0" encoding="utf-8"?>
+<file path=ppt/slides/slide23.xml><?xml version="1.0" encoding="utf-8"?>
 <p:sld xmlns:a="http://schemas.openxmlformats.org/drawingml/2006/main" xmlns:r="http://schemas.openxmlformats.org/officeDocument/2006/relationships" xmlns:p="http://schemas.openxmlformats.org/presentationml/2006/main">
   <p:cSld>
     <p:spTree>
@@ -5115,7 +10005,7 @@
 </p:sld>
 </file>
 
-<file path=ppt/slides/slide22.xml><?xml version="1.0" encoding="utf-8"?>
+<file path=ppt/slides/slide24.xml><?xml version="1.0" encoding="utf-8"?>
 <p:sld xmlns:a="http://schemas.openxmlformats.org/drawingml/2006/main" xmlns:r="http://schemas.openxmlformats.org/officeDocument/2006/relationships" xmlns:p="http://schemas.openxmlformats.org/presentationml/2006/main">
   <p:cSld>
     <p:spTree>
@@ -5245,7 +10135,7 @@
 </p:sld>
 </file>
 
-<file path=ppt/slides/slide23.xml><?xml version="1.0" encoding="utf-8"?>
+<file path=ppt/slides/slide25.xml><?xml version="1.0" encoding="utf-8"?>
 <p:sld xmlns:a="http://schemas.openxmlformats.org/drawingml/2006/main" xmlns:r="http://schemas.openxmlformats.org/officeDocument/2006/relationships" xmlns:p="http://schemas.openxmlformats.org/presentationml/2006/main">
   <p:cSld>
     <p:spTree>
@@ -5403,7 +10293,7 @@
 </p:sld>
 </file>
 
-<file path=ppt/slides/slide24.xml><?xml version="1.0" encoding="utf-8"?>
+<file path=ppt/slides/slide26.xml><?xml version="1.0" encoding="utf-8"?>
 <p:sld xmlns:a="http://schemas.openxmlformats.org/drawingml/2006/main" xmlns:r="http://schemas.openxmlformats.org/officeDocument/2006/relationships" xmlns:p="http://schemas.openxmlformats.org/presentationml/2006/main">
   <p:cSld>
     <p:spTree>
@@ -5519,7 +10409,7 @@
 </p:sld>
 </file>
 
-<file path=ppt/slides/slide25.xml><?xml version="1.0" encoding="utf-8"?>
+<file path=ppt/slides/slide27.xml><?xml version="1.0" encoding="utf-8"?>
 <p:sld xmlns:a="http://schemas.openxmlformats.org/drawingml/2006/main" xmlns:r="http://schemas.openxmlformats.org/officeDocument/2006/relationships" xmlns:p="http://schemas.openxmlformats.org/presentationml/2006/main">
   <p:cSld>
     <p:spTree>
@@ -5639,7 +10529,7 @@
 </p:sld>
 </file>
 
-<file path=ppt/slides/slide26.xml><?xml version="1.0" encoding="utf-8"?>
+<file path=ppt/slides/slide28.xml><?xml version="1.0" encoding="utf-8"?>
 <p:sld xmlns:a="http://schemas.openxmlformats.org/drawingml/2006/main" xmlns:r="http://schemas.openxmlformats.org/officeDocument/2006/relationships" xmlns:p="http://schemas.openxmlformats.org/presentationml/2006/main">
   <p:cSld>
     <p:spTree>
@@ -5673,7 +10563,7 @@
           <a:p>
             <a:r>
               <a:rPr lang="en-US" dirty="0" smtClean="0"/>
-              <a:t>Summary</a:t>
+              <a:t>Next</a:t>
             </a:r>
             <a:endParaRPr lang="en-US" dirty="0"/>
           </a:p>
@@ -5696,13 +10586,8 @@
           <a:p>
             <a:r>
               <a:rPr lang="en-US" dirty="0" smtClean="0"/>
-              <a:t>Aurelia </a:t>
-            </a:r>
-            <a:r>
-              <a:rPr lang="en-US" dirty="0" smtClean="0"/>
-              <a:t>– the beta almost ready!</a:t>
-            </a:r>
-            <a:endParaRPr lang="en-US" dirty="0" smtClean="0"/>
+              <a:t>Aurelia – the beta almost ready!</a:t>
+            </a:r>
           </a:p>
           <a:p>
             <a:r>
@@ -5728,33 +10613,211 @@
             </a:r>
             <a:endParaRPr lang="en-US" dirty="0" smtClean="0"/>
           </a:p>
-          <a:p>
-            <a:r>
-              <a:rPr lang="en-US" dirty="0" smtClean="0"/>
-              <a:t>Me: </a:t>
-            </a:r>
-            <a:r>
-              <a:rPr lang="en-US" dirty="0" smtClean="0">
-                <a:hlinkClick r:id="rId4"/>
-              </a:rPr>
-              <a:t>scott@OdeToCode.com</a:t>
-            </a:r>
-            <a:r>
-              <a:rPr lang="en-US" dirty="0" smtClean="0"/>
-              <a:t> or @</a:t>
-            </a:r>
-            <a:r>
-              <a:rPr lang="en-US" dirty="0" err="1" smtClean="0"/>
-              <a:t>OdeToCode</a:t>
-            </a:r>
-            <a:endParaRPr lang="en-US" dirty="0" smtClean="0"/>
-          </a:p>
         </p:txBody>
       </p:sp>
     </p:spTree>
     <p:extLst>
       <p:ext uri="{BB962C8B-B14F-4D97-AF65-F5344CB8AC3E}">
         <p14:creationId xmlns:p14="http://schemas.microsoft.com/office/powerpoint/2010/main" val="1753673426"/>
+      </p:ext>
+    </p:extLst>
+  </p:cSld>
+  <p:clrMapOvr>
+    <a:masterClrMapping/>
+  </p:clrMapOvr>
+  <p:transition>
+    <p:fade/>
+  </p:transition>
+  <p:timing>
+    <p:tnLst>
+      <p:par>
+        <p:cTn id="1" dur="indefinite" restart="never" nodeType="tmRoot"/>
+      </p:par>
+    </p:tnLst>
+  </p:timing>
+</p:sld>
+</file>
+
+<file path=ppt/slides/slide29.xml><?xml version="1.0" encoding="utf-8"?>
+<p:sld xmlns:a="http://schemas.openxmlformats.org/drawingml/2006/main" xmlns:r="http://schemas.openxmlformats.org/officeDocument/2006/relationships" xmlns:p="http://schemas.openxmlformats.org/presentationml/2006/main">
+  <p:cSld>
+    <p:spTree>
+      <p:nvGrpSpPr>
+        <p:cNvPr id="1" name=""/>
+        <p:cNvGrpSpPr/>
+        <p:nvPr/>
+      </p:nvGrpSpPr>
+      <p:grpSpPr>
+        <a:xfrm>
+          <a:off x="0" y="0"/>
+          <a:ext cx="0" cy="0"/>
+          <a:chOff x="0" y="0"/>
+          <a:chExt cx="0" cy="0"/>
+        </a:xfrm>
+      </p:grpSpPr>
+      <p:sp>
+        <p:nvSpPr>
+          <p:cNvPr id="5" name="Text Placeholder 4"/>
+          <p:cNvSpPr>
+            <a:spLocks noGrp="1"/>
+          </p:cNvSpPr>
+          <p:nvPr>
+            <p:ph type="body" sz="quarter" idx="10"/>
+          </p:nvPr>
+        </p:nvSpPr>
+        <p:spPr>
+          <a:xfrm>
+            <a:off x="4852134" y="3055458"/>
+            <a:ext cx="4089936" cy="2289409"/>
+          </a:xfrm>
+        </p:spPr>
+        <p:txBody>
+          <a:bodyPr/>
+          <a:lstStyle/>
+          <a:p>
+            <a:r>
+              <a:rPr lang="en-US" dirty="0" smtClean="0"/>
+              <a:t>My </a:t>
+            </a:r>
+            <a:r>
+              <a:rPr lang="en-US" dirty="0"/>
+              <a:t>Connect</a:t>
+            </a:r>
+          </a:p>
+          <a:p>
+            <a:pPr lvl="1"/>
+            <a:r>
+              <a:rPr lang="en-US" dirty="0"/>
+              <a:t>On the page for this session, you’ll find</a:t>
+            </a:r>
+          </a:p>
+          <a:p>
+            <a:pPr marL="252101" lvl="1" indent="-252101">
+              <a:buFont typeface="Arial" panose="020B0604020202020204" pitchFamily="34" charset="0"/>
+              <a:buChar char="•"/>
+            </a:pPr>
+            <a:r>
+              <a:rPr lang="en-US" dirty="0"/>
+              <a:t>Ask a question to the speaker(s)</a:t>
+            </a:r>
+          </a:p>
+          <a:p>
+            <a:pPr marL="252101" lvl="1" indent="-252101">
+              <a:buFont typeface="Arial" panose="020B0604020202020204" pitchFamily="34" charset="0"/>
+              <a:buChar char="•"/>
+            </a:pPr>
+            <a:r>
+              <a:rPr lang="en-US" dirty="0"/>
+              <a:t>Slides</a:t>
+            </a:r>
+          </a:p>
+          <a:p>
+            <a:pPr marL="252101" lvl="1" indent="-252101">
+              <a:buFont typeface="Arial" panose="020B0604020202020204" pitchFamily="34" charset="0"/>
+              <a:buChar char="•"/>
+            </a:pPr>
+            <a:r>
+              <a:rPr lang="en-US" dirty="0"/>
+              <a:t>Resources</a:t>
+            </a:r>
+          </a:p>
+          <a:p>
+            <a:pPr marL="252101" lvl="1" indent="-252101">
+              <a:buFont typeface="Arial" panose="020B0604020202020204" pitchFamily="34" charset="0"/>
+              <a:buChar char="•"/>
+            </a:pPr>
+            <a:r>
+              <a:rPr lang="en-US" dirty="0" smtClean="0"/>
+              <a:t>Feedback form</a:t>
+            </a:r>
+            <a:endParaRPr lang="en-US" dirty="0"/>
+          </a:p>
+        </p:txBody>
+      </p:sp>
+      <p:sp>
+        <p:nvSpPr>
+          <p:cNvPr id="6" name="Text Placeholder 5"/>
+          <p:cNvSpPr>
+            <a:spLocks noGrp="1"/>
+          </p:cNvSpPr>
+          <p:nvPr>
+            <p:ph type="body" sz="quarter" idx="11"/>
+          </p:nvPr>
+        </p:nvSpPr>
+        <p:spPr>
+          <a:xfrm>
+            <a:off x="201930" y="3055457"/>
+            <a:ext cx="4033911" cy="1630831"/>
+          </a:xfrm>
+        </p:spPr>
+        <p:txBody>
+          <a:bodyPr/>
+          <a:lstStyle/>
+          <a:p>
+            <a:r>
+              <a:rPr lang="en-US" dirty="0"/>
+              <a:t>Connect with me</a:t>
+            </a:r>
+          </a:p>
+          <a:p>
+            <a:pPr lvl="1"/>
+            <a:r>
+              <a:rPr lang="en-US" dirty="0" smtClean="0"/>
+              <a:t>@</a:t>
+            </a:r>
+            <a:r>
+              <a:rPr lang="en-US" dirty="0" err="1" smtClean="0"/>
+              <a:t>OdeToCode</a:t>
+            </a:r>
+            <a:endParaRPr lang="en-US" dirty="0" smtClean="0"/>
+          </a:p>
+          <a:p>
+            <a:pPr lvl="1"/>
+            <a:r>
+              <a:rPr lang="en-US" dirty="0" smtClean="0"/>
+              <a:t>scott@OdeToCode.com</a:t>
+            </a:r>
+            <a:endParaRPr lang="en-US" dirty="0"/>
+          </a:p>
+          <a:p>
+            <a:endParaRPr lang="en-US" dirty="0"/>
+          </a:p>
+        </p:txBody>
+      </p:sp>
+      <p:pic>
+        <p:nvPicPr>
+          <p:cNvPr id="8" name="Picture 7"/>
+          <p:cNvPicPr>
+            <a:picLocks noChangeAspect="1"/>
+          </p:cNvPicPr>
+          <p:nvPr/>
+        </p:nvPicPr>
+        <p:blipFill>
+          <a:blip r:embed="rId2">
+            <a:extLst>
+              <a:ext uri="{28A0092B-C50C-407E-A947-70E740481C1C}">
+                <a14:useLocalDpi xmlns:a14="http://schemas.microsoft.com/office/drawing/2010/main" val="0"/>
+              </a:ext>
+            </a:extLst>
+          </a:blip>
+          <a:stretch>
+            <a:fillRect/>
+          </a:stretch>
+        </p:blipFill>
+        <p:spPr>
+          <a:xfrm>
+            <a:off x="3920" y="195"/>
+            <a:ext cx="9144000" cy="2468282"/>
+          </a:xfrm>
+          <a:prstGeom prst="rect">
+            <a:avLst/>
+          </a:prstGeom>
+        </p:spPr>
+      </p:pic>
+    </p:spTree>
+    <p:extLst>
+      <p:ext uri="{BB962C8B-B14F-4D97-AF65-F5344CB8AC3E}">
+        <p14:creationId xmlns:p14="http://schemas.microsoft.com/office/powerpoint/2010/main" val="1622334606"/>
       </p:ext>
     </p:extLst>
   </p:cSld>
@@ -5793,6 +10856,261 @@
       </p:grpSpPr>
       <p:sp>
         <p:nvSpPr>
+          <p:cNvPr id="4" name="Title 3"/>
+          <p:cNvSpPr>
+            <a:spLocks noGrp="1"/>
+          </p:cNvSpPr>
+          <p:nvPr>
+            <p:ph type="ctrTitle"/>
+          </p:nvPr>
+        </p:nvSpPr>
+        <p:spPr>
+          <a:xfrm>
+            <a:off x="201697" y="2820622"/>
+            <a:ext cx="6387260" cy="1302952"/>
+          </a:xfrm>
+        </p:spPr>
+        <p:txBody>
+          <a:bodyPr/>
+          <a:lstStyle/>
+          <a:p>
+            <a:r>
+              <a:rPr lang="en-US" dirty="0" smtClean="0"/>
+              <a:t>Thank You Sponsors!</a:t>
+            </a:r>
+            <a:br>
+              <a:rPr lang="en-US" dirty="0" smtClean="0"/>
+            </a:br>
+            <a:endParaRPr lang="en-US" dirty="0"/>
+          </a:p>
+        </p:txBody>
+      </p:sp>
+      <p:pic>
+        <p:nvPicPr>
+          <p:cNvPr id="10" name="Picture 9"/>
+          <p:cNvPicPr>
+            <a:picLocks noChangeAspect="1"/>
+          </p:cNvPicPr>
+          <p:nvPr userDrawn="1"/>
+        </p:nvPicPr>
+        <p:blipFill>
+          <a:blip r:embed="rId3" cstate="print">
+            <a:extLst>
+              <a:ext uri="{28A0092B-C50C-407E-A947-70E740481C1C}">
+                <a14:useLocalDpi xmlns:a14="http://schemas.microsoft.com/office/drawing/2010/main" val="0"/>
+              </a:ext>
+            </a:extLst>
+          </a:blip>
+          <a:stretch>
+            <a:fillRect/>
+          </a:stretch>
+        </p:blipFill>
+        <p:spPr>
+          <a:xfrm>
+            <a:off x="6553867" y="3530245"/>
+            <a:ext cx="344946" cy="344946"/>
+          </a:xfrm>
+          <a:prstGeom prst="rect">
+            <a:avLst/>
+          </a:prstGeom>
+          <a:noFill/>
+          <a:ln>
+            <a:noFill/>
+          </a:ln>
+        </p:spPr>
+      </p:pic>
+      <p:pic>
+        <p:nvPicPr>
+          <p:cNvPr id="12" name="Picture 11"/>
+          <p:cNvPicPr>
+            <a:picLocks noChangeAspect="1"/>
+          </p:cNvPicPr>
+          <p:nvPr/>
+        </p:nvPicPr>
+        <p:blipFill>
+          <a:blip r:embed="rId4">
+            <a:extLst>
+              <a:ext uri="{28A0092B-C50C-407E-A947-70E740481C1C}">
+                <a14:useLocalDpi xmlns:a14="http://schemas.microsoft.com/office/drawing/2010/main" val="0"/>
+              </a:ext>
+            </a:extLst>
+          </a:blip>
+          <a:stretch>
+            <a:fillRect/>
+          </a:stretch>
+        </p:blipFill>
+        <p:spPr>
+          <a:xfrm>
+            <a:off x="3920" y="195"/>
+            <a:ext cx="9144000" cy="2468282"/>
+          </a:xfrm>
+          <a:prstGeom prst="rect">
+            <a:avLst/>
+          </a:prstGeom>
+        </p:spPr>
+      </p:pic>
+      <p:pic>
+        <p:nvPicPr>
+          <p:cNvPr id="2" name="Picture 1"/>
+          <p:cNvPicPr>
+            <a:picLocks noChangeAspect="1"/>
+          </p:cNvPicPr>
+          <p:nvPr/>
+        </p:nvPicPr>
+        <p:blipFill>
+          <a:blip r:embed="rId5">
+            <a:extLst>
+              <a:ext uri="{28A0092B-C50C-407E-A947-70E740481C1C}">
+                <a14:useLocalDpi xmlns:a14="http://schemas.microsoft.com/office/drawing/2010/main" val="0"/>
+              </a:ext>
+            </a:extLst>
+          </a:blip>
+          <a:stretch>
+            <a:fillRect/>
+          </a:stretch>
+        </p:blipFill>
+        <p:spPr>
+          <a:xfrm>
+            <a:off x="880274" y="4604820"/>
+            <a:ext cx="2801566" cy="1400783"/>
+          </a:xfrm>
+          <a:prstGeom prst="rect">
+            <a:avLst/>
+          </a:prstGeom>
+        </p:spPr>
+      </p:pic>
+      <p:pic>
+        <p:nvPicPr>
+          <p:cNvPr id="5" name="Picture 4"/>
+          <p:cNvPicPr>
+            <a:picLocks noChangeAspect="1"/>
+          </p:cNvPicPr>
+          <p:nvPr/>
+        </p:nvPicPr>
+        <p:blipFill>
+          <a:blip r:embed="rId6">
+            <a:extLst>
+              <a:ext uri="{28A0092B-C50C-407E-A947-70E740481C1C}">
+                <a14:useLocalDpi xmlns:a14="http://schemas.microsoft.com/office/drawing/2010/main" val="0"/>
+              </a:ext>
+            </a:extLst>
+          </a:blip>
+          <a:stretch>
+            <a:fillRect/>
+          </a:stretch>
+        </p:blipFill>
+        <p:spPr>
+          <a:xfrm>
+            <a:off x="880275" y="3835760"/>
+            <a:ext cx="2587140" cy="700490"/>
+          </a:xfrm>
+          <a:prstGeom prst="rect">
+            <a:avLst/>
+          </a:prstGeom>
+        </p:spPr>
+      </p:pic>
+      <p:pic>
+        <p:nvPicPr>
+          <p:cNvPr id="7" name="Picture 6"/>
+          <p:cNvPicPr>
+            <a:picLocks noChangeAspect="1"/>
+          </p:cNvPicPr>
+          <p:nvPr/>
+        </p:nvPicPr>
+        <p:blipFill>
+          <a:blip r:embed="rId7">
+            <a:extLst>
+              <a:ext uri="{28A0092B-C50C-407E-A947-70E740481C1C}">
+                <a14:useLocalDpi xmlns:a14="http://schemas.microsoft.com/office/drawing/2010/main" val="0"/>
+              </a:ext>
+            </a:extLst>
+          </a:blip>
+          <a:stretch>
+            <a:fillRect/>
+          </a:stretch>
+        </p:blipFill>
+        <p:spPr>
+          <a:xfrm>
+            <a:off x="5206241" y="3469979"/>
+            <a:ext cx="2801566" cy="1055257"/>
+          </a:xfrm>
+          <a:prstGeom prst="rect">
+            <a:avLst/>
+          </a:prstGeom>
+        </p:spPr>
+      </p:pic>
+      <p:pic>
+        <p:nvPicPr>
+          <p:cNvPr id="13" name="Picture 12"/>
+          <p:cNvPicPr>
+            <a:picLocks noChangeAspect="1"/>
+          </p:cNvPicPr>
+          <p:nvPr/>
+        </p:nvPicPr>
+        <p:blipFill>
+          <a:blip r:embed="rId8">
+            <a:extLst>
+              <a:ext uri="{28A0092B-C50C-407E-A947-70E740481C1C}">
+                <a14:useLocalDpi xmlns:a14="http://schemas.microsoft.com/office/drawing/2010/main" val="0"/>
+              </a:ext>
+            </a:extLst>
+          </a:blip>
+          <a:stretch>
+            <a:fillRect/>
+          </a:stretch>
+        </p:blipFill>
+        <p:spPr>
+          <a:xfrm>
+            <a:off x="5325361" y="4791520"/>
+            <a:ext cx="2801957" cy="1027384"/>
+          </a:xfrm>
+          <a:prstGeom prst="rect">
+            <a:avLst/>
+          </a:prstGeom>
+        </p:spPr>
+      </p:pic>
+    </p:spTree>
+    <p:extLst>
+      <p:ext uri="{BB962C8B-B14F-4D97-AF65-F5344CB8AC3E}">
+        <p14:creationId xmlns:p14="http://schemas.microsoft.com/office/powerpoint/2010/main" val="2093482334"/>
+      </p:ext>
+    </p:extLst>
+  </p:cSld>
+  <p:clrMapOvr>
+    <a:masterClrMapping/>
+  </p:clrMapOvr>
+  <p:transition advTm="10000">
+    <p:fade/>
+  </p:transition>
+  <p:timing>
+    <p:tnLst>
+      <p:par>
+        <p:cTn id="1" dur="indefinite" restart="never" nodeType="tmRoot"/>
+      </p:par>
+    </p:tnLst>
+  </p:timing>
+</p:sld>
+</file>
+
+<file path=ppt/slides/slide4.xml><?xml version="1.0" encoding="utf-8"?>
+<p:sld xmlns:a="http://schemas.openxmlformats.org/drawingml/2006/main" xmlns:r="http://schemas.openxmlformats.org/officeDocument/2006/relationships" xmlns:p="http://schemas.openxmlformats.org/presentationml/2006/main">
+  <p:cSld>
+    <p:spTree>
+      <p:nvGrpSpPr>
+        <p:cNvPr id="1" name=""/>
+        <p:cNvGrpSpPr/>
+        <p:nvPr/>
+      </p:nvGrpSpPr>
+      <p:grpSpPr>
+        <a:xfrm>
+          <a:off x="0" y="0"/>
+          <a:ext cx="0" cy="0"/>
+          <a:chOff x="0" y="0"/>
+          <a:chExt cx="0" cy="0"/>
+        </a:xfrm>
+      </p:grpSpPr>
+      <p:sp>
+        <p:nvSpPr>
           <p:cNvPr id="2" name="Title 1"/>
           <p:cNvSpPr>
             <a:spLocks noGrp="1"/>
@@ -5806,6 +11124,130 @@
           <a:bodyPr/>
           <a:lstStyle/>
           <a:p>
+            <a:endParaRPr lang="en-US"/>
+          </a:p>
+        </p:txBody>
+      </p:sp>
+      <p:pic>
+        <p:nvPicPr>
+          <p:cNvPr id="5" name="Picture 4"/>
+          <p:cNvPicPr>
+            <a:picLocks noChangeAspect="1"/>
+          </p:cNvPicPr>
+          <p:nvPr/>
+        </p:nvPicPr>
+        <p:blipFill>
+          <a:blip r:embed="rId2"/>
+          <a:stretch>
+            <a:fillRect/>
+          </a:stretch>
+        </p:blipFill>
+        <p:spPr>
+          <a:xfrm>
+            <a:off x="990600" y="3105150"/>
+            <a:ext cx="7381875" cy="933450"/>
+          </a:xfrm>
+          <a:prstGeom prst="rect">
+            <a:avLst/>
+          </a:prstGeom>
+        </p:spPr>
+      </p:pic>
+      <p:pic>
+        <p:nvPicPr>
+          <p:cNvPr id="2052" name="Picture 4" descr="Creating your first Aurelia app: From authentication to calling an API"/>
+          <p:cNvPicPr>
+            <a:picLocks noChangeAspect="1" noChangeArrowheads="1"/>
+          </p:cNvPicPr>
+          <p:nvPr/>
+        </p:nvPicPr>
+        <p:blipFill>
+          <a:blip r:embed="rId3">
+            <a:extLst>
+              <a:ext uri="{28A0092B-C50C-407E-A947-70E740481C1C}">
+                <a14:useLocalDpi xmlns:a14="http://schemas.microsoft.com/office/drawing/2010/main" val="0"/>
+              </a:ext>
+            </a:extLst>
+          </a:blip>
+          <a:srcRect/>
+          <a:stretch>
+            <a:fillRect/>
+          </a:stretch>
+        </p:blipFill>
+        <p:spPr bwMode="auto">
+          <a:xfrm>
+            <a:off x="990600" y="1352550"/>
+            <a:ext cx="1447800" cy="1447800"/>
+          </a:xfrm>
+          <a:prstGeom prst="rect">
+            <a:avLst/>
+          </a:prstGeom>
+          <a:noFill/>
+          <a:extLst>
+            <a:ext uri="{909E8E84-426E-40DD-AFC4-6F175D3DCCD1}">
+              <a14:hiddenFill xmlns:a14="http://schemas.microsoft.com/office/drawing/2010/main">
+                <a:solidFill>
+                  <a:srgbClr val="FFFFFF"/>
+                </a:solidFill>
+              </a14:hiddenFill>
+            </a:ext>
+          </a:extLst>
+        </p:spPr>
+      </p:pic>
+    </p:spTree>
+    <p:extLst>
+      <p:ext uri="{BB962C8B-B14F-4D97-AF65-F5344CB8AC3E}">
+        <p14:creationId xmlns:p14="http://schemas.microsoft.com/office/powerpoint/2010/main" val="2690354732"/>
+      </p:ext>
+    </p:extLst>
+  </p:cSld>
+  <p:clrMapOvr>
+    <a:masterClrMapping/>
+  </p:clrMapOvr>
+  <p:transition>
+    <p:fade/>
+  </p:transition>
+  <p:timing>
+    <p:tnLst>
+      <p:par>
+        <p:cTn id="1" dur="indefinite" restart="never" nodeType="tmRoot"/>
+      </p:par>
+    </p:tnLst>
+  </p:timing>
+</p:sld>
+</file>
+
+<file path=ppt/slides/slide5.xml><?xml version="1.0" encoding="utf-8"?>
+<p:sld xmlns:a="http://schemas.openxmlformats.org/drawingml/2006/main" xmlns:r="http://schemas.openxmlformats.org/officeDocument/2006/relationships" xmlns:p="http://schemas.openxmlformats.org/presentationml/2006/main">
+  <p:cSld>
+    <p:spTree>
+      <p:nvGrpSpPr>
+        <p:cNvPr id="1" name=""/>
+        <p:cNvGrpSpPr/>
+        <p:nvPr/>
+      </p:nvGrpSpPr>
+      <p:grpSpPr>
+        <a:xfrm>
+          <a:off x="0" y="0"/>
+          <a:ext cx="0" cy="0"/>
+          <a:chOff x="0" y="0"/>
+          <a:chExt cx="0" cy="0"/>
+        </a:xfrm>
+      </p:grpSpPr>
+      <p:sp>
+        <p:nvSpPr>
+          <p:cNvPr id="2" name="Title 1"/>
+          <p:cNvSpPr>
+            <a:spLocks noGrp="1"/>
+          </p:cNvSpPr>
+          <p:nvPr>
+            <p:ph type="title"/>
+          </p:nvPr>
+        </p:nvSpPr>
+        <p:spPr/>
+        <p:txBody>
+          <a:bodyPr/>
+          <a:lstStyle/>
+          <a:p>
             <a:r>
               <a:rPr lang="en-US" dirty="0" smtClean="0"/>
               <a:t>Next Gen</a:t>
@@ -5831,22 +11273,13 @@
           <a:p>
             <a:r>
               <a:rPr lang="en-US" dirty="0" smtClean="0"/>
-              <a:t>Written with </a:t>
-            </a:r>
+              <a:t>Written with ES 2015 &amp; 2016</a:t>
+            </a:r>
+          </a:p>
+          <a:p>
             <a:r>
               <a:rPr lang="en-US" dirty="0" smtClean="0"/>
-              <a:t>ES 2015 &amp; 2016</a:t>
-            </a:r>
-            <a:endParaRPr lang="en-US" dirty="0" smtClean="0"/>
-          </a:p>
-          <a:p>
-            <a:r>
-              <a:rPr lang="en-US" dirty="0" smtClean="0"/>
-              <a:t>Integration with </a:t>
-            </a:r>
-            <a:r>
-              <a:rPr lang="en-US" dirty="0" smtClean="0"/>
-              <a:t>future standards</a:t>
+              <a:t>Integration with future standards</a:t>
             </a:r>
             <a:endParaRPr lang="en-US" dirty="0"/>
           </a:p>
@@ -5966,7 +11399,7 @@
 </p:sld>
 </file>
 
-<file path=ppt/slides/slide4.xml><?xml version="1.0" encoding="utf-8"?>
+<file path=ppt/slides/slide6.xml><?xml version="1.0" encoding="utf-8"?>
 <p:sld xmlns:a="http://schemas.openxmlformats.org/drawingml/2006/main" xmlns:r="http://schemas.openxmlformats.org/officeDocument/2006/relationships" xmlns:p="http://schemas.openxmlformats.org/presentationml/2006/main">
   <p:cSld>
     <p:spTree>
@@ -6575,7 +12008,7 @@
 </p:sld>
 </file>
 
-<file path=ppt/slides/slide5.xml><?xml version="1.0" encoding="utf-8"?>
+<file path=ppt/slides/slide7.xml><?xml version="1.0" encoding="utf-8"?>
 <p:sld xmlns:a="http://schemas.openxmlformats.org/drawingml/2006/main" xmlns:r="http://schemas.openxmlformats.org/officeDocument/2006/relationships" xmlns:p="http://schemas.openxmlformats.org/presentationml/2006/main">
   <p:cSld>
     <p:spTree>
@@ -6821,7 +12254,7 @@
 </p:sld>
 </file>
 
-<file path=ppt/slides/slide6.xml><?xml version="1.0" encoding="utf-8"?>
+<file path=ppt/slides/slide8.xml><?xml version="1.0" encoding="utf-8"?>
 <p:sld xmlns:a="http://schemas.openxmlformats.org/drawingml/2006/main" xmlns:r="http://schemas.openxmlformats.org/officeDocument/2006/relationships" xmlns:p="http://schemas.openxmlformats.org/presentationml/2006/main">
   <p:cSld>
     <p:spTree>
@@ -7034,7 +12467,7 @@
 </p:sld>
 </file>
 
-<file path=ppt/slides/slide7.xml><?xml version="1.0" encoding="utf-8"?>
+<file path=ppt/slides/slide9.xml><?xml version="1.0" encoding="utf-8"?>
 <p:sld xmlns:a="http://schemas.openxmlformats.org/drawingml/2006/main" xmlns:r="http://schemas.openxmlformats.org/officeDocument/2006/relationships" xmlns:p="http://schemas.openxmlformats.org/presentationml/2006/main">
   <p:cSld>
     <p:spTree>
@@ -7378,283 +12811,6 @@
     <p:extLst>
       <p:ext uri="{BB962C8B-B14F-4D97-AF65-F5344CB8AC3E}">
         <p14:creationId xmlns:p14="http://schemas.microsoft.com/office/powerpoint/2010/main" val="2352040579"/>
-      </p:ext>
-    </p:extLst>
-  </p:cSld>
-  <p:clrMapOvr>
-    <a:masterClrMapping/>
-  </p:clrMapOvr>
-  <p:transition>
-    <p:fade/>
-  </p:transition>
-  <p:timing>
-    <p:tnLst>
-      <p:par>
-        <p:cTn id="1" dur="indefinite" restart="never" nodeType="tmRoot"/>
-      </p:par>
-    </p:tnLst>
-  </p:timing>
-</p:sld>
-</file>
-
-<file path=ppt/slides/slide8.xml><?xml version="1.0" encoding="utf-8"?>
-<p:sld xmlns:a="http://schemas.openxmlformats.org/drawingml/2006/main" xmlns:r="http://schemas.openxmlformats.org/officeDocument/2006/relationships" xmlns:p="http://schemas.openxmlformats.org/presentationml/2006/main">
-  <p:cSld>
-    <p:spTree>
-      <p:nvGrpSpPr>
-        <p:cNvPr id="1" name=""/>
-        <p:cNvGrpSpPr/>
-        <p:nvPr/>
-      </p:nvGrpSpPr>
-      <p:grpSpPr>
-        <a:xfrm>
-          <a:off x="0" y="0"/>
-          <a:ext cx="0" cy="0"/>
-          <a:chOff x="0" y="0"/>
-          <a:chExt cx="0" cy="0"/>
-        </a:xfrm>
-      </p:grpSpPr>
-      <p:sp>
-        <p:nvSpPr>
-          <p:cNvPr id="3" name="Text Placeholder 2"/>
-          <p:cNvSpPr>
-            <a:spLocks noGrp="1"/>
-          </p:cNvSpPr>
-          <p:nvPr>
-            <p:ph type="body" idx="1"/>
-          </p:nvPr>
-        </p:nvSpPr>
-        <p:spPr/>
-        <p:txBody>
-          <a:bodyPr/>
-          <a:lstStyle/>
-          <a:p>
-            <a:r>
-              <a:rPr lang="en-US" dirty="0" smtClean="0"/>
-              <a:t>More than a package manager</a:t>
-            </a:r>
-          </a:p>
-          <a:p>
-            <a:r>
-              <a:rPr lang="en-US" dirty="0" smtClean="0"/>
-              <a:t>Also includes a runtime</a:t>
-            </a:r>
-          </a:p>
-          <a:p>
-            <a:pPr lvl="1"/>
-            <a:r>
-              <a:rPr lang="en-US" dirty="0" smtClean="0"/>
-              <a:t>System API </a:t>
-            </a:r>
-            <a:r>
-              <a:rPr lang="en-US" dirty="0" err="1" smtClean="0"/>
-              <a:t>polyfill</a:t>
-            </a:r>
-            <a:endParaRPr lang="en-US" dirty="0" smtClean="0"/>
-          </a:p>
-          <a:p>
-            <a:pPr lvl="1"/>
-            <a:r>
-              <a:rPr lang="en-US" dirty="0" smtClean="0"/>
-              <a:t>ES6 module loader</a:t>
-            </a:r>
-          </a:p>
-          <a:p>
-            <a:pPr lvl="1"/>
-            <a:r>
-              <a:rPr lang="en-US" dirty="0" smtClean="0"/>
-              <a:t>Runtime configuration</a:t>
-            </a:r>
-            <a:endParaRPr lang="en-US" dirty="0"/>
-          </a:p>
-        </p:txBody>
-      </p:sp>
-      <p:sp>
-        <p:nvSpPr>
-          <p:cNvPr id="5" name="Title 4"/>
-          <p:cNvSpPr>
-            <a:spLocks noGrp="1"/>
-          </p:cNvSpPr>
-          <p:nvPr>
-            <p:ph type="title"/>
-          </p:nvPr>
-        </p:nvSpPr>
-        <p:spPr/>
-        <p:txBody>
-          <a:bodyPr/>
-          <a:lstStyle/>
-          <a:p>
-            <a:r>
-              <a:rPr lang="en-US" dirty="0" smtClean="0"/>
-              <a:t>Install JSPM</a:t>
-            </a:r>
-            <a:endParaRPr lang="en-US" dirty="0"/>
-          </a:p>
-        </p:txBody>
-      </p:sp>
-      <p:pic>
-        <p:nvPicPr>
-          <p:cNvPr id="1032" name="Picture 8" descr="https://s3.amazonaws.com/dailyjs/images/posts/jspmio.png"/>
-          <p:cNvPicPr>
-            <a:picLocks noChangeAspect="1" noChangeArrowheads="1"/>
-          </p:cNvPicPr>
-          <p:nvPr/>
-        </p:nvPicPr>
-        <p:blipFill>
-          <a:blip r:embed="rId2">
-            <a:extLst>
-              <a:ext uri="{28A0092B-C50C-407E-A947-70E740481C1C}">
-                <a14:useLocalDpi xmlns:a14="http://schemas.microsoft.com/office/drawing/2010/main" val="0"/>
-              </a:ext>
-            </a:extLst>
-          </a:blip>
-          <a:srcRect/>
-          <a:stretch>
-            <a:fillRect/>
-          </a:stretch>
-        </p:blipFill>
-        <p:spPr bwMode="auto">
-          <a:xfrm>
-            <a:off x="4419600" y="2514600"/>
-            <a:ext cx="4010025" cy="1876425"/>
-          </a:xfrm>
-          <a:prstGeom prst="rect">
-            <a:avLst/>
-          </a:prstGeom>
-          <a:noFill/>
-          <a:extLst>
-            <a:ext uri="{909E8E84-426E-40DD-AFC4-6F175D3DCCD1}">
-              <a14:hiddenFill xmlns:a14="http://schemas.microsoft.com/office/drawing/2010/main">
-                <a:solidFill>
-                  <a:srgbClr val="FFFFFF"/>
-                </a:solidFill>
-              </a14:hiddenFill>
-            </a:ext>
-          </a:extLst>
-        </p:spPr>
-      </p:pic>
-    </p:spTree>
-    <p:extLst>
-      <p:ext uri="{BB962C8B-B14F-4D97-AF65-F5344CB8AC3E}">
-        <p14:creationId xmlns:p14="http://schemas.microsoft.com/office/powerpoint/2010/main" val="3013891641"/>
-      </p:ext>
-    </p:extLst>
-  </p:cSld>
-  <p:clrMapOvr>
-    <a:masterClrMapping/>
-  </p:clrMapOvr>
-  <p:transition>
-    <p:fade/>
-  </p:transition>
-  <p:timing>
-    <p:tnLst>
-      <p:par>
-        <p:cTn id="1" dur="indefinite" restart="never" nodeType="tmRoot"/>
-      </p:par>
-    </p:tnLst>
-  </p:timing>
-</p:sld>
-</file>
-
-<file path=ppt/slides/slide9.xml><?xml version="1.0" encoding="utf-8"?>
-<p:sld xmlns:a="http://schemas.openxmlformats.org/drawingml/2006/main" xmlns:r="http://schemas.openxmlformats.org/officeDocument/2006/relationships" xmlns:p="http://schemas.openxmlformats.org/presentationml/2006/main">
-  <p:cSld>
-    <p:spTree>
-      <p:nvGrpSpPr>
-        <p:cNvPr id="1" name=""/>
-        <p:cNvGrpSpPr/>
-        <p:nvPr/>
-      </p:nvGrpSpPr>
-      <p:grpSpPr>
-        <a:xfrm>
-          <a:off x="0" y="0"/>
-          <a:ext cx="0" cy="0"/>
-          <a:chOff x="0" y="0"/>
-          <a:chExt cx="0" cy="0"/>
-        </a:xfrm>
-      </p:grpSpPr>
-      <p:sp>
-        <p:nvSpPr>
-          <p:cNvPr id="2" name="Title 1"/>
-          <p:cNvSpPr>
-            <a:spLocks noGrp="1"/>
-          </p:cNvSpPr>
-          <p:nvPr>
-            <p:ph type="title"/>
-          </p:nvPr>
-        </p:nvSpPr>
-        <p:spPr/>
-        <p:txBody>
-          <a:bodyPr/>
-          <a:lstStyle/>
-          <a:p>
-            <a:r>
-              <a:rPr lang="en-US" dirty="0" err="1"/>
-              <a:t>j</a:t>
-            </a:r>
-            <a:r>
-              <a:rPr lang="en-US" dirty="0" err="1" smtClean="0"/>
-              <a:t>spm</a:t>
-            </a:r>
-            <a:r>
-              <a:rPr lang="en-US" dirty="0" smtClean="0"/>
-              <a:t> </a:t>
-            </a:r>
-            <a:r>
-              <a:rPr lang="en-US" dirty="0" err="1" smtClean="0"/>
-              <a:t>init</a:t>
-            </a:r>
-            <a:endParaRPr lang="en-US" dirty="0"/>
-          </a:p>
-        </p:txBody>
-      </p:sp>
-      <p:sp>
-        <p:nvSpPr>
-          <p:cNvPr id="3" name="Text Placeholder 2"/>
-          <p:cNvSpPr>
-            <a:spLocks noGrp="1"/>
-          </p:cNvSpPr>
-          <p:nvPr>
-            <p:ph type="body" idx="1"/>
-          </p:nvPr>
-        </p:nvSpPr>
-        <p:spPr/>
-        <p:txBody>
-          <a:bodyPr/>
-          <a:lstStyle/>
-          <a:p>
-            <a:endParaRPr lang="en-US"/>
-          </a:p>
-        </p:txBody>
-      </p:sp>
-      <p:pic>
-        <p:nvPicPr>
-          <p:cNvPr id="4" name="Picture 3"/>
-          <p:cNvPicPr>
-            <a:picLocks noChangeAspect="1"/>
-          </p:cNvPicPr>
-          <p:nvPr/>
-        </p:nvPicPr>
-        <p:blipFill>
-          <a:blip r:embed="rId2"/>
-          <a:stretch>
-            <a:fillRect/>
-          </a:stretch>
-        </p:blipFill>
-        <p:spPr>
-          <a:xfrm>
-            <a:off x="319087" y="1295400"/>
-            <a:ext cx="8505825" cy="5000625"/>
-          </a:xfrm>
-          <a:prstGeom prst="rect">
-            <a:avLst/>
-          </a:prstGeom>
-        </p:spPr>
-      </p:pic>
-    </p:spTree>
-    <p:extLst>
-      <p:ext uri="{BB962C8B-B14F-4D97-AF65-F5344CB8AC3E}">
-        <p14:creationId xmlns:p14="http://schemas.microsoft.com/office/powerpoint/2010/main" val="562636667"/>
       </p:ext>
     </p:extLst>
   </p:cSld>
@@ -8392,6 +13548,308 @@
 </file>
 
 <file path=ppt/theme/theme2.xml><?xml version="1.0" encoding="utf-8"?>
+<a:theme xmlns:a="http://schemas.openxmlformats.org/drawingml/2006/main" name="Intelliem 2013 v1">
+  <a:themeElements>
+    <a:clrScheme name="IT Unity 2015 A">
+      <a:dk1>
+        <a:srgbClr val="505050"/>
+      </a:dk1>
+      <a:lt1>
+        <a:srgbClr val="FFFFFF"/>
+      </a:lt1>
+      <a:dk2>
+        <a:srgbClr val="0072C6"/>
+      </a:dk2>
+      <a:lt2>
+        <a:srgbClr val="E6E6E6"/>
+      </a:lt2>
+      <a:accent1>
+        <a:srgbClr val="FF5900"/>
+      </a:accent1>
+      <a:accent2>
+        <a:srgbClr val="DC3C00"/>
+      </a:accent2>
+      <a:accent3>
+        <a:srgbClr val="007233"/>
+      </a:accent3>
+      <a:accent4>
+        <a:srgbClr val="002060"/>
+      </a:accent4>
+      <a:accent5>
+        <a:srgbClr val="FF8000"/>
+      </a:accent5>
+      <a:accent6>
+        <a:srgbClr val="FFFF00"/>
+      </a:accent6>
+      <a:hlink>
+        <a:srgbClr val="7030A0"/>
+      </a:hlink>
+      <a:folHlink>
+        <a:srgbClr val="7030A0"/>
+      </a:folHlink>
+    </a:clrScheme>
+    <a:fontScheme name="IT Unity 2015 A">
+      <a:majorFont>
+        <a:latin typeface="Myriad Pro"/>
+        <a:ea typeface=""/>
+        <a:cs typeface=""/>
+      </a:majorFont>
+      <a:minorFont>
+        <a:latin typeface="Segoe UI"/>
+        <a:ea typeface=""/>
+        <a:cs typeface=""/>
+      </a:minorFont>
+    </a:fontScheme>
+    <a:fmtScheme name="Couture">
+      <a:fillStyleLst>
+        <a:solidFill>
+          <a:schemeClr val="phClr"/>
+        </a:solidFill>
+        <a:solidFill>
+          <a:schemeClr val="phClr">
+            <a:tint val="65000"/>
+          </a:schemeClr>
+        </a:solidFill>
+        <a:solidFill>
+          <a:schemeClr val="phClr">
+            <a:shade val="80000"/>
+            <a:satMod val="180000"/>
+          </a:schemeClr>
+        </a:solidFill>
+      </a:fillStyleLst>
+      <a:lnStyleLst>
+        <a:ln w="9525" cap="flat" cmpd="sng" algn="ctr">
+          <a:solidFill>
+            <a:schemeClr val="phClr"/>
+          </a:solidFill>
+          <a:prstDash val="solid"/>
+        </a:ln>
+        <a:ln w="10795" cap="flat" cmpd="sng" algn="ctr">
+          <a:solidFill>
+            <a:schemeClr val="phClr"/>
+          </a:solidFill>
+          <a:prstDash val="solid"/>
+        </a:ln>
+        <a:ln w="17145" cap="flat" cmpd="sng" algn="ctr">
+          <a:solidFill>
+            <a:schemeClr val="phClr">
+              <a:shade val="95000"/>
+              <a:alpha val="50000"/>
+              <a:satMod val="150000"/>
+            </a:schemeClr>
+          </a:solidFill>
+          <a:prstDash val="solid"/>
+        </a:ln>
+      </a:lnStyleLst>
+      <a:effectStyleLst>
+        <a:effectStyle>
+          <a:effectLst/>
+        </a:effectStyle>
+        <a:effectStyle>
+          <a:effectLst/>
+        </a:effectStyle>
+        <a:effectStyle>
+          <a:effectLst>
+            <a:outerShdw blurRad="44450" dist="13970" dir="5400000" algn="ctr" rotWithShape="0">
+              <a:srgbClr val="000000">
+                <a:alpha val="45000"/>
+              </a:srgbClr>
+            </a:outerShdw>
+          </a:effectLst>
+          <a:scene3d>
+            <a:camera prst="orthographicFront">
+              <a:rot lat="0" lon="0" rev="0"/>
+            </a:camera>
+            <a:lightRig rig="twoPt" dir="tl"/>
+          </a:scene3d>
+          <a:sp3d prstMaterial="flat">
+            <a:bevelT w="19050" h="31750" prst="coolSlant"/>
+          </a:sp3d>
+        </a:effectStyle>
+      </a:effectStyleLst>
+      <a:bgFillStyleLst>
+        <a:solidFill>
+          <a:schemeClr val="phClr"/>
+        </a:solidFill>
+        <a:gradFill rotWithShape="1">
+          <a:gsLst>
+            <a:gs pos="0">
+              <a:schemeClr val="phClr">
+                <a:tint val="40000"/>
+                <a:satMod val="350000"/>
+              </a:schemeClr>
+            </a:gs>
+            <a:gs pos="40000">
+              <a:schemeClr val="phClr">
+                <a:tint val="45000"/>
+                <a:shade val="99000"/>
+                <a:satMod val="350000"/>
+              </a:schemeClr>
+            </a:gs>
+            <a:gs pos="100000">
+              <a:schemeClr val="phClr">
+                <a:shade val="20000"/>
+                <a:satMod val="255000"/>
+              </a:schemeClr>
+            </a:gs>
+          </a:gsLst>
+          <a:path path="circle">
+            <a:fillToRect l="50000" t="-80000" r="50000" b="180000"/>
+          </a:path>
+        </a:gradFill>
+        <a:gradFill rotWithShape="1">
+          <a:gsLst>
+            <a:gs pos="0">
+              <a:schemeClr val="phClr">
+                <a:tint val="80000"/>
+                <a:satMod val="300000"/>
+              </a:schemeClr>
+            </a:gs>
+            <a:gs pos="100000">
+              <a:schemeClr val="phClr">
+                <a:shade val="30000"/>
+                <a:satMod val="200000"/>
+              </a:schemeClr>
+            </a:gs>
+          </a:gsLst>
+          <a:path path="circle">
+            <a:fillToRect l="50000" t="50000" r="50000" b="50000"/>
+          </a:path>
+        </a:gradFill>
+      </a:bgFillStyleLst>
+    </a:fmtScheme>
+  </a:themeElements>
+  <a:objectDefaults>
+    <a:spDef>
+      <a:spPr bwMode="auto">
+        <a:solidFill>
+          <a:schemeClr val="accent1"/>
+        </a:solidFill>
+        <a:ln>
+          <a:noFill/>
+          <a:headEnd type="none" w="med" len="med"/>
+          <a:tailEnd type="none" w="med" len="med"/>
+        </a:ln>
+        <a:effectLst/>
+      </a:spPr>
+      <a:bodyPr rot="0" spcFirstLastPara="0" vertOverflow="overflow" horzOverflow="overflow" vert="horz" wrap="square" lIns="182880" tIns="146304" rIns="182880" bIns="146304" numCol="1" spcCol="0" rtlCol="0" fromWordArt="0" anchor="t" anchorCtr="0" forceAA="0" compatLnSpc="1">
+        <a:prstTxWarp prst="textNoShape">
+          <a:avLst/>
+        </a:prstTxWarp>
+        <a:noAutofit/>
+      </a:bodyPr>
+      <a:lstStyle>
+        <a:defPPr defTabSz="932472" fontAlgn="base">
+          <a:lnSpc>
+            <a:spcPct val="90000"/>
+          </a:lnSpc>
+          <a:spcBef>
+            <a:spcPct val="0"/>
+          </a:spcBef>
+          <a:spcAft>
+            <a:spcPct val="0"/>
+          </a:spcAft>
+          <a:defRPr sz="2400" dirty="0" err="1" smtClean="0">
+            <a:gradFill>
+              <a:gsLst>
+                <a:gs pos="0">
+                  <a:srgbClr val="FFFFFF"/>
+                </a:gs>
+                <a:gs pos="100000">
+                  <a:srgbClr val="FFFFFF"/>
+                </a:gs>
+              </a:gsLst>
+              <a:lin ang="5400000" scaled="0"/>
+            </a:gradFill>
+            <a:ea typeface="Segoe UI" pitchFamily="34" charset="0"/>
+            <a:cs typeface="Segoe UI" pitchFamily="34" charset="0"/>
+          </a:defRPr>
+        </a:defPPr>
+      </a:lstStyle>
+      <a:style>
+        <a:lnRef idx="1">
+          <a:schemeClr val="accent2"/>
+        </a:lnRef>
+        <a:fillRef idx="3">
+          <a:schemeClr val="accent2"/>
+        </a:fillRef>
+        <a:effectRef idx="2">
+          <a:schemeClr val="accent2"/>
+        </a:effectRef>
+        <a:fontRef idx="minor">
+          <a:schemeClr val="lt1"/>
+        </a:fontRef>
+      </a:style>
+    </a:spDef>
+    <a:lnDef>
+      <a:spPr>
+        <a:ln>
+          <a:solidFill>
+            <a:schemeClr val="tx1"/>
+          </a:solidFill>
+          <a:headEnd type="none"/>
+          <a:tailEnd type="none"/>
+        </a:ln>
+      </a:spPr>
+      <a:bodyPr/>
+      <a:lstStyle/>
+      <a:style>
+        <a:lnRef idx="1">
+          <a:schemeClr val="accent1"/>
+        </a:lnRef>
+        <a:fillRef idx="0">
+          <a:schemeClr val="accent1"/>
+        </a:fillRef>
+        <a:effectRef idx="0">
+          <a:schemeClr val="accent1"/>
+        </a:effectRef>
+        <a:fontRef idx="minor">
+          <a:schemeClr val="tx1"/>
+        </a:fontRef>
+      </a:style>
+    </a:lnDef>
+    <a:txDef>
+      <a:spPr>
+        <a:noFill/>
+      </a:spPr>
+      <a:bodyPr wrap="square" lIns="182880" tIns="146304" rIns="182880" bIns="146304" rtlCol="0">
+        <a:spAutoFit/>
+      </a:bodyPr>
+      <a:lstStyle>
+        <a:defPPr>
+          <a:lnSpc>
+            <a:spcPct val="90000"/>
+          </a:lnSpc>
+          <a:spcAft>
+            <a:spcPts val="600"/>
+          </a:spcAft>
+          <a:defRPr sz="2400" dirty="0" err="1" smtClean="0">
+            <a:gradFill>
+              <a:gsLst>
+                <a:gs pos="2917">
+                  <a:schemeClr val="tx1"/>
+                </a:gs>
+                <a:gs pos="30000">
+                  <a:schemeClr val="tx1"/>
+                </a:gs>
+              </a:gsLst>
+              <a:lin ang="5400000" scaled="0"/>
+            </a:gradFill>
+          </a:defRPr>
+        </a:defPPr>
+      </a:lstStyle>
+    </a:txDef>
+  </a:objectDefaults>
+  <a:extraClrSchemeLst/>
+  <a:extLst>
+    <a:ext uri="{05A4C25C-085E-4340-85A3-A5531E510DB2}">
+      <thm15:themeFamily xmlns:thm15="http://schemas.microsoft.com/office/thememl/2012/main" name="IT Unity 2014 Template" id="{B3FB2098-6986-4203-BA4B-126DB3669140}" vid="{A1076AB7-DE17-437B-93AC-F4F752B9F2ED}"/>
+    </a:ext>
+  </a:extLst>
+</a:theme>
+</file>
+
+<file path=ppt/theme/theme3.xml><?xml version="1.0" encoding="utf-8"?>
 <a:theme xmlns:a="http://schemas.openxmlformats.org/drawingml/2006/main" name="Office Theme">
   <a:themeElements>
     <a:clrScheme name="">
@@ -8671,7 +14129,7 @@
 </a:theme>
 </file>
 
-<file path=ppt/theme/theme3.xml><?xml version="1.0" encoding="utf-8"?>
+<file path=ppt/theme/theme4.xml><?xml version="1.0" encoding="utf-8"?>
 <a:theme xmlns:a="http://schemas.openxmlformats.org/drawingml/2006/main" name="Office Theme">
   <a:themeElements>
     <a:clrScheme name="Office">
